--- a/docs/presentation/Presentasjon oblig 5.pptx
+++ b/docs/presentation/Presentasjon oblig 5.pptx
@@ -6,15 +6,16 @@
     <p:sldMasterId id="2147483660" r:id="rId2"/>
   </p:sldMasterIdLst>
   <p:sldIdLst>
-    <p:sldId id="257" r:id="rId3"/>
-    <p:sldId id="256" r:id="rId4"/>
-    <p:sldId id="266" r:id="rId5"/>
-    <p:sldId id="271" r:id="rId6"/>
+    <p:sldId id="271" r:id="rId3"/>
+    <p:sldId id="257" r:id="rId4"/>
+    <p:sldId id="256" r:id="rId5"/>
+    <p:sldId id="266" r:id="rId6"/>
     <p:sldId id="272" r:id="rId7"/>
-    <p:sldId id="274" r:id="rId8"/>
-    <p:sldId id="273" r:id="rId9"/>
-    <p:sldId id="270" r:id="rId10"/>
-    <p:sldId id="263" r:id="rId11"/>
+    <p:sldId id="275" r:id="rId8"/>
+    <p:sldId id="274" r:id="rId9"/>
+    <p:sldId id="273" r:id="rId10"/>
+    <p:sldId id="270" r:id="rId11"/>
+    <p:sldId id="263" r:id="rId12"/>
   </p:sldIdLst>
   <p:sldSz cx="9144000" cy="6858000" type="screen4x3"/>
   <p:notesSz cx="6858000" cy="9144000"/>
@@ -351,7 +352,7 @@
               <a:pPr>
                 <a:defRPr/>
               </a:pPr>
-              <a:t>10/05/2018</a:t>
+              <a:t>11/05/2018</a:t>
             </a:fld>
             <a:endParaRPr lang="es-ES" dirty="0"/>
           </a:p>
@@ -546,7 +547,7 @@
               <a:pPr>
                 <a:defRPr/>
               </a:pPr>
-              <a:t>10/05/2018</a:t>
+              <a:t>11/05/2018</a:t>
             </a:fld>
             <a:endParaRPr lang="es-ES" dirty="0"/>
           </a:p>
@@ -751,7 +752,7 @@
               <a:pPr>
                 <a:defRPr/>
               </a:pPr>
-              <a:t>10/05/2018</a:t>
+              <a:t>11/05/2018</a:t>
             </a:fld>
             <a:endParaRPr lang="es-ES" dirty="0"/>
           </a:p>
@@ -1817,7 +1818,7 @@
               <a:pPr>
                 <a:defRPr/>
               </a:pPr>
-              <a:t>10/05/2018</a:t>
+              <a:t>11/05/2018</a:t>
             </a:fld>
             <a:endParaRPr lang="es-ES" dirty="0"/>
           </a:p>
@@ -2810,7 +2811,7 @@
               <a:pPr>
                 <a:defRPr/>
               </a:pPr>
-              <a:t>10/05/2018</a:t>
+              <a:t>11/05/2018</a:t>
             </a:fld>
             <a:endParaRPr lang="es-ES" dirty="0"/>
           </a:p>
@@ -3122,7 +3123,7 @@
               <a:pPr>
                 <a:defRPr/>
               </a:pPr>
-              <a:t>10/05/2018</a:t>
+              <a:t>11/05/2018</a:t>
             </a:fld>
             <a:endParaRPr lang="es-ES" dirty="0"/>
           </a:p>
@@ -3568,7 +3569,7 @@
               <a:pPr>
                 <a:defRPr/>
               </a:pPr>
-              <a:t>10/05/2018</a:t>
+              <a:t>11/05/2018</a:t>
             </a:fld>
             <a:endParaRPr lang="es-ES" dirty="0"/>
           </a:p>
@@ -3712,7 +3713,7 @@
               <a:pPr>
                 <a:defRPr/>
               </a:pPr>
-              <a:t>10/05/2018</a:t>
+              <a:t>11/05/2018</a:t>
             </a:fld>
             <a:endParaRPr lang="es-ES" dirty="0"/>
           </a:p>
@@ -3834,7 +3835,7 @@
               <a:pPr>
                 <a:defRPr/>
               </a:pPr>
-              <a:t>10/05/2018</a:t>
+              <a:t>11/05/2018</a:t>
             </a:fld>
             <a:endParaRPr lang="es-ES" dirty="0"/>
           </a:p>
@@ -4136,7 +4137,7 @@
               <a:pPr>
                 <a:defRPr/>
               </a:pPr>
-              <a:t>10/05/2018</a:t>
+              <a:t>11/05/2018</a:t>
             </a:fld>
             <a:endParaRPr lang="es-ES" dirty="0"/>
           </a:p>
@@ -4418,7 +4419,7 @@
               <a:pPr>
                 <a:defRPr/>
               </a:pPr>
-              <a:t>10/05/2018</a:t>
+              <a:t>11/05/2018</a:t>
             </a:fld>
             <a:endParaRPr lang="es-ES" dirty="0"/>
           </a:p>
@@ -4710,7 +4711,7 @@
               <a:pPr>
                 <a:defRPr/>
               </a:pPr>
-              <a:t>10/05/2018</a:t>
+              <a:t>11/05/2018</a:t>
             </a:fld>
             <a:endParaRPr lang="es-ES" dirty="0"/>
           </a:p>
@@ -5943,6 +5944,1356 @@
 </file>
 
 <file path=ppt/slides/slide1.xml><?xml version="1.0" encoding="utf-8"?>
+<p:sld xmlns:a="http://schemas.openxmlformats.org/drawingml/2006/main" xmlns:r="http://schemas.openxmlformats.org/officeDocument/2006/relationships" xmlns:p="http://schemas.openxmlformats.org/presentationml/2006/main">
+  <p:cSld>
+    <p:bg>
+      <p:bgPr>
+        <a:blipFill dpi="0" rotWithShape="0">
+          <a:blip r:embed="rId2"/>
+          <a:srcRect/>
+          <a:stretch>
+            <a:fillRect/>
+          </a:stretch>
+        </a:blipFill>
+        <a:effectLst/>
+      </p:bgPr>
+    </p:bg>
+    <p:spTree>
+      <p:nvGrpSpPr>
+        <p:cNvPr id="1" name=""/>
+        <p:cNvGrpSpPr/>
+        <p:nvPr/>
+      </p:nvGrpSpPr>
+      <p:grpSpPr>
+        <a:xfrm>
+          <a:off x="0" y="0"/>
+          <a:ext cx="0" cy="0"/>
+          <a:chOff x="0" y="0"/>
+          <a:chExt cx="0" cy="0"/>
+        </a:xfrm>
+      </p:grpSpPr>
+      <p:grpSp>
+        <p:nvGrpSpPr>
+          <p:cNvPr id="14340" name="13 Grupo"/>
+          <p:cNvGrpSpPr>
+            <a:grpSpLocks/>
+          </p:cNvGrpSpPr>
+          <p:nvPr/>
+        </p:nvGrpSpPr>
+        <p:grpSpPr bwMode="auto">
+          <a:xfrm>
+            <a:off x="4618038" y="2276475"/>
+            <a:ext cx="6350" cy="3017838"/>
+            <a:chOff x="4276603" y="1491264"/>
+            <a:chExt cx="319" cy="3377896"/>
+          </a:xfrm>
+        </p:grpSpPr>
+        <p:cxnSp>
+          <p:nvCxnSpPr>
+            <p:cNvPr id="10" name="9 Conector recto"/>
+            <p:cNvCxnSpPr/>
+            <p:nvPr/>
+          </p:nvCxnSpPr>
+          <p:spPr>
+            <a:xfrm>
+              <a:off x="4276603" y="1491264"/>
+              <a:ext cx="0" cy="3377896"/>
+            </a:xfrm>
+            <a:prstGeom prst="line">
+              <a:avLst/>
+            </a:prstGeom>
+            <a:ln>
+              <a:solidFill>
+                <a:schemeClr val="bg1">
+                  <a:lumMod val="85000"/>
+                </a:schemeClr>
+              </a:solidFill>
+            </a:ln>
+          </p:spPr>
+          <p:style>
+            <a:lnRef idx="1">
+              <a:schemeClr val="dk1"/>
+            </a:lnRef>
+            <a:fillRef idx="0">
+              <a:schemeClr val="dk1"/>
+            </a:fillRef>
+            <a:effectRef idx="0">
+              <a:schemeClr val="dk1"/>
+            </a:effectRef>
+            <a:fontRef idx="minor">
+              <a:schemeClr val="tx1"/>
+            </a:fontRef>
+          </p:style>
+        </p:cxnSp>
+        <p:cxnSp>
+          <p:nvCxnSpPr>
+            <p:cNvPr id="11" name="10 Conector recto"/>
+            <p:cNvCxnSpPr/>
+            <p:nvPr/>
+          </p:nvCxnSpPr>
+          <p:spPr>
+            <a:xfrm>
+              <a:off x="4276922" y="1491264"/>
+              <a:ext cx="0" cy="3377896"/>
+            </a:xfrm>
+            <a:prstGeom prst="line">
+              <a:avLst/>
+            </a:prstGeom>
+            <a:ln>
+              <a:solidFill>
+                <a:schemeClr val="bg1"/>
+              </a:solidFill>
+            </a:ln>
+          </p:spPr>
+          <p:style>
+            <a:lnRef idx="1">
+              <a:schemeClr val="dk1"/>
+            </a:lnRef>
+            <a:fillRef idx="0">
+              <a:schemeClr val="dk1"/>
+            </a:fillRef>
+            <a:effectRef idx="0">
+              <a:schemeClr val="dk1"/>
+            </a:effectRef>
+            <a:fontRef idx="minor">
+              <a:schemeClr val="tx1"/>
+            </a:fontRef>
+          </p:style>
+        </p:cxnSp>
+      </p:grpSp>
+      <p:sp>
+        <p:nvSpPr>
+          <p:cNvPr id="24" name="1 Título"/>
+          <p:cNvSpPr txBox="1">
+            <a:spLocks/>
+          </p:cNvSpPr>
+          <p:nvPr/>
+        </p:nvSpPr>
+        <p:spPr>
+          <a:xfrm>
+            <a:off x="395288" y="1298575"/>
+            <a:ext cx="4519612" cy="474663"/>
+          </a:xfrm>
+          <a:prstGeom prst="rect">
+            <a:avLst/>
+          </a:prstGeom>
+        </p:spPr>
+        <p:txBody>
+          <a:bodyPr anchor="ctr"/>
+          <a:lstStyle>
+            <a:lvl1pPr algn="ctr" defTabSz="914400" rtl="0" eaLnBrk="1" latinLnBrk="0" hangingPunct="1">
+              <a:spcBef>
+                <a:spcPct val="0"/>
+              </a:spcBef>
+              <a:buNone/>
+              <a:defRPr sz="4400" kern="1200">
+                <a:solidFill>
+                  <a:schemeClr val="tx1"/>
+                </a:solidFill>
+                <a:latin typeface="+mj-lt"/>
+                <a:ea typeface="+mj-ea"/>
+                <a:cs typeface="+mj-cs"/>
+              </a:defRPr>
+            </a:lvl1pPr>
+          </a:lstStyle>
+          <a:p>
+            <a:pPr algn="l" fontAlgn="auto">
+              <a:lnSpc>
+                <a:spcPts val="5760"/>
+              </a:lnSpc>
+              <a:spcBef>
+                <a:spcPts val="0"/>
+              </a:spcBef>
+              <a:spcAft>
+                <a:spcPts val="0"/>
+              </a:spcAft>
+              <a:defRPr/>
+            </a:pPr>
+            <a:endParaRPr lang="es-HN" sz="1600" b="1" dirty="0">
+              <a:solidFill>
+                <a:srgbClr val="FFC000"/>
+              </a:solidFill>
+              <a:latin typeface="Rockwell" pitchFamily="18" charset="0"/>
+            </a:endParaRPr>
+          </a:p>
+        </p:txBody>
+      </p:sp>
+      <p:sp>
+        <p:nvSpPr>
+          <p:cNvPr id="26" name="1 Título"/>
+          <p:cNvSpPr txBox="1">
+            <a:spLocks/>
+          </p:cNvSpPr>
+          <p:nvPr/>
+        </p:nvSpPr>
+        <p:spPr>
+          <a:xfrm>
+            <a:off x="4913313" y="3817938"/>
+            <a:ext cx="2663825" cy="474662"/>
+          </a:xfrm>
+          <a:prstGeom prst="rect">
+            <a:avLst/>
+          </a:prstGeom>
+        </p:spPr>
+        <p:txBody>
+          <a:bodyPr anchor="ctr"/>
+          <a:lstStyle>
+            <a:lvl1pPr algn="ctr" defTabSz="914400" rtl="0" eaLnBrk="1" latinLnBrk="0" hangingPunct="1">
+              <a:spcBef>
+                <a:spcPct val="0"/>
+              </a:spcBef>
+              <a:buNone/>
+              <a:defRPr sz="4400" kern="1200">
+                <a:solidFill>
+                  <a:schemeClr val="tx1"/>
+                </a:solidFill>
+                <a:latin typeface="+mj-lt"/>
+                <a:ea typeface="+mj-ea"/>
+                <a:cs typeface="+mj-cs"/>
+              </a:defRPr>
+            </a:lvl1pPr>
+          </a:lstStyle>
+          <a:p>
+            <a:pPr algn="l" fontAlgn="auto">
+              <a:spcBef>
+                <a:spcPts val="0"/>
+              </a:spcBef>
+              <a:spcAft>
+                <a:spcPts val="0"/>
+              </a:spcAft>
+              <a:defRPr/>
+            </a:pPr>
+            <a:endParaRPr lang="es-HN" sz="1050" b="1" dirty="0">
+              <a:solidFill>
+                <a:srgbClr val="FFC000"/>
+              </a:solidFill>
+              <a:latin typeface="Rockwell" pitchFamily="18" charset="0"/>
+            </a:endParaRPr>
+          </a:p>
+        </p:txBody>
+      </p:sp>
+      <p:sp>
+        <p:nvSpPr>
+          <p:cNvPr id="27" name="1 Título"/>
+          <p:cNvSpPr txBox="1">
+            <a:spLocks/>
+          </p:cNvSpPr>
+          <p:nvPr/>
+        </p:nvSpPr>
+        <p:spPr>
+          <a:xfrm>
+            <a:off x="317500" y="2059930"/>
+            <a:ext cx="2663825" cy="474663"/>
+          </a:xfrm>
+          <a:prstGeom prst="rect">
+            <a:avLst/>
+          </a:prstGeom>
+        </p:spPr>
+        <p:txBody>
+          <a:bodyPr anchor="ctr"/>
+          <a:lstStyle>
+            <a:lvl1pPr algn="ctr" defTabSz="914400" rtl="0" eaLnBrk="1" latinLnBrk="0" hangingPunct="1">
+              <a:spcBef>
+                <a:spcPct val="0"/>
+              </a:spcBef>
+              <a:buNone/>
+              <a:defRPr sz="4400" kern="1200">
+                <a:solidFill>
+                  <a:schemeClr val="tx1"/>
+                </a:solidFill>
+                <a:latin typeface="+mj-lt"/>
+                <a:ea typeface="+mj-ea"/>
+                <a:cs typeface="+mj-cs"/>
+              </a:defRPr>
+            </a:lvl1pPr>
+          </a:lstStyle>
+          <a:p>
+            <a:pPr algn="l" fontAlgn="auto">
+              <a:spcBef>
+                <a:spcPts val="0"/>
+              </a:spcBef>
+              <a:spcAft>
+                <a:spcPts val="0"/>
+              </a:spcAft>
+              <a:defRPr/>
+            </a:pPr>
+            <a:endParaRPr lang="es-HN" sz="1950" b="1" dirty="0">
+              <a:solidFill>
+                <a:srgbClr val="FFC000"/>
+              </a:solidFill>
+              <a:latin typeface="Rockwell" pitchFamily="18" charset="0"/>
+            </a:endParaRPr>
+          </a:p>
+        </p:txBody>
+      </p:sp>
+      <p:pic>
+        <p:nvPicPr>
+          <p:cNvPr id="14348" name="27 Imagen"/>
+          <p:cNvPicPr>
+            <a:picLocks noChangeAspect="1"/>
+          </p:cNvPicPr>
+          <p:nvPr/>
+        </p:nvPicPr>
+        <p:blipFill>
+          <a:blip r:embed="rId3">
+            <a:extLst>
+              <a:ext uri="{28A0092B-C50C-407E-A947-70E740481C1C}">
+                <a14:useLocalDpi xmlns:a14="http://schemas.microsoft.com/office/drawing/2010/main" val="0"/>
+              </a:ext>
+            </a:extLst>
+          </a:blip>
+          <a:srcRect/>
+          <a:stretch>
+            <a:fillRect/>
+          </a:stretch>
+        </p:blipFill>
+        <p:spPr bwMode="auto">
+          <a:xfrm>
+            <a:off x="4167188" y="6170613"/>
+            <a:ext cx="363537" cy="303212"/>
+          </a:xfrm>
+          <a:prstGeom prst="rect">
+            <a:avLst/>
+          </a:prstGeom>
+          <a:noFill/>
+          <a:ln>
+            <a:noFill/>
+          </a:ln>
+          <a:extLst>
+            <a:ext uri="{909E8E84-426E-40DD-AFC4-6F175D3DCCD1}">
+              <a14:hiddenFill xmlns:a14="http://schemas.microsoft.com/office/drawing/2010/main">
+                <a:solidFill>
+                  <a:srgbClr val="FFFFFF"/>
+                </a:solidFill>
+              </a14:hiddenFill>
+            </a:ext>
+            <a:ext uri="{91240B29-F687-4F45-9708-019B960494DF}">
+              <a14:hiddenLine xmlns:a14="http://schemas.microsoft.com/office/drawing/2010/main" w="9525">
+                <a:solidFill>
+                  <a:srgbClr val="000000"/>
+                </a:solidFill>
+                <a:miter lim="800000"/>
+                <a:headEnd/>
+                <a:tailEnd/>
+              </a14:hiddenLine>
+            </a:ext>
+          </a:extLst>
+        </p:spPr>
+      </p:pic>
+      <p:pic>
+        <p:nvPicPr>
+          <p:cNvPr id="14349" name="28 Imagen"/>
+          <p:cNvPicPr>
+            <a:picLocks noChangeAspect="1"/>
+          </p:cNvPicPr>
+          <p:nvPr/>
+        </p:nvPicPr>
+        <p:blipFill>
+          <a:blip r:embed="rId3">
+            <a:extLst>
+              <a:ext uri="{28A0092B-C50C-407E-A947-70E740481C1C}">
+                <a14:useLocalDpi xmlns:a14="http://schemas.microsoft.com/office/drawing/2010/main" val="0"/>
+              </a:ext>
+            </a:extLst>
+          </a:blip>
+          <a:srcRect/>
+          <a:stretch>
+            <a:fillRect/>
+          </a:stretch>
+        </p:blipFill>
+        <p:spPr bwMode="auto">
+          <a:xfrm>
+            <a:off x="4741863" y="6170613"/>
+            <a:ext cx="363537" cy="303212"/>
+          </a:xfrm>
+          <a:prstGeom prst="rect">
+            <a:avLst/>
+          </a:prstGeom>
+          <a:noFill/>
+          <a:ln>
+            <a:noFill/>
+          </a:ln>
+          <a:extLst>
+            <a:ext uri="{909E8E84-426E-40DD-AFC4-6F175D3DCCD1}">
+              <a14:hiddenFill xmlns:a14="http://schemas.microsoft.com/office/drawing/2010/main">
+                <a:solidFill>
+                  <a:srgbClr val="FFFFFF"/>
+                </a:solidFill>
+              </a14:hiddenFill>
+            </a:ext>
+            <a:ext uri="{91240B29-F687-4F45-9708-019B960494DF}">
+              <a14:hiddenLine xmlns:a14="http://schemas.microsoft.com/office/drawing/2010/main" w="9525">
+                <a:solidFill>
+                  <a:srgbClr val="000000"/>
+                </a:solidFill>
+                <a:miter lim="800000"/>
+                <a:headEnd/>
+                <a:tailEnd/>
+              </a14:hiddenLine>
+            </a:ext>
+          </a:extLst>
+        </p:spPr>
+      </p:pic>
+      <p:pic>
+        <p:nvPicPr>
+          <p:cNvPr id="14353" name="Imagen 5" descr="C:\Users\Design\Documents\Edu\Product Launch\shadown.png"/>
+          <p:cNvPicPr>
+            <a:picLocks noChangeAspect="1" noChangeArrowheads="1"/>
+          </p:cNvPicPr>
+          <p:nvPr/>
+        </p:nvPicPr>
+        <p:blipFill>
+          <a:blip r:embed="rId4">
+            <a:extLst>
+              <a:ext uri="{28A0092B-C50C-407E-A947-70E740481C1C}">
+                <a14:useLocalDpi xmlns:a14="http://schemas.microsoft.com/office/drawing/2010/main" val="0"/>
+              </a:ext>
+            </a:extLst>
+          </a:blip>
+          <a:srcRect/>
+          <a:stretch>
+            <a:fillRect/>
+          </a:stretch>
+        </p:blipFill>
+        <p:spPr bwMode="auto">
+          <a:xfrm>
+            <a:off x="5127625" y="5983288"/>
+            <a:ext cx="763588" cy="720725"/>
+          </a:xfrm>
+          <a:prstGeom prst="rect">
+            <a:avLst/>
+          </a:prstGeom>
+          <a:noFill/>
+          <a:ln>
+            <a:noFill/>
+          </a:ln>
+          <a:extLst>
+            <a:ext uri="{909E8E84-426E-40DD-AFC4-6F175D3DCCD1}">
+              <a14:hiddenFill xmlns:a14="http://schemas.microsoft.com/office/drawing/2010/main">
+                <a:solidFill>
+                  <a:srgbClr val="FFFFFF"/>
+                </a:solidFill>
+              </a14:hiddenFill>
+            </a:ext>
+            <a:ext uri="{91240B29-F687-4F45-9708-019B960494DF}">
+              <a14:hiddenLine xmlns:a14="http://schemas.microsoft.com/office/drawing/2010/main" w="9525">
+                <a:solidFill>
+                  <a:srgbClr val="000000"/>
+                </a:solidFill>
+                <a:miter lim="800000"/>
+                <a:headEnd/>
+                <a:tailEnd/>
+              </a14:hiddenLine>
+            </a:ext>
+          </a:extLst>
+        </p:spPr>
+      </p:pic>
+      <p:pic>
+        <p:nvPicPr>
+          <p:cNvPr id="14356" name="Imagen 5" descr="C:\Users\Design\Documents\Edu\Product Launch\shadown.png"/>
+          <p:cNvPicPr>
+            <a:picLocks noChangeAspect="1" noChangeArrowheads="1"/>
+          </p:cNvPicPr>
+          <p:nvPr/>
+        </p:nvPicPr>
+        <p:blipFill>
+          <a:blip r:embed="rId5">
+            <a:extLst>
+              <a:ext uri="{28A0092B-C50C-407E-A947-70E740481C1C}">
+                <a14:useLocalDpi xmlns:a14="http://schemas.microsoft.com/office/drawing/2010/main" val="0"/>
+              </a:ext>
+            </a:extLst>
+          </a:blip>
+          <a:srcRect/>
+          <a:stretch>
+            <a:fillRect/>
+          </a:stretch>
+        </p:blipFill>
+        <p:spPr bwMode="auto">
+          <a:xfrm>
+            <a:off x="1649413" y="5756275"/>
+            <a:ext cx="1193800" cy="1128713"/>
+          </a:xfrm>
+          <a:prstGeom prst="rect">
+            <a:avLst/>
+          </a:prstGeom>
+          <a:noFill/>
+          <a:ln>
+            <a:noFill/>
+          </a:ln>
+          <a:extLst>
+            <a:ext uri="{909E8E84-426E-40DD-AFC4-6F175D3DCCD1}">
+              <a14:hiddenFill xmlns:a14="http://schemas.microsoft.com/office/drawing/2010/main">
+                <a:solidFill>
+                  <a:srgbClr val="FFFFFF"/>
+                </a:solidFill>
+              </a14:hiddenFill>
+            </a:ext>
+            <a:ext uri="{91240B29-F687-4F45-9708-019B960494DF}">
+              <a14:hiddenLine xmlns:a14="http://schemas.microsoft.com/office/drawing/2010/main" w="9525">
+                <a:solidFill>
+                  <a:srgbClr val="000000"/>
+                </a:solidFill>
+                <a:miter lim="800000"/>
+                <a:headEnd/>
+                <a:tailEnd/>
+              </a14:hiddenLine>
+            </a:ext>
+          </a:extLst>
+        </p:spPr>
+      </p:pic>
+      <p:sp>
+        <p:nvSpPr>
+          <p:cNvPr id="21" name="CustomShape 6">
+            <a:extLst>
+              <a:ext uri="{FF2B5EF4-FFF2-40B4-BE49-F238E27FC236}">
+                <a16:creationId xmlns:a16="http://schemas.microsoft.com/office/drawing/2014/main" id="{C4EC9EAF-C043-450D-8841-E8D670593A4E}"/>
+              </a:ext>
+            </a:extLst>
+          </p:cNvPr>
+          <p:cNvSpPr/>
+          <p:nvPr/>
+        </p:nvSpPr>
+        <p:spPr>
+          <a:xfrm>
+            <a:off x="546258" y="2382022"/>
+            <a:ext cx="8143560" cy="2238840"/>
+          </a:xfrm>
+          <a:prstGeom prst="rect">
+            <a:avLst/>
+          </a:prstGeom>
+          <a:noFill/>
+          <a:ln>
+            <a:noFill/>
+          </a:ln>
+        </p:spPr>
+        <p:style>
+          <a:lnRef idx="0">
+            <a:scrgbClr r="0" g="0" b="0"/>
+          </a:lnRef>
+          <a:fillRef idx="0">
+            <a:scrgbClr r="0" g="0" b="0"/>
+          </a:fillRef>
+          <a:effectRef idx="0">
+            <a:scrgbClr r="0" g="0" b="0"/>
+          </a:effectRef>
+          <a:fontRef idx="minor"/>
+        </p:style>
+        <p:txBody>
+          <a:bodyPr lIns="0" tIns="0" rIns="0" bIns="0"/>
+          <a:lstStyle/>
+          <a:p>
+            <a:pPr marL="216000" indent="-216000" algn="just">
+              <a:lnSpc>
+                <a:spcPct val="100000"/>
+              </a:lnSpc>
+              <a:buClr>
+                <a:srgbClr val="808080"/>
+              </a:buClr>
+              <a:buSzPct val="45000"/>
+              <a:buFont typeface="Wingdings" charset="2"/>
+              <a:buChar char=""/>
+            </a:pPr>
+            <a:endParaRPr lang="en-US" sz="1800" b="0" strike="noStrike" spc="-1" dirty="0">
+              <a:solidFill>
+                <a:srgbClr val="000000"/>
+              </a:solidFill>
+              <a:uFill>
+                <a:solidFill>
+                  <a:srgbClr val="FFFFFF"/>
+                </a:solidFill>
+              </a:uFill>
+              <a:latin typeface="Arial"/>
+            </a:endParaRPr>
+          </a:p>
+        </p:txBody>
+      </p:sp>
+      <p:sp>
+        <p:nvSpPr>
+          <p:cNvPr id="20" name="1 Título">
+            <a:extLst>
+              <a:ext uri="{FF2B5EF4-FFF2-40B4-BE49-F238E27FC236}">
+                <a16:creationId xmlns:a16="http://schemas.microsoft.com/office/drawing/2014/main" id="{9F7CD112-909C-4657-A96D-872A91089A47}"/>
+              </a:ext>
+            </a:extLst>
+          </p:cNvPr>
+          <p:cNvSpPr txBox="1">
+            <a:spLocks/>
+          </p:cNvSpPr>
+          <p:nvPr/>
+        </p:nvSpPr>
+        <p:spPr>
+          <a:xfrm>
+            <a:off x="251520" y="1191394"/>
+            <a:ext cx="5829721" cy="863600"/>
+          </a:xfrm>
+          <a:prstGeom prst="rect">
+            <a:avLst/>
+          </a:prstGeom>
+        </p:spPr>
+        <p:txBody>
+          <a:bodyPr anchor="ctr"/>
+          <a:lstStyle>
+            <a:lvl1pPr algn="ctr" defTabSz="914400" rtl="0" eaLnBrk="1" latinLnBrk="0" hangingPunct="1">
+              <a:spcBef>
+                <a:spcPct val="0"/>
+              </a:spcBef>
+              <a:buNone/>
+              <a:defRPr sz="4400" kern="1200">
+                <a:solidFill>
+                  <a:schemeClr val="tx1"/>
+                </a:solidFill>
+                <a:latin typeface="+mj-lt"/>
+                <a:ea typeface="+mj-ea"/>
+                <a:cs typeface="+mj-cs"/>
+              </a:defRPr>
+            </a:lvl1pPr>
+          </a:lstStyle>
+          <a:p>
+            <a:pPr algn="l" fontAlgn="auto">
+              <a:lnSpc>
+                <a:spcPts val="5760"/>
+              </a:lnSpc>
+              <a:spcBef>
+                <a:spcPts val="0"/>
+              </a:spcBef>
+              <a:spcAft>
+                <a:spcPts val="0"/>
+              </a:spcAft>
+              <a:defRPr/>
+            </a:pPr>
+            <a:endParaRPr lang="es-HN" sz="4930" b="1" dirty="0">
+              <a:solidFill>
+                <a:srgbClr val="FFC000"/>
+              </a:solidFill>
+              <a:latin typeface="Rockwell" pitchFamily="18" charset="0"/>
+            </a:endParaRPr>
+          </a:p>
+        </p:txBody>
+      </p:sp>
+      <p:pic>
+        <p:nvPicPr>
+          <p:cNvPr id="2" name="Bilde 1">
+            <a:extLst>
+              <a:ext uri="{FF2B5EF4-FFF2-40B4-BE49-F238E27FC236}">
+                <a16:creationId xmlns:a16="http://schemas.microsoft.com/office/drawing/2014/main" id="{ECCC71FD-879E-4923-81AC-55133B8EFA00}"/>
+              </a:ext>
+            </a:extLst>
+          </p:cNvPr>
+          <p:cNvPicPr>
+            <a:picLocks noChangeAspect="1"/>
+          </p:cNvPicPr>
+          <p:nvPr/>
+        </p:nvPicPr>
+        <p:blipFill>
+          <a:blip r:embed="rId6"/>
+          <a:stretch>
+            <a:fillRect/>
+          </a:stretch>
+        </p:blipFill>
+        <p:spPr>
+          <a:xfrm>
+            <a:off x="0" y="-13572"/>
+            <a:ext cx="9144000" cy="5964296"/>
+          </a:xfrm>
+          <a:prstGeom prst="rect">
+            <a:avLst/>
+          </a:prstGeom>
+        </p:spPr>
+      </p:pic>
+    </p:spTree>
+    <p:extLst>
+      <p:ext uri="{BB962C8B-B14F-4D97-AF65-F5344CB8AC3E}">
+        <p14:creationId xmlns:p14="http://schemas.microsoft.com/office/powerpoint/2010/main" val="4053077897"/>
+      </p:ext>
+    </p:extLst>
+  </p:cSld>
+  <p:clrMapOvr>
+    <a:masterClrMapping/>
+  </p:clrMapOvr>
+  <p:timing>
+    <p:tnLst>
+      <p:par>
+        <p:cTn id="1" dur="indefinite" restart="never" nodeType="tmRoot">
+          <p:childTnLst>
+            <p:seq concurrent="1" nextAc="seek">
+              <p:cTn id="2" dur="indefinite" nodeType="mainSeq">
+                <p:childTnLst>
+                  <p:par>
+                    <p:cTn id="3" fill="hold" nodeType="clickPar">
+                      <p:stCondLst>
+                        <p:cond delay="indefinite"/>
+                        <p:cond evt="onBegin" delay="0">
+                          <p:tn val="2"/>
+                        </p:cond>
+                      </p:stCondLst>
+                      <p:childTnLst>
+                        <p:par>
+                          <p:cTn id="4" fill="hold" nodeType="withGroup">
+                            <p:stCondLst>
+                              <p:cond delay="0"/>
+                            </p:stCondLst>
+                            <p:childTnLst>
+                              <p:par>
+                                <p:cTn id="5" presetID="10" presetClass="entr" presetSubtype="0" fill="hold" grpId="0" nodeType="withEffect" nodePh="1">
+                                  <p:stCondLst>
+                                    <p:cond delay="0"/>
+                                  </p:stCondLst>
+                                  <p:endCondLst>
+                                    <p:cond evt="begin" delay="0">
+                                      <p:tn val="5"/>
+                                    </p:cond>
+                                  </p:endCondLst>
+                                  <p:childTnLst>
+                                    <p:set>
+                                      <p:cBhvr>
+                                        <p:cTn id="6" dur="1" fill="hold">
+                                          <p:stCondLst>
+                                            <p:cond delay="0"/>
+                                          </p:stCondLst>
+                                        </p:cTn>
+                                        <p:tgtEl>
+                                          <p:spTgt spid="24"/>
+                                        </p:tgtEl>
+                                        <p:attrNameLst>
+                                          <p:attrName>style.visibility</p:attrName>
+                                        </p:attrNameLst>
+                                      </p:cBhvr>
+                                      <p:to>
+                                        <p:strVal val="visible"/>
+                                      </p:to>
+                                    </p:set>
+                                    <p:animEffect transition="in" filter="fade">
+                                      <p:cBhvr>
+                                        <p:cTn id="7" dur="2000"/>
+                                        <p:tgtEl>
+                                          <p:spTgt spid="24"/>
+                                        </p:tgtEl>
+                                      </p:cBhvr>
+                                    </p:animEffect>
+                                  </p:childTnLst>
+                                </p:cTn>
+                              </p:par>
+                              <p:par>
+                                <p:cTn id="8" presetID="10" presetClass="entr" presetSubtype="0" fill="hold" grpId="0" nodeType="withEffect" nodePh="1">
+                                  <p:stCondLst>
+                                    <p:cond delay="0"/>
+                                  </p:stCondLst>
+                                  <p:endCondLst>
+                                    <p:cond evt="begin" delay="0">
+                                      <p:tn val="8"/>
+                                    </p:cond>
+                                  </p:endCondLst>
+                                  <p:childTnLst>
+                                    <p:set>
+                                      <p:cBhvr>
+                                        <p:cTn id="9" dur="1" fill="hold">
+                                          <p:stCondLst>
+                                            <p:cond delay="0"/>
+                                          </p:stCondLst>
+                                        </p:cTn>
+                                        <p:tgtEl>
+                                          <p:spTgt spid="26"/>
+                                        </p:tgtEl>
+                                        <p:attrNameLst>
+                                          <p:attrName>style.visibility</p:attrName>
+                                        </p:attrNameLst>
+                                      </p:cBhvr>
+                                      <p:to>
+                                        <p:strVal val="visible"/>
+                                      </p:to>
+                                    </p:set>
+                                    <p:animEffect transition="in" filter="fade">
+                                      <p:cBhvr>
+                                        <p:cTn id="10" dur="2000"/>
+                                        <p:tgtEl>
+                                          <p:spTgt spid="26"/>
+                                        </p:tgtEl>
+                                      </p:cBhvr>
+                                    </p:animEffect>
+                                  </p:childTnLst>
+                                </p:cTn>
+                              </p:par>
+                              <p:par>
+                                <p:cTn id="11" presetID="10" presetClass="entr" presetSubtype="0" fill="hold" grpId="0" nodeType="withEffect" nodePh="1">
+                                  <p:stCondLst>
+                                    <p:cond delay="0"/>
+                                  </p:stCondLst>
+                                  <p:endCondLst>
+                                    <p:cond evt="begin" delay="0">
+                                      <p:tn val="11"/>
+                                    </p:cond>
+                                  </p:endCondLst>
+                                  <p:childTnLst>
+                                    <p:set>
+                                      <p:cBhvr>
+                                        <p:cTn id="12" dur="1" fill="hold">
+                                          <p:stCondLst>
+                                            <p:cond delay="0"/>
+                                          </p:stCondLst>
+                                        </p:cTn>
+                                        <p:tgtEl>
+                                          <p:spTgt spid="27"/>
+                                        </p:tgtEl>
+                                        <p:attrNameLst>
+                                          <p:attrName>style.visibility</p:attrName>
+                                        </p:attrNameLst>
+                                      </p:cBhvr>
+                                      <p:to>
+                                        <p:strVal val="visible"/>
+                                      </p:to>
+                                    </p:set>
+                                    <p:animEffect transition="in" filter="fade">
+                                      <p:cBhvr>
+                                        <p:cTn id="13" dur="2000"/>
+                                        <p:tgtEl>
+                                          <p:spTgt spid="27"/>
+                                        </p:tgtEl>
+                                      </p:cBhvr>
+                                    </p:animEffect>
+                                  </p:childTnLst>
+                                </p:cTn>
+                              </p:par>
+                              <p:par>
+                                <p:cTn id="14" presetID="10" presetClass="entr" fill="hold" nodeType="withEffect">
+                                  <p:stCondLst>
+                                    <p:cond delay="0"/>
+                                  </p:stCondLst>
+                                  <p:childTnLst>
+                                    <p:set>
+                                      <p:cBhvr>
+                                        <p:cTn id="15" dur="1" fill="hold">
+                                          <p:stCondLst>
+                                            <p:cond delay="0"/>
+                                          </p:stCondLst>
+                                        </p:cTn>
+                                        <p:tgtEl>
+                                          <p:spTgt spid="21"/>
+                                        </p:tgtEl>
+                                        <p:attrNameLst>
+                                          <p:attrName>style.visibility</p:attrName>
+                                        </p:attrNameLst>
+                                      </p:cBhvr>
+                                      <p:to>
+                                        <p:strVal val="visible"/>
+                                      </p:to>
+                                    </p:set>
+                                    <p:animEffect transition="in" filter="fade">
+                                      <p:cBhvr additive="repl">
+                                        <p:cTn id="16" dur="2000"/>
+                                        <p:tgtEl>
+                                          <p:spTgt spid="21"/>
+                                        </p:tgtEl>
+                                      </p:cBhvr>
+                                    </p:animEffect>
+                                  </p:childTnLst>
+                                </p:cTn>
+                              </p:par>
+                              <p:par>
+                                <p:cTn id="17" presetID="29" presetClass="entr" presetSubtype="0" fill="hold" grpId="0" nodeType="withEffect" nodePh="1">
+                                  <p:stCondLst>
+                                    <p:cond delay="0"/>
+                                  </p:stCondLst>
+                                  <p:endCondLst>
+                                    <p:cond evt="begin" delay="0">
+                                      <p:tn val="17"/>
+                                    </p:cond>
+                                  </p:endCondLst>
+                                  <p:childTnLst>
+                                    <p:set>
+                                      <p:cBhvr>
+                                        <p:cTn id="18" dur="1" fill="hold">
+                                          <p:stCondLst>
+                                            <p:cond delay="0"/>
+                                          </p:stCondLst>
+                                        </p:cTn>
+                                        <p:tgtEl>
+                                          <p:spTgt spid="20"/>
+                                        </p:tgtEl>
+                                        <p:attrNameLst>
+                                          <p:attrName>style.visibility</p:attrName>
+                                        </p:attrNameLst>
+                                      </p:cBhvr>
+                                      <p:to>
+                                        <p:strVal val="visible"/>
+                                      </p:to>
+                                    </p:set>
+                                    <p:anim calcmode="lin" valueType="num">
+                                      <p:cBhvr>
+                                        <p:cTn id="19" dur="1000" fill="hold"/>
+                                        <p:tgtEl>
+                                          <p:spTgt spid="20"/>
+                                        </p:tgtEl>
+                                        <p:attrNameLst>
+                                          <p:attrName>ppt_x</p:attrName>
+                                        </p:attrNameLst>
+                                      </p:cBhvr>
+                                      <p:tavLst>
+                                        <p:tav tm="0">
+                                          <p:val>
+                                            <p:strVal val="#ppt_x-.2"/>
+                                          </p:val>
+                                        </p:tav>
+                                        <p:tav tm="100000">
+                                          <p:val>
+                                            <p:strVal val="#ppt_x"/>
+                                          </p:val>
+                                        </p:tav>
+                                      </p:tavLst>
+                                    </p:anim>
+                                    <p:anim calcmode="lin" valueType="num">
+                                      <p:cBhvr>
+                                        <p:cTn id="20" dur="1000" fill="hold"/>
+                                        <p:tgtEl>
+                                          <p:spTgt spid="20"/>
+                                        </p:tgtEl>
+                                        <p:attrNameLst>
+                                          <p:attrName>ppt_y</p:attrName>
+                                        </p:attrNameLst>
+                                      </p:cBhvr>
+                                      <p:tavLst>
+                                        <p:tav tm="0">
+                                          <p:val>
+                                            <p:strVal val="#ppt_y"/>
+                                          </p:val>
+                                        </p:tav>
+                                        <p:tav tm="100000">
+                                          <p:val>
+                                            <p:strVal val="#ppt_y"/>
+                                          </p:val>
+                                        </p:tav>
+                                      </p:tavLst>
+                                    </p:anim>
+                                    <p:animEffect transition="in" filter="wipe(right)" prLst="gradientSize: 0.1">
+                                      <p:cBhvr>
+                                        <p:cTn id="21" dur="1000"/>
+                                        <p:tgtEl>
+                                          <p:spTgt spid="20"/>
+                                        </p:tgtEl>
+                                      </p:cBhvr>
+                                    </p:animEffect>
+                                  </p:childTnLst>
+                                </p:cTn>
+                              </p:par>
+                            </p:childTnLst>
+                          </p:cTn>
+                        </p:par>
+                      </p:childTnLst>
+                    </p:cTn>
+                  </p:par>
+                </p:childTnLst>
+              </p:cTn>
+              <p:prevCondLst>
+                <p:cond evt="onPrev" delay="0">
+                  <p:tgtEl>
+                    <p:sldTgt/>
+                  </p:tgtEl>
+                </p:cond>
+              </p:prevCondLst>
+              <p:nextCondLst>
+                <p:cond evt="onNext" delay="0">
+                  <p:tgtEl>
+                    <p:sldTgt/>
+                  </p:tgtEl>
+                </p:cond>
+              </p:nextCondLst>
+            </p:seq>
+          </p:childTnLst>
+        </p:cTn>
+      </p:par>
+    </p:tnLst>
+    <p:bldLst>
+      <p:bldP spid="24" grpId="0"/>
+      <p:bldP spid="26" grpId="0"/>
+      <p:bldP spid="27" grpId="0"/>
+      <p:bldP spid="20" grpId="0"/>
+    </p:bldLst>
+  </p:timing>
+</p:sld>
+</file>
+
+<file path=ppt/slides/slide10.xml><?xml version="1.0" encoding="utf-8"?>
+<p:sld xmlns:a="http://schemas.openxmlformats.org/drawingml/2006/main" xmlns:r="http://schemas.openxmlformats.org/officeDocument/2006/relationships" xmlns:p="http://schemas.openxmlformats.org/presentationml/2006/main">
+  <p:cSld>
+    <p:bg>
+      <p:bgPr>
+        <a:blipFill dpi="0" rotWithShape="0">
+          <a:blip r:embed="rId2"/>
+          <a:srcRect/>
+          <a:stretch>
+            <a:fillRect/>
+          </a:stretch>
+        </a:blipFill>
+        <a:effectLst/>
+      </p:bgPr>
+    </p:bg>
+    <p:spTree>
+      <p:nvGrpSpPr>
+        <p:cNvPr id="1" name=""/>
+        <p:cNvGrpSpPr/>
+        <p:nvPr/>
+      </p:nvGrpSpPr>
+      <p:grpSpPr>
+        <a:xfrm>
+          <a:off x="0" y="0"/>
+          <a:ext cx="0" cy="0"/>
+          <a:chOff x="0" y="0"/>
+          <a:chExt cx="0" cy="0"/>
+        </a:xfrm>
+      </p:grpSpPr>
+      <p:sp>
+        <p:nvSpPr>
+          <p:cNvPr id="4" name="1 Título"/>
+          <p:cNvSpPr txBox="1">
+            <a:spLocks/>
+          </p:cNvSpPr>
+          <p:nvPr/>
+        </p:nvSpPr>
+        <p:spPr>
+          <a:xfrm>
+            <a:off x="323850" y="1412875"/>
+            <a:ext cx="5902325" cy="863600"/>
+          </a:xfrm>
+          <a:prstGeom prst="rect">
+            <a:avLst/>
+          </a:prstGeom>
+        </p:spPr>
+        <p:txBody>
+          <a:bodyPr anchor="ctr"/>
+          <a:lstStyle>
+            <a:lvl1pPr>
+              <a:defRPr>
+                <a:solidFill>
+                  <a:schemeClr val="tx1"/>
+                </a:solidFill>
+                <a:latin typeface="Calibri" pitchFamily="34" charset="0"/>
+              </a:defRPr>
+            </a:lvl1pPr>
+            <a:lvl2pPr marL="742950" indent="-285750">
+              <a:defRPr>
+                <a:solidFill>
+                  <a:schemeClr val="tx1"/>
+                </a:solidFill>
+                <a:latin typeface="Calibri" pitchFamily="34" charset="0"/>
+              </a:defRPr>
+            </a:lvl2pPr>
+            <a:lvl3pPr marL="1143000" indent="-228600">
+              <a:defRPr>
+                <a:solidFill>
+                  <a:schemeClr val="tx1"/>
+                </a:solidFill>
+                <a:latin typeface="Calibri" pitchFamily="34" charset="0"/>
+              </a:defRPr>
+            </a:lvl3pPr>
+            <a:lvl4pPr marL="1600200" indent="-228600">
+              <a:defRPr>
+                <a:solidFill>
+                  <a:schemeClr val="tx1"/>
+                </a:solidFill>
+                <a:latin typeface="Calibri" pitchFamily="34" charset="0"/>
+              </a:defRPr>
+            </a:lvl4pPr>
+            <a:lvl5pPr marL="2057400" indent="-228600">
+              <a:defRPr>
+                <a:solidFill>
+                  <a:schemeClr val="tx1"/>
+                </a:solidFill>
+                <a:latin typeface="Calibri" pitchFamily="34" charset="0"/>
+              </a:defRPr>
+            </a:lvl5pPr>
+            <a:lvl6pPr marL="2514600" indent="-228600" fontAlgn="base">
+              <a:spcBef>
+                <a:spcPct val="0"/>
+              </a:spcBef>
+              <a:spcAft>
+                <a:spcPct val="0"/>
+              </a:spcAft>
+              <a:defRPr>
+                <a:solidFill>
+                  <a:schemeClr val="tx1"/>
+                </a:solidFill>
+                <a:latin typeface="Calibri" pitchFamily="34" charset="0"/>
+              </a:defRPr>
+            </a:lvl6pPr>
+            <a:lvl7pPr marL="2971800" indent="-228600" fontAlgn="base">
+              <a:spcBef>
+                <a:spcPct val="0"/>
+              </a:spcBef>
+              <a:spcAft>
+                <a:spcPct val="0"/>
+              </a:spcAft>
+              <a:defRPr>
+                <a:solidFill>
+                  <a:schemeClr val="tx1"/>
+                </a:solidFill>
+                <a:latin typeface="Calibri" pitchFamily="34" charset="0"/>
+              </a:defRPr>
+            </a:lvl7pPr>
+            <a:lvl8pPr marL="3429000" indent="-228600" fontAlgn="base">
+              <a:spcBef>
+                <a:spcPct val="0"/>
+              </a:spcBef>
+              <a:spcAft>
+                <a:spcPct val="0"/>
+              </a:spcAft>
+              <a:defRPr>
+                <a:solidFill>
+                  <a:schemeClr val="tx1"/>
+                </a:solidFill>
+                <a:latin typeface="Calibri" pitchFamily="34" charset="0"/>
+              </a:defRPr>
+            </a:lvl8pPr>
+            <a:lvl9pPr marL="3886200" indent="-228600" fontAlgn="base">
+              <a:spcBef>
+                <a:spcPct val="0"/>
+              </a:spcBef>
+              <a:spcAft>
+                <a:spcPct val="0"/>
+              </a:spcAft>
+              <a:defRPr>
+                <a:solidFill>
+                  <a:schemeClr val="tx1"/>
+                </a:solidFill>
+                <a:latin typeface="Calibri" pitchFamily="34" charset="0"/>
+              </a:defRPr>
+            </a:lvl9pPr>
+          </a:lstStyle>
+          <a:p>
+            <a:pPr>
+              <a:lnSpc>
+                <a:spcPts val="5763"/>
+              </a:lnSpc>
+            </a:pPr>
+            <a:r>
+              <a:rPr lang="es-HN" sz="4900" b="1">
+                <a:solidFill>
+                  <a:srgbClr val="404040"/>
+                </a:solidFill>
+                <a:latin typeface="Rockwell" pitchFamily="18" charset="0"/>
+              </a:rPr>
+              <a:t>THANK </a:t>
+            </a:r>
+            <a:r>
+              <a:rPr lang="es-HN" sz="4900" b="1">
+                <a:solidFill>
+                  <a:srgbClr val="FFC000"/>
+                </a:solidFill>
+                <a:latin typeface="Rockwell" pitchFamily="18" charset="0"/>
+              </a:rPr>
+              <a:t>YOU</a:t>
+            </a:r>
+          </a:p>
+        </p:txBody>
+      </p:sp>
+    </p:spTree>
+  </p:cSld>
+  <p:clrMapOvr>
+    <a:masterClrMapping/>
+  </p:clrMapOvr>
+  <p:transition/>
+  <p:timing>
+    <p:tnLst>
+      <p:par>
+        <p:cTn id="1" dur="indefinite" restart="never" nodeType="tmRoot">
+          <p:childTnLst>
+            <p:seq concurrent="1" nextAc="seek">
+              <p:cTn id="2" dur="indefinite" nodeType="mainSeq">
+                <p:childTnLst>
+                  <p:par>
+                    <p:cTn id="3" fill="hold" nodeType="clickPar">
+                      <p:stCondLst>
+                        <p:cond delay="indefinite"/>
+                        <p:cond evt="onBegin" delay="0">
+                          <p:tn val="2"/>
+                        </p:cond>
+                      </p:stCondLst>
+                      <p:childTnLst>
+                        <p:par>
+                          <p:cTn id="4" fill="hold" nodeType="withGroup">
+                            <p:stCondLst>
+                              <p:cond delay="0"/>
+                            </p:stCondLst>
+                            <p:childTnLst>
+                              <p:par>
+                                <p:cTn id="5" presetID="41" presetClass="entr" presetSubtype="0" fill="hold" grpId="0" nodeType="withEffect">
+                                  <p:stCondLst>
+                                    <p:cond delay="0"/>
+                                  </p:stCondLst>
+                                  <p:iterate type="lt">
+                                    <p:tmPct val="10000"/>
+                                  </p:iterate>
+                                  <p:childTnLst>
+                                    <p:set>
+                                      <p:cBhvr>
+                                        <p:cTn id="6" dur="1" fill="hold">
+                                          <p:stCondLst>
+                                            <p:cond delay="0"/>
+                                          </p:stCondLst>
+                                        </p:cTn>
+                                        <p:tgtEl>
+                                          <p:spTgt spid="4"/>
+                                        </p:tgtEl>
+                                        <p:attrNameLst>
+                                          <p:attrName>style.visibility</p:attrName>
+                                        </p:attrNameLst>
+                                      </p:cBhvr>
+                                      <p:to>
+                                        <p:strVal val="visible"/>
+                                      </p:to>
+                                    </p:set>
+                                    <p:anim calcmode="lin" valueType="num">
+                                      <p:cBhvr>
+                                        <p:cTn id="7" dur="500" fill="hold"/>
+                                        <p:tgtEl>
+                                          <p:spTgt spid="4"/>
+                                        </p:tgtEl>
+                                        <p:attrNameLst>
+                                          <p:attrName>ppt_x</p:attrName>
+                                        </p:attrNameLst>
+                                      </p:cBhvr>
+                                      <p:tavLst>
+                                        <p:tav tm="0">
+                                          <p:val>
+                                            <p:strVal val="#ppt_x"/>
+                                          </p:val>
+                                        </p:tav>
+                                        <p:tav tm="50000">
+                                          <p:val>
+                                            <p:strVal val="#ppt_x+.1"/>
+                                          </p:val>
+                                        </p:tav>
+                                        <p:tav tm="100000">
+                                          <p:val>
+                                            <p:strVal val="#ppt_x"/>
+                                          </p:val>
+                                        </p:tav>
+                                      </p:tavLst>
+                                    </p:anim>
+                                    <p:anim calcmode="lin" valueType="num">
+                                      <p:cBhvr>
+                                        <p:cTn id="8" dur="500" fill="hold"/>
+                                        <p:tgtEl>
+                                          <p:spTgt spid="4"/>
+                                        </p:tgtEl>
+                                        <p:attrNameLst>
+                                          <p:attrName>ppt_y</p:attrName>
+                                        </p:attrNameLst>
+                                      </p:cBhvr>
+                                      <p:tavLst>
+                                        <p:tav tm="0">
+                                          <p:val>
+                                            <p:strVal val="#ppt_y"/>
+                                          </p:val>
+                                        </p:tav>
+                                        <p:tav tm="100000">
+                                          <p:val>
+                                            <p:strVal val="#ppt_y"/>
+                                          </p:val>
+                                        </p:tav>
+                                      </p:tavLst>
+                                    </p:anim>
+                                    <p:anim calcmode="lin" valueType="num">
+                                      <p:cBhvr>
+                                        <p:cTn id="9" dur="500" fill="hold"/>
+                                        <p:tgtEl>
+                                          <p:spTgt spid="4"/>
+                                        </p:tgtEl>
+                                        <p:attrNameLst>
+                                          <p:attrName>ppt_h</p:attrName>
+                                        </p:attrNameLst>
+                                      </p:cBhvr>
+                                      <p:tavLst>
+                                        <p:tav tm="0">
+                                          <p:val>
+                                            <p:strVal val="#ppt_h/10"/>
+                                          </p:val>
+                                        </p:tav>
+                                        <p:tav tm="50000">
+                                          <p:val>
+                                            <p:strVal val="#ppt_h+.01"/>
+                                          </p:val>
+                                        </p:tav>
+                                        <p:tav tm="100000">
+                                          <p:val>
+                                            <p:strVal val="#ppt_h"/>
+                                          </p:val>
+                                        </p:tav>
+                                      </p:tavLst>
+                                    </p:anim>
+                                    <p:anim calcmode="lin" valueType="num">
+                                      <p:cBhvr>
+                                        <p:cTn id="10" dur="500" fill="hold"/>
+                                        <p:tgtEl>
+                                          <p:spTgt spid="4"/>
+                                        </p:tgtEl>
+                                        <p:attrNameLst>
+                                          <p:attrName>ppt_w</p:attrName>
+                                        </p:attrNameLst>
+                                      </p:cBhvr>
+                                      <p:tavLst>
+                                        <p:tav tm="0">
+                                          <p:val>
+                                            <p:strVal val="#ppt_w/10"/>
+                                          </p:val>
+                                        </p:tav>
+                                        <p:tav tm="50000">
+                                          <p:val>
+                                            <p:strVal val="#ppt_w+.01"/>
+                                          </p:val>
+                                        </p:tav>
+                                        <p:tav tm="100000">
+                                          <p:val>
+                                            <p:strVal val="#ppt_w"/>
+                                          </p:val>
+                                        </p:tav>
+                                      </p:tavLst>
+                                    </p:anim>
+                                    <p:animEffect transition="in" filter="fade">
+                                      <p:cBhvr>
+                                        <p:cTn id="11" dur="500" tmFilter="0,0; .5, 1; 1, 1"/>
+                                        <p:tgtEl>
+                                          <p:spTgt spid="4"/>
+                                        </p:tgtEl>
+                                      </p:cBhvr>
+                                    </p:animEffect>
+                                  </p:childTnLst>
+                                </p:cTn>
+                              </p:par>
+                            </p:childTnLst>
+                          </p:cTn>
+                        </p:par>
+                      </p:childTnLst>
+                    </p:cTn>
+                  </p:par>
+                </p:childTnLst>
+              </p:cTn>
+              <p:prevCondLst>
+                <p:cond evt="onPrev" delay="0">
+                  <p:tgtEl>
+                    <p:sldTgt/>
+                  </p:tgtEl>
+                </p:cond>
+              </p:prevCondLst>
+              <p:nextCondLst>
+                <p:cond evt="onNext" delay="0">
+                  <p:tgtEl>
+                    <p:sldTgt/>
+                  </p:tgtEl>
+                </p:cond>
+              </p:nextCondLst>
+            </p:seq>
+          </p:childTnLst>
+        </p:cTn>
+      </p:par>
+    </p:tnLst>
+    <p:bldLst>
+      <p:bldP spid="4" grpId="0"/>
+    </p:bldLst>
+  </p:timing>
+</p:sld>
+</file>
+
+<file path=ppt/slides/slide2.xml><?xml version="1.0" encoding="utf-8"?>
 <p:sld xmlns:a="http://schemas.openxmlformats.org/drawingml/2006/main" xmlns:r="http://schemas.openxmlformats.org/officeDocument/2006/relationships" xmlns:p="http://schemas.openxmlformats.org/presentationml/2006/main">
   <p:cSld>
     <p:bg>
@@ -6894,7 +8245,7 @@
 </p:sld>
 </file>
 
-<file path=ppt/slides/slide2.xml><?xml version="1.0" encoding="utf-8"?>
+<file path=ppt/slides/slide3.xml><?xml version="1.0" encoding="utf-8"?>
 <p:sld xmlns:a="http://schemas.openxmlformats.org/drawingml/2006/main" xmlns:r="http://schemas.openxmlformats.org/officeDocument/2006/relationships" xmlns:p="http://schemas.openxmlformats.org/presentationml/2006/main">
   <p:cSld>
     <p:bg>
@@ -7527,7 +8878,7 @@
         <p:spPr>
           <a:xfrm>
             <a:off x="4787900" y="6181725"/>
-            <a:ext cx="263525" cy="277813"/>
+            <a:ext cx="263214" cy="276999"/>
           </a:xfrm>
           <a:prstGeom prst="rect">
             <a:avLst/>
@@ -7550,7 +8901,7 @@
               <a:defRPr/>
             </a:pPr>
             <a:r>
-              <a:rPr lang="es-HN" sz="1200" b="1" dirty="0">
+              <a:rPr lang="es-ES" sz="1200" b="1" dirty="0">
                 <a:solidFill>
                   <a:schemeClr val="bg1">
                     <a:lumMod val="50000"/>
@@ -7558,16 +8909,8 @@
                 </a:solidFill>
                 <a:latin typeface="+mn-lt"/>
               </a:rPr>
-              <a:t>6</a:t>
+              <a:t>8</a:t>
             </a:r>
-            <a:endParaRPr lang="es-ES" sz="1200" b="1" dirty="0">
-              <a:solidFill>
-                <a:schemeClr val="bg1">
-                  <a:lumMod val="50000"/>
-                </a:schemeClr>
-              </a:solidFill>
-              <a:latin typeface="+mn-lt"/>
-            </a:endParaRPr>
           </a:p>
         </p:txBody>
       </p:sp>
@@ -8471,7 +9814,7 @@
 </p:sld>
 </file>
 
-<file path=ppt/slides/slide3.xml><?xml version="1.0" encoding="utf-8"?>
+<file path=ppt/slides/slide4.xml><?xml version="1.0" encoding="utf-8"?>
 <p:sld xmlns:a="http://schemas.openxmlformats.org/drawingml/2006/main" xmlns:r="http://schemas.openxmlformats.org/officeDocument/2006/relationships" xmlns:p="http://schemas.openxmlformats.org/presentationml/2006/main">
   <p:cSld>
     <p:bg>
@@ -9266,7 +10609,7 @@
         <p:spPr>
           <a:xfrm>
             <a:off x="4787900" y="6181725"/>
-            <a:ext cx="263525" cy="277813"/>
+            <a:ext cx="263214" cy="276999"/>
           </a:xfrm>
           <a:prstGeom prst="rect">
             <a:avLst/>
@@ -9297,7 +10640,7 @@
                 </a:solidFill>
                 <a:latin typeface="+mn-lt"/>
               </a:rPr>
-              <a:t>6</a:t>
+              <a:t>8</a:t>
             </a:r>
             <a:endParaRPr lang="es-ES" sz="1200" b="1" dirty="0">
               <a:solidFill>
@@ -9800,7 +11143,7 @@
                 </a:uFill>
                 <a:latin typeface="Calibri"/>
               </a:rPr>
-              <a:t>UI competence</a:t>
+              <a:t>Improved workload distribution</a:t>
             </a:r>
           </a:p>
           <a:p>
@@ -9827,8 +11170,30 @@
                 </a:uFill>
                 <a:latin typeface="Calibri"/>
               </a:rPr>
-              <a:t>Role entrenchment</a:t>
+              <a:t>Refactoring</a:t>
             </a:r>
+          </a:p>
+          <a:p>
+            <a:pPr algn="just">
+              <a:lnSpc>
+                <a:spcPct val="100000"/>
+              </a:lnSpc>
+              <a:buClr>
+                <a:srgbClr val="808080"/>
+              </a:buClr>
+              <a:buSzPct val="45000"/>
+            </a:pPr>
+            <a:endParaRPr lang="en-US" spc="-1" dirty="0">
+              <a:solidFill>
+                <a:srgbClr val="808080"/>
+              </a:solidFill>
+              <a:uFill>
+                <a:solidFill>
+                  <a:srgbClr val="FFFFFF"/>
+                </a:solidFill>
+              </a:uFill>
+              <a:latin typeface="Calibri"/>
+            </a:endParaRPr>
           </a:p>
           <a:p>
             <a:pPr marL="216000" indent="-216000" algn="just">
@@ -10279,7 +11644,7 @@
 </p:sld>
 </file>
 
-<file path=ppt/slides/slide4.xml><?xml version="1.0" encoding="utf-8"?>
+<file path=ppt/slides/slide5.xml><?xml version="1.0" encoding="utf-8"?>
 <p:sld xmlns:a="http://schemas.openxmlformats.org/drawingml/2006/main" xmlns:r="http://schemas.openxmlformats.org/officeDocument/2006/relationships" xmlns:p="http://schemas.openxmlformats.org/presentationml/2006/main">
   <p:cSld>
     <p:bg>
@@ -10734,7 +12099,7 @@
         </p:nvSpPr>
         <p:spPr bwMode="auto">
           <a:xfrm>
-            <a:off x="4205288" y="6181725"/>
+            <a:off x="4211960" y="6181725"/>
             <a:ext cx="263214" cy="276999"/>
           </a:xfrm>
           <a:prstGeom prst="rect">
@@ -10945,7 +12310,7 @@
         <p:spPr>
           <a:xfrm>
             <a:off x="4787900" y="6181725"/>
-            <a:ext cx="263525" cy="277813"/>
+            <a:ext cx="263214" cy="276999"/>
           </a:xfrm>
           <a:prstGeom prst="rect">
             <a:avLst/>
@@ -10976,7 +12341,7 @@
                 </a:solidFill>
                 <a:latin typeface="+mn-lt"/>
               </a:rPr>
-              <a:t>6</a:t>
+              <a:t>8</a:t>
             </a:r>
             <a:endParaRPr lang="es-ES" sz="1200" b="1" dirty="0">
               <a:solidFill>
@@ -11275,1376 +12640,36 @@
           </a:p>
         </p:txBody>
       </p:sp>
-      <p:sp>
-        <p:nvSpPr>
-          <p:cNvPr id="20" name="1 Título">
+      <p:pic>
+        <p:nvPicPr>
+          <p:cNvPr id="2" name="Bilde 1">
             <a:extLst>
               <a:ext uri="{FF2B5EF4-FFF2-40B4-BE49-F238E27FC236}">
-                <a16:creationId xmlns:a16="http://schemas.microsoft.com/office/drawing/2014/main" id="{9F7CD112-909C-4657-A96D-872A91089A47}"/>
+                <a16:creationId xmlns:a16="http://schemas.microsoft.com/office/drawing/2014/main" id="{6E3356EE-1A45-42F1-B05B-49AF58D939F5}"/>
               </a:ext>
             </a:extLst>
           </p:cNvPr>
-          <p:cNvSpPr txBox="1">
-            <a:spLocks/>
-          </p:cNvSpPr>
-          <p:nvPr/>
-        </p:nvSpPr>
-        <p:spPr>
-          <a:xfrm>
-            <a:off x="251520" y="1191394"/>
-            <a:ext cx="5829721" cy="863600"/>
-          </a:xfrm>
-          <a:prstGeom prst="rect">
-            <a:avLst/>
-          </a:prstGeom>
-        </p:spPr>
-        <p:txBody>
-          <a:bodyPr anchor="ctr"/>
-          <a:lstStyle>
-            <a:lvl1pPr algn="ctr" defTabSz="914400" rtl="0" eaLnBrk="1" latinLnBrk="0" hangingPunct="1">
-              <a:spcBef>
-                <a:spcPct val="0"/>
-              </a:spcBef>
-              <a:buNone/>
-              <a:defRPr sz="4400" kern="1200">
-                <a:solidFill>
-                  <a:schemeClr val="tx1"/>
-                </a:solidFill>
-                <a:latin typeface="+mj-lt"/>
-                <a:ea typeface="+mj-ea"/>
-                <a:cs typeface="+mj-cs"/>
-              </a:defRPr>
-            </a:lvl1pPr>
-          </a:lstStyle>
-          <a:p>
-            <a:pPr algn="l" fontAlgn="auto">
-              <a:lnSpc>
-                <a:spcPts val="5760"/>
-              </a:lnSpc>
-              <a:spcBef>
-                <a:spcPts val="0"/>
-              </a:spcBef>
-              <a:spcAft>
-                <a:spcPts val="0"/>
-              </a:spcAft>
-              <a:defRPr/>
-            </a:pPr>
-            <a:endParaRPr lang="es-HN" sz="4930" b="1" dirty="0">
-              <a:solidFill>
-                <a:srgbClr val="FFC000"/>
-              </a:solidFill>
-              <a:latin typeface="Rockwell" pitchFamily="18" charset="0"/>
-            </a:endParaRPr>
-          </a:p>
-        </p:txBody>
-      </p:sp>
-    </p:spTree>
-    <p:extLst>
-      <p:ext uri="{BB962C8B-B14F-4D97-AF65-F5344CB8AC3E}">
-        <p14:creationId xmlns:p14="http://schemas.microsoft.com/office/powerpoint/2010/main" val="4053077897"/>
-      </p:ext>
-    </p:extLst>
-  </p:cSld>
-  <p:clrMapOvr>
-    <a:masterClrMapping/>
-  </p:clrMapOvr>
-  <p:timing>
-    <p:tnLst>
-      <p:par>
-        <p:cTn id="1" dur="indefinite" restart="never" nodeType="tmRoot">
-          <p:childTnLst>
-            <p:seq concurrent="1" nextAc="seek">
-              <p:cTn id="2" dur="indefinite" nodeType="mainSeq">
-                <p:childTnLst>
-                  <p:par>
-                    <p:cTn id="3" fill="hold" nodeType="clickPar">
-                      <p:stCondLst>
-                        <p:cond delay="indefinite"/>
-                        <p:cond evt="onBegin" delay="0">
-                          <p:tn val="2"/>
-                        </p:cond>
-                      </p:stCondLst>
-                      <p:childTnLst>
-                        <p:par>
-                          <p:cTn id="4" fill="hold" nodeType="withGroup">
-                            <p:stCondLst>
-                              <p:cond delay="0"/>
-                            </p:stCondLst>
-                            <p:childTnLst>
-                              <p:par>
-                                <p:cTn id="5" presetID="10" presetClass="entr" presetSubtype="0" fill="hold" grpId="0" nodeType="withEffect" nodePh="1">
-                                  <p:stCondLst>
-                                    <p:cond delay="0"/>
-                                  </p:stCondLst>
-                                  <p:endCondLst>
-                                    <p:cond evt="begin" delay="0">
-                                      <p:tn val="5"/>
-                                    </p:cond>
-                                  </p:endCondLst>
-                                  <p:childTnLst>
-                                    <p:set>
-                                      <p:cBhvr>
-                                        <p:cTn id="6" dur="1" fill="hold">
-                                          <p:stCondLst>
-                                            <p:cond delay="0"/>
-                                          </p:stCondLst>
-                                        </p:cTn>
-                                        <p:tgtEl>
-                                          <p:spTgt spid="24"/>
-                                        </p:tgtEl>
-                                        <p:attrNameLst>
-                                          <p:attrName>style.visibility</p:attrName>
-                                        </p:attrNameLst>
-                                      </p:cBhvr>
-                                      <p:to>
-                                        <p:strVal val="visible"/>
-                                      </p:to>
-                                    </p:set>
-                                    <p:animEffect transition="in" filter="fade">
-                                      <p:cBhvr>
-                                        <p:cTn id="7" dur="2000"/>
-                                        <p:tgtEl>
-                                          <p:spTgt spid="24"/>
-                                        </p:tgtEl>
-                                      </p:cBhvr>
-                                    </p:animEffect>
-                                  </p:childTnLst>
-                                </p:cTn>
-                              </p:par>
-                              <p:par>
-                                <p:cTn id="8" presetID="10" presetClass="entr" presetSubtype="0" fill="hold" grpId="0" nodeType="withEffect" nodePh="1">
-                                  <p:stCondLst>
-                                    <p:cond delay="0"/>
-                                  </p:stCondLst>
-                                  <p:endCondLst>
-                                    <p:cond evt="begin" delay="0">
-                                      <p:tn val="8"/>
-                                    </p:cond>
-                                  </p:endCondLst>
-                                  <p:childTnLst>
-                                    <p:set>
-                                      <p:cBhvr>
-                                        <p:cTn id="9" dur="1" fill="hold">
-                                          <p:stCondLst>
-                                            <p:cond delay="0"/>
-                                          </p:stCondLst>
-                                        </p:cTn>
-                                        <p:tgtEl>
-                                          <p:spTgt spid="26"/>
-                                        </p:tgtEl>
-                                        <p:attrNameLst>
-                                          <p:attrName>style.visibility</p:attrName>
-                                        </p:attrNameLst>
-                                      </p:cBhvr>
-                                      <p:to>
-                                        <p:strVal val="visible"/>
-                                      </p:to>
-                                    </p:set>
-                                    <p:animEffect transition="in" filter="fade">
-                                      <p:cBhvr>
-                                        <p:cTn id="10" dur="2000"/>
-                                        <p:tgtEl>
-                                          <p:spTgt spid="26"/>
-                                        </p:tgtEl>
-                                      </p:cBhvr>
-                                    </p:animEffect>
-                                  </p:childTnLst>
-                                </p:cTn>
-                              </p:par>
-                              <p:par>
-                                <p:cTn id="11" presetID="10" presetClass="entr" presetSubtype="0" fill="hold" grpId="0" nodeType="withEffect" nodePh="1">
-                                  <p:stCondLst>
-                                    <p:cond delay="0"/>
-                                  </p:stCondLst>
-                                  <p:endCondLst>
-                                    <p:cond evt="begin" delay="0">
-                                      <p:tn val="11"/>
-                                    </p:cond>
-                                  </p:endCondLst>
-                                  <p:childTnLst>
-                                    <p:set>
-                                      <p:cBhvr>
-                                        <p:cTn id="12" dur="1" fill="hold">
-                                          <p:stCondLst>
-                                            <p:cond delay="0"/>
-                                          </p:stCondLst>
-                                        </p:cTn>
-                                        <p:tgtEl>
-                                          <p:spTgt spid="27"/>
-                                        </p:tgtEl>
-                                        <p:attrNameLst>
-                                          <p:attrName>style.visibility</p:attrName>
-                                        </p:attrNameLst>
-                                      </p:cBhvr>
-                                      <p:to>
-                                        <p:strVal val="visible"/>
-                                      </p:to>
-                                    </p:set>
-                                    <p:animEffect transition="in" filter="fade">
-                                      <p:cBhvr>
-                                        <p:cTn id="13" dur="2000"/>
-                                        <p:tgtEl>
-                                          <p:spTgt spid="27"/>
-                                        </p:tgtEl>
-                                      </p:cBhvr>
-                                    </p:animEffect>
-                                  </p:childTnLst>
-                                </p:cTn>
-                              </p:par>
-                              <p:par>
-                                <p:cTn id="14" presetID="10" presetClass="entr" fill="hold" nodeType="withEffect">
-                                  <p:stCondLst>
-                                    <p:cond delay="0"/>
-                                  </p:stCondLst>
-                                  <p:childTnLst>
-                                    <p:set>
-                                      <p:cBhvr>
-                                        <p:cTn id="15" dur="1" fill="hold">
-                                          <p:stCondLst>
-                                            <p:cond delay="0"/>
-                                          </p:stCondLst>
-                                        </p:cTn>
-                                        <p:tgtEl>
-                                          <p:spTgt spid="21"/>
-                                        </p:tgtEl>
-                                        <p:attrNameLst>
-                                          <p:attrName>style.visibility</p:attrName>
-                                        </p:attrNameLst>
-                                      </p:cBhvr>
-                                      <p:to>
-                                        <p:strVal val="visible"/>
-                                      </p:to>
-                                    </p:set>
-                                    <p:animEffect transition="in" filter="fade">
-                                      <p:cBhvr additive="repl">
-                                        <p:cTn id="16" dur="2000"/>
-                                        <p:tgtEl>
-                                          <p:spTgt spid="21"/>
-                                        </p:tgtEl>
-                                      </p:cBhvr>
-                                    </p:animEffect>
-                                  </p:childTnLst>
-                                </p:cTn>
-                              </p:par>
-                              <p:par>
-                                <p:cTn id="17" presetID="29" presetClass="entr" presetSubtype="0" fill="hold" grpId="0" nodeType="withEffect" nodePh="1">
-                                  <p:stCondLst>
-                                    <p:cond delay="0"/>
-                                  </p:stCondLst>
-                                  <p:endCondLst>
-                                    <p:cond evt="begin" delay="0">
-                                      <p:tn val="17"/>
-                                    </p:cond>
-                                  </p:endCondLst>
-                                  <p:childTnLst>
-                                    <p:set>
-                                      <p:cBhvr>
-                                        <p:cTn id="18" dur="1" fill="hold">
-                                          <p:stCondLst>
-                                            <p:cond delay="0"/>
-                                          </p:stCondLst>
-                                        </p:cTn>
-                                        <p:tgtEl>
-                                          <p:spTgt spid="20"/>
-                                        </p:tgtEl>
-                                        <p:attrNameLst>
-                                          <p:attrName>style.visibility</p:attrName>
-                                        </p:attrNameLst>
-                                      </p:cBhvr>
-                                      <p:to>
-                                        <p:strVal val="visible"/>
-                                      </p:to>
-                                    </p:set>
-                                    <p:anim calcmode="lin" valueType="num">
-                                      <p:cBhvr>
-                                        <p:cTn id="19" dur="1000" fill="hold"/>
-                                        <p:tgtEl>
-                                          <p:spTgt spid="20"/>
-                                        </p:tgtEl>
-                                        <p:attrNameLst>
-                                          <p:attrName>ppt_x</p:attrName>
-                                        </p:attrNameLst>
-                                      </p:cBhvr>
-                                      <p:tavLst>
-                                        <p:tav tm="0">
-                                          <p:val>
-                                            <p:strVal val="#ppt_x-.2"/>
-                                          </p:val>
-                                        </p:tav>
-                                        <p:tav tm="100000">
-                                          <p:val>
-                                            <p:strVal val="#ppt_x"/>
-                                          </p:val>
-                                        </p:tav>
-                                      </p:tavLst>
-                                    </p:anim>
-                                    <p:anim calcmode="lin" valueType="num">
-                                      <p:cBhvr>
-                                        <p:cTn id="20" dur="1000" fill="hold"/>
-                                        <p:tgtEl>
-                                          <p:spTgt spid="20"/>
-                                        </p:tgtEl>
-                                        <p:attrNameLst>
-                                          <p:attrName>ppt_y</p:attrName>
-                                        </p:attrNameLst>
-                                      </p:cBhvr>
-                                      <p:tavLst>
-                                        <p:tav tm="0">
-                                          <p:val>
-                                            <p:strVal val="#ppt_y"/>
-                                          </p:val>
-                                        </p:tav>
-                                        <p:tav tm="100000">
-                                          <p:val>
-                                            <p:strVal val="#ppt_y"/>
-                                          </p:val>
-                                        </p:tav>
-                                      </p:tavLst>
-                                    </p:anim>
-                                    <p:animEffect transition="in" filter="wipe(right)" prLst="gradientSize: 0.1">
-                                      <p:cBhvr>
-                                        <p:cTn id="21" dur="1000"/>
-                                        <p:tgtEl>
-                                          <p:spTgt spid="20"/>
-                                        </p:tgtEl>
-                                      </p:cBhvr>
-                                    </p:animEffect>
-                                  </p:childTnLst>
-                                </p:cTn>
-                              </p:par>
-                            </p:childTnLst>
-                          </p:cTn>
-                        </p:par>
-                      </p:childTnLst>
-                    </p:cTn>
-                  </p:par>
-                </p:childTnLst>
-              </p:cTn>
-              <p:prevCondLst>
-                <p:cond evt="onPrev" delay="0">
-                  <p:tgtEl>
-                    <p:sldTgt/>
-                  </p:tgtEl>
-                </p:cond>
-              </p:prevCondLst>
-              <p:nextCondLst>
-                <p:cond evt="onNext" delay="0">
-                  <p:tgtEl>
-                    <p:sldTgt/>
-                  </p:tgtEl>
-                </p:cond>
-              </p:nextCondLst>
-            </p:seq>
-          </p:childTnLst>
-        </p:cTn>
-      </p:par>
-    </p:tnLst>
-    <p:bldLst>
-      <p:bldP spid="24" grpId="0"/>
-      <p:bldP spid="26" grpId="0"/>
-      <p:bldP spid="27" grpId="0"/>
-      <p:bldP spid="20" grpId="0"/>
-    </p:bldLst>
-  </p:timing>
-</p:sld>
-</file>
-
-<file path=ppt/slides/slide5.xml><?xml version="1.0" encoding="utf-8"?>
-<p:sld xmlns:a="http://schemas.openxmlformats.org/drawingml/2006/main" xmlns:r="http://schemas.openxmlformats.org/officeDocument/2006/relationships" xmlns:p="http://schemas.openxmlformats.org/presentationml/2006/main">
-  <p:cSld>
-    <p:bg>
-      <p:bgPr>
-        <a:blipFill dpi="0" rotWithShape="0">
-          <a:blip r:embed="rId2"/>
-          <a:srcRect/>
-          <a:stretch>
-            <a:fillRect/>
-          </a:stretch>
-        </a:blipFill>
-        <a:effectLst/>
-      </p:bgPr>
-    </p:bg>
-    <p:spTree>
-      <p:nvGrpSpPr>
-        <p:cNvPr id="1" name=""/>
-        <p:cNvGrpSpPr/>
-        <p:nvPr/>
-      </p:nvGrpSpPr>
-      <p:grpSpPr>
-        <a:xfrm>
-          <a:off x="0" y="0"/>
-          <a:ext cx="0" cy="0"/>
-          <a:chOff x="0" y="0"/>
-          <a:chExt cx="0" cy="0"/>
-        </a:xfrm>
-      </p:grpSpPr>
-      <p:pic>
-        <p:nvPicPr>
-          <p:cNvPr id="14338" name="Imagen 5" descr="C:\Users\Design\Documents\Edu\Product Launch\shadown.png"/>
-          <p:cNvPicPr>
-            <a:picLocks noChangeAspect="1" noChangeArrowheads="1"/>
-          </p:cNvPicPr>
-          <p:nvPr/>
-        </p:nvPicPr>
-        <p:blipFill>
-          <a:blip r:embed="rId3">
-            <a:extLst>
-              <a:ext uri="{28A0092B-C50C-407E-A947-70E740481C1C}">
-                <a14:useLocalDpi xmlns:a14="http://schemas.microsoft.com/office/drawing/2010/main" val="0"/>
-              </a:ext>
-            </a:extLst>
-          </a:blip>
-          <a:srcRect/>
-          <a:stretch>
-            <a:fillRect/>
-          </a:stretch>
-        </p:blipFill>
-        <p:spPr bwMode="auto">
-          <a:xfrm>
-            <a:off x="3354388" y="5965825"/>
-            <a:ext cx="762000" cy="719138"/>
-          </a:xfrm>
-          <a:prstGeom prst="rect">
-            <a:avLst/>
-          </a:prstGeom>
-          <a:noFill/>
-          <a:ln>
-            <a:noFill/>
-          </a:ln>
-          <a:extLst>
-            <a:ext uri="{909E8E84-426E-40DD-AFC4-6F175D3DCCD1}">
-              <a14:hiddenFill xmlns:a14="http://schemas.microsoft.com/office/drawing/2010/main">
-                <a:solidFill>
-                  <a:srgbClr val="FFFFFF"/>
-                </a:solidFill>
-              </a14:hiddenFill>
-            </a:ext>
-            <a:ext uri="{91240B29-F687-4F45-9708-019B960494DF}">
-              <a14:hiddenLine xmlns:a14="http://schemas.microsoft.com/office/drawing/2010/main" w="9525">
-                <a:solidFill>
-                  <a:srgbClr val="000000"/>
-                </a:solidFill>
-                <a:miter lim="800000"/>
-                <a:headEnd/>
-                <a:tailEnd/>
-              </a14:hiddenLine>
-            </a:ext>
-          </a:extLst>
-        </p:spPr>
-      </p:pic>
-      <p:grpSp>
-        <p:nvGrpSpPr>
-          <p:cNvPr id="14340" name="13 Grupo"/>
-          <p:cNvGrpSpPr>
-            <a:grpSpLocks/>
-          </p:cNvGrpSpPr>
-          <p:nvPr/>
-        </p:nvGrpSpPr>
-        <p:grpSpPr bwMode="auto">
-          <a:xfrm>
-            <a:off x="4618038" y="2276475"/>
-            <a:ext cx="6350" cy="3017838"/>
-            <a:chOff x="4276603" y="1491264"/>
-            <a:chExt cx="319" cy="3377896"/>
-          </a:xfrm>
-        </p:grpSpPr>
-        <p:cxnSp>
-          <p:nvCxnSpPr>
-            <p:cNvPr id="10" name="9 Conector recto"/>
-            <p:cNvCxnSpPr/>
-            <p:nvPr/>
-          </p:nvCxnSpPr>
-          <p:spPr>
-            <a:xfrm>
-              <a:off x="4276603" y="1491264"/>
-              <a:ext cx="0" cy="3377896"/>
-            </a:xfrm>
-            <a:prstGeom prst="line">
-              <a:avLst/>
-            </a:prstGeom>
-            <a:ln>
-              <a:solidFill>
-                <a:schemeClr val="bg1">
-                  <a:lumMod val="85000"/>
-                </a:schemeClr>
-              </a:solidFill>
-            </a:ln>
-          </p:spPr>
-          <p:style>
-            <a:lnRef idx="1">
-              <a:schemeClr val="dk1"/>
-            </a:lnRef>
-            <a:fillRef idx="0">
-              <a:schemeClr val="dk1"/>
-            </a:fillRef>
-            <a:effectRef idx="0">
-              <a:schemeClr val="dk1"/>
-            </a:effectRef>
-            <a:fontRef idx="minor">
-              <a:schemeClr val="tx1"/>
-            </a:fontRef>
-          </p:style>
-        </p:cxnSp>
-        <p:cxnSp>
-          <p:nvCxnSpPr>
-            <p:cNvPr id="11" name="10 Conector recto"/>
-            <p:cNvCxnSpPr/>
-            <p:nvPr/>
-          </p:nvCxnSpPr>
-          <p:spPr>
-            <a:xfrm>
-              <a:off x="4276922" y="1491264"/>
-              <a:ext cx="0" cy="3377896"/>
-            </a:xfrm>
-            <a:prstGeom prst="line">
-              <a:avLst/>
-            </a:prstGeom>
-            <a:ln>
-              <a:solidFill>
-                <a:schemeClr val="bg1"/>
-              </a:solidFill>
-            </a:ln>
-          </p:spPr>
-          <p:style>
-            <a:lnRef idx="1">
-              <a:schemeClr val="dk1"/>
-            </a:lnRef>
-            <a:fillRef idx="0">
-              <a:schemeClr val="dk1"/>
-            </a:fillRef>
-            <a:effectRef idx="0">
-              <a:schemeClr val="dk1"/>
-            </a:effectRef>
-            <a:fontRef idx="minor">
-              <a:schemeClr val="tx1"/>
-            </a:fontRef>
-          </p:style>
-        </p:cxnSp>
-      </p:grpSp>
-      <p:sp>
-        <p:nvSpPr>
-          <p:cNvPr id="24" name="1 Título"/>
-          <p:cNvSpPr txBox="1">
-            <a:spLocks/>
-          </p:cNvSpPr>
-          <p:nvPr/>
-        </p:nvSpPr>
-        <p:spPr>
-          <a:xfrm>
-            <a:off x="395288" y="1298575"/>
-            <a:ext cx="4519612" cy="474663"/>
-          </a:xfrm>
-          <a:prstGeom prst="rect">
-            <a:avLst/>
-          </a:prstGeom>
-        </p:spPr>
-        <p:txBody>
-          <a:bodyPr anchor="ctr"/>
-          <a:lstStyle>
-            <a:lvl1pPr algn="ctr" defTabSz="914400" rtl="0" eaLnBrk="1" latinLnBrk="0" hangingPunct="1">
-              <a:spcBef>
-                <a:spcPct val="0"/>
-              </a:spcBef>
-              <a:buNone/>
-              <a:defRPr sz="4400" kern="1200">
-                <a:solidFill>
-                  <a:schemeClr val="tx1"/>
-                </a:solidFill>
-                <a:latin typeface="+mj-lt"/>
-                <a:ea typeface="+mj-ea"/>
-                <a:cs typeface="+mj-cs"/>
-              </a:defRPr>
-            </a:lvl1pPr>
-          </a:lstStyle>
-          <a:p>
-            <a:pPr algn="l" fontAlgn="auto">
-              <a:lnSpc>
-                <a:spcPts val="5760"/>
-              </a:lnSpc>
-              <a:spcBef>
-                <a:spcPts val="0"/>
-              </a:spcBef>
-              <a:spcAft>
-                <a:spcPts val="0"/>
-              </a:spcAft>
-              <a:defRPr/>
-            </a:pPr>
-            <a:endParaRPr lang="es-HN" sz="1600" b="1" dirty="0">
-              <a:solidFill>
-                <a:srgbClr val="FFC000"/>
-              </a:solidFill>
-              <a:latin typeface="Rockwell" pitchFamily="18" charset="0"/>
-            </a:endParaRPr>
-          </a:p>
-        </p:txBody>
-      </p:sp>
-      <p:sp>
-        <p:nvSpPr>
-          <p:cNvPr id="26" name="1 Título"/>
-          <p:cNvSpPr txBox="1">
-            <a:spLocks/>
-          </p:cNvSpPr>
-          <p:nvPr/>
-        </p:nvSpPr>
-        <p:spPr>
-          <a:xfrm>
-            <a:off x="4913313" y="3817938"/>
-            <a:ext cx="2663825" cy="474662"/>
-          </a:xfrm>
-          <a:prstGeom prst="rect">
-            <a:avLst/>
-          </a:prstGeom>
-        </p:spPr>
-        <p:txBody>
-          <a:bodyPr anchor="ctr"/>
-          <a:lstStyle>
-            <a:lvl1pPr algn="ctr" defTabSz="914400" rtl="0" eaLnBrk="1" latinLnBrk="0" hangingPunct="1">
-              <a:spcBef>
-                <a:spcPct val="0"/>
-              </a:spcBef>
-              <a:buNone/>
-              <a:defRPr sz="4400" kern="1200">
-                <a:solidFill>
-                  <a:schemeClr val="tx1"/>
-                </a:solidFill>
-                <a:latin typeface="+mj-lt"/>
-                <a:ea typeface="+mj-ea"/>
-                <a:cs typeface="+mj-cs"/>
-              </a:defRPr>
-            </a:lvl1pPr>
-          </a:lstStyle>
-          <a:p>
-            <a:pPr algn="l" fontAlgn="auto">
-              <a:spcBef>
-                <a:spcPts val="0"/>
-              </a:spcBef>
-              <a:spcAft>
-                <a:spcPts val="0"/>
-              </a:spcAft>
-              <a:defRPr/>
-            </a:pPr>
-            <a:endParaRPr lang="es-HN" sz="1050" b="1" dirty="0">
-              <a:solidFill>
-                <a:srgbClr val="FFC000"/>
-              </a:solidFill>
-              <a:latin typeface="Rockwell" pitchFamily="18" charset="0"/>
-            </a:endParaRPr>
-          </a:p>
-        </p:txBody>
-      </p:sp>
-      <p:sp>
-        <p:nvSpPr>
-          <p:cNvPr id="27" name="1 Título"/>
-          <p:cNvSpPr txBox="1">
-            <a:spLocks/>
-          </p:cNvSpPr>
-          <p:nvPr/>
-        </p:nvSpPr>
-        <p:spPr>
-          <a:xfrm>
-            <a:off x="317500" y="2059930"/>
-            <a:ext cx="2663825" cy="474663"/>
-          </a:xfrm>
-          <a:prstGeom prst="rect">
-            <a:avLst/>
-          </a:prstGeom>
-        </p:spPr>
-        <p:txBody>
-          <a:bodyPr anchor="ctr"/>
-          <a:lstStyle>
-            <a:lvl1pPr algn="ctr" defTabSz="914400" rtl="0" eaLnBrk="1" latinLnBrk="0" hangingPunct="1">
-              <a:spcBef>
-                <a:spcPct val="0"/>
-              </a:spcBef>
-              <a:buNone/>
-              <a:defRPr sz="4400" kern="1200">
-                <a:solidFill>
-                  <a:schemeClr val="tx1"/>
-                </a:solidFill>
-                <a:latin typeface="+mj-lt"/>
-                <a:ea typeface="+mj-ea"/>
-                <a:cs typeface="+mj-cs"/>
-              </a:defRPr>
-            </a:lvl1pPr>
-          </a:lstStyle>
-          <a:p>
-            <a:pPr algn="l" fontAlgn="auto">
-              <a:spcBef>
-                <a:spcPts val="0"/>
-              </a:spcBef>
-              <a:spcAft>
-                <a:spcPts val="0"/>
-              </a:spcAft>
-              <a:defRPr/>
-            </a:pPr>
-            <a:endParaRPr lang="es-HN" sz="1950" b="1" dirty="0">
-              <a:solidFill>
-                <a:srgbClr val="FFC000"/>
-              </a:solidFill>
-              <a:latin typeface="Rockwell" pitchFamily="18" charset="0"/>
-            </a:endParaRPr>
-          </a:p>
-        </p:txBody>
-      </p:sp>
-      <p:pic>
-        <p:nvPicPr>
-          <p:cNvPr id="14348" name="27 Imagen"/>
           <p:cNvPicPr>
             <a:picLocks noChangeAspect="1"/>
           </p:cNvPicPr>
           <p:nvPr/>
         </p:nvPicPr>
         <p:blipFill>
-          <a:blip r:embed="rId4">
-            <a:extLst>
-              <a:ext uri="{28A0092B-C50C-407E-A947-70E740481C1C}">
-                <a14:useLocalDpi xmlns:a14="http://schemas.microsoft.com/office/drawing/2010/main" val="0"/>
-              </a:ext>
-            </a:extLst>
-          </a:blip>
-          <a:srcRect/>
+          <a:blip r:embed="rId9"/>
           <a:stretch>
             <a:fillRect/>
           </a:stretch>
         </p:blipFill>
-        <p:spPr bwMode="auto">
-          <a:xfrm>
-            <a:off x="4167188" y="6170613"/>
-            <a:ext cx="363537" cy="303212"/>
+        <p:spPr>
+          <a:xfrm>
+            <a:off x="0" y="384175"/>
+            <a:ext cx="9144000" cy="5463396"/>
           </a:xfrm>
           <a:prstGeom prst="rect">
             <a:avLst/>
           </a:prstGeom>
-          <a:noFill/>
-          <a:ln>
-            <a:noFill/>
-          </a:ln>
-          <a:extLst>
-            <a:ext uri="{909E8E84-426E-40DD-AFC4-6F175D3DCCD1}">
-              <a14:hiddenFill xmlns:a14="http://schemas.microsoft.com/office/drawing/2010/main">
-                <a:solidFill>
-                  <a:srgbClr val="FFFFFF"/>
-                </a:solidFill>
-              </a14:hiddenFill>
-            </a:ext>
-            <a:ext uri="{91240B29-F687-4F45-9708-019B960494DF}">
-              <a14:hiddenLine xmlns:a14="http://schemas.microsoft.com/office/drawing/2010/main" w="9525">
-                <a:solidFill>
-                  <a:srgbClr val="000000"/>
-                </a:solidFill>
-                <a:miter lim="800000"/>
-                <a:headEnd/>
-                <a:tailEnd/>
-              </a14:hiddenLine>
-            </a:ext>
-          </a:extLst>
         </p:spPr>
       </p:pic>
-      <p:pic>
-        <p:nvPicPr>
-          <p:cNvPr id="14349" name="28 Imagen"/>
-          <p:cNvPicPr>
-            <a:picLocks noChangeAspect="1"/>
-          </p:cNvPicPr>
-          <p:nvPr/>
-        </p:nvPicPr>
-        <p:blipFill>
-          <a:blip r:embed="rId4">
-            <a:extLst>
-              <a:ext uri="{28A0092B-C50C-407E-A947-70E740481C1C}">
-                <a14:useLocalDpi xmlns:a14="http://schemas.microsoft.com/office/drawing/2010/main" val="0"/>
-              </a:ext>
-            </a:extLst>
-          </a:blip>
-          <a:srcRect/>
-          <a:stretch>
-            <a:fillRect/>
-          </a:stretch>
-        </p:blipFill>
-        <p:spPr bwMode="auto">
-          <a:xfrm>
-            <a:off x="4741863" y="6170613"/>
-            <a:ext cx="363537" cy="303212"/>
-          </a:xfrm>
-          <a:prstGeom prst="rect">
-            <a:avLst/>
-          </a:prstGeom>
-          <a:noFill/>
-          <a:ln>
-            <a:noFill/>
-          </a:ln>
-          <a:extLst>
-            <a:ext uri="{909E8E84-426E-40DD-AFC4-6F175D3DCCD1}">
-              <a14:hiddenFill xmlns:a14="http://schemas.microsoft.com/office/drawing/2010/main">
-                <a:solidFill>
-                  <a:srgbClr val="FFFFFF"/>
-                </a:solidFill>
-              </a14:hiddenFill>
-            </a:ext>
-            <a:ext uri="{91240B29-F687-4F45-9708-019B960494DF}">
-              <a14:hiddenLine xmlns:a14="http://schemas.microsoft.com/office/drawing/2010/main" w="9525">
-                <a:solidFill>
-                  <a:srgbClr val="000000"/>
-                </a:solidFill>
-                <a:miter lim="800000"/>
-                <a:headEnd/>
-                <a:tailEnd/>
-              </a14:hiddenLine>
-            </a:ext>
-          </a:extLst>
-        </p:spPr>
-      </p:pic>
-      <p:sp>
-        <p:nvSpPr>
-          <p:cNvPr id="14350" name="29 CuadroTexto"/>
-          <p:cNvSpPr txBox="1">
-            <a:spLocks noChangeArrowheads="1"/>
-          </p:cNvSpPr>
-          <p:nvPr/>
-        </p:nvSpPr>
-        <p:spPr bwMode="auto">
-          <a:xfrm>
-            <a:off x="4211960" y="6181725"/>
-            <a:ext cx="263214" cy="276999"/>
-          </a:xfrm>
-          <a:prstGeom prst="rect">
-            <a:avLst/>
-          </a:prstGeom>
-          <a:noFill/>
-          <a:ln>
-            <a:noFill/>
-          </a:ln>
-          <a:extLst>
-            <a:ext uri="{909E8E84-426E-40DD-AFC4-6F175D3DCCD1}">
-              <a14:hiddenFill xmlns:a14="http://schemas.microsoft.com/office/drawing/2010/main">
-                <a:solidFill>
-                  <a:srgbClr val="FFFFFF"/>
-                </a:solidFill>
-              </a14:hiddenFill>
-            </a:ext>
-            <a:ext uri="{91240B29-F687-4F45-9708-019B960494DF}">
-              <a14:hiddenLine xmlns:a14="http://schemas.microsoft.com/office/drawing/2010/main" w="9525">
-                <a:solidFill>
-                  <a:srgbClr val="000000"/>
-                </a:solidFill>
-                <a:miter lim="800000"/>
-                <a:headEnd/>
-                <a:tailEnd/>
-              </a14:hiddenLine>
-            </a:ext>
-          </a:extLst>
-        </p:spPr>
-        <p:txBody>
-          <a:bodyPr wrap="none">
-            <a:spAutoFit/>
-          </a:bodyPr>
-          <a:lstStyle>
-            <a:lvl1pPr>
-              <a:defRPr>
-                <a:solidFill>
-                  <a:schemeClr val="tx1"/>
-                </a:solidFill>
-                <a:latin typeface="Calibri" pitchFamily="34" charset="0"/>
-              </a:defRPr>
-            </a:lvl1pPr>
-            <a:lvl2pPr marL="742950" indent="-285750">
-              <a:defRPr>
-                <a:solidFill>
-                  <a:schemeClr val="tx1"/>
-                </a:solidFill>
-                <a:latin typeface="Calibri" pitchFamily="34" charset="0"/>
-              </a:defRPr>
-            </a:lvl2pPr>
-            <a:lvl3pPr marL="1143000" indent="-228600">
-              <a:defRPr>
-                <a:solidFill>
-                  <a:schemeClr val="tx1"/>
-                </a:solidFill>
-                <a:latin typeface="Calibri" pitchFamily="34" charset="0"/>
-              </a:defRPr>
-            </a:lvl3pPr>
-            <a:lvl4pPr marL="1600200" indent="-228600">
-              <a:defRPr>
-                <a:solidFill>
-                  <a:schemeClr val="tx1"/>
-                </a:solidFill>
-                <a:latin typeface="Calibri" pitchFamily="34" charset="0"/>
-              </a:defRPr>
-            </a:lvl4pPr>
-            <a:lvl5pPr marL="2057400" indent="-228600">
-              <a:defRPr>
-                <a:solidFill>
-                  <a:schemeClr val="tx1"/>
-                </a:solidFill>
-                <a:latin typeface="Calibri" pitchFamily="34" charset="0"/>
-              </a:defRPr>
-            </a:lvl5pPr>
-            <a:lvl6pPr marL="2514600" indent="-228600" fontAlgn="base">
-              <a:spcBef>
-                <a:spcPct val="0"/>
-              </a:spcBef>
-              <a:spcAft>
-                <a:spcPct val="0"/>
-              </a:spcAft>
-              <a:defRPr>
-                <a:solidFill>
-                  <a:schemeClr val="tx1"/>
-                </a:solidFill>
-                <a:latin typeface="Calibri" pitchFamily="34" charset="0"/>
-              </a:defRPr>
-            </a:lvl6pPr>
-            <a:lvl7pPr marL="2971800" indent="-228600" fontAlgn="base">
-              <a:spcBef>
-                <a:spcPct val="0"/>
-              </a:spcBef>
-              <a:spcAft>
-                <a:spcPct val="0"/>
-              </a:spcAft>
-              <a:defRPr>
-                <a:solidFill>
-                  <a:schemeClr val="tx1"/>
-                </a:solidFill>
-                <a:latin typeface="Calibri" pitchFamily="34" charset="0"/>
-              </a:defRPr>
-            </a:lvl7pPr>
-            <a:lvl8pPr marL="3429000" indent="-228600" fontAlgn="base">
-              <a:spcBef>
-                <a:spcPct val="0"/>
-              </a:spcBef>
-              <a:spcAft>
-                <a:spcPct val="0"/>
-              </a:spcAft>
-              <a:defRPr>
-                <a:solidFill>
-                  <a:schemeClr val="tx1"/>
-                </a:solidFill>
-                <a:latin typeface="Calibri" pitchFamily="34" charset="0"/>
-              </a:defRPr>
-            </a:lvl8pPr>
-            <a:lvl9pPr marL="3886200" indent="-228600" fontAlgn="base">
-              <a:spcBef>
-                <a:spcPct val="0"/>
-              </a:spcBef>
-              <a:spcAft>
-                <a:spcPct val="0"/>
-              </a:spcAft>
-              <a:defRPr>
-                <a:solidFill>
-                  <a:schemeClr val="tx1"/>
-                </a:solidFill>
-                <a:latin typeface="Calibri" pitchFamily="34" charset="0"/>
-              </a:defRPr>
-            </a:lvl9pPr>
-          </a:lstStyle>
-          <a:p>
-            <a:r>
-              <a:rPr lang="es-HN" sz="1200" b="1" dirty="0">
-                <a:solidFill>
-                  <a:srgbClr val="FFC000"/>
-                </a:solidFill>
-              </a:rPr>
-              <a:t>5</a:t>
-            </a:r>
-            <a:endParaRPr lang="es-ES" sz="1200" b="1" dirty="0">
-              <a:solidFill>
-                <a:srgbClr val="FFC000"/>
-              </a:solidFill>
-            </a:endParaRPr>
-          </a:p>
-        </p:txBody>
-      </p:sp>
-      <p:sp>
-        <p:nvSpPr>
-          <p:cNvPr id="31" name="30 CuadroTexto"/>
-          <p:cNvSpPr txBox="1"/>
-          <p:nvPr/>
-        </p:nvSpPr>
-        <p:spPr>
-          <a:xfrm>
-            <a:off x="4467225" y="6181725"/>
-            <a:ext cx="315913" cy="277813"/>
-          </a:xfrm>
-          <a:prstGeom prst="rect">
-            <a:avLst/>
-          </a:prstGeom>
-          <a:noFill/>
-        </p:spPr>
-        <p:txBody>
-          <a:bodyPr wrap="none">
-            <a:spAutoFit/>
-          </a:bodyPr>
-          <a:lstStyle/>
-          <a:p>
-            <a:pPr fontAlgn="auto">
-              <a:spcBef>
-                <a:spcPts val="0"/>
-              </a:spcBef>
-              <a:spcAft>
-                <a:spcPts val="0"/>
-              </a:spcAft>
-              <a:defRPr/>
-            </a:pPr>
-            <a:r>
-              <a:rPr lang="es-HN" sz="1200" b="1" i="1" dirty="0">
-                <a:solidFill>
-                  <a:schemeClr val="bg1">
-                    <a:lumMod val="65000"/>
-                  </a:schemeClr>
-                </a:solidFill>
-                <a:latin typeface="+mn-lt"/>
-              </a:rPr>
-              <a:t>of</a:t>
-            </a:r>
-            <a:endParaRPr lang="es-ES" sz="1200" b="1" i="1" dirty="0">
-              <a:solidFill>
-                <a:schemeClr val="bg1">
-                  <a:lumMod val="65000"/>
-                </a:schemeClr>
-              </a:solidFill>
-              <a:latin typeface="+mn-lt"/>
-            </a:endParaRPr>
-          </a:p>
-        </p:txBody>
-      </p:sp>
-      <p:sp>
-        <p:nvSpPr>
-          <p:cNvPr id="32" name="31 CuadroTexto"/>
-          <p:cNvSpPr txBox="1"/>
-          <p:nvPr/>
-        </p:nvSpPr>
-        <p:spPr>
-          <a:xfrm>
-            <a:off x="4787900" y="6181725"/>
-            <a:ext cx="263214" cy="276999"/>
-          </a:xfrm>
-          <a:prstGeom prst="rect">
-            <a:avLst/>
-          </a:prstGeom>
-          <a:noFill/>
-        </p:spPr>
-        <p:txBody>
-          <a:bodyPr wrap="none">
-            <a:spAutoFit/>
-          </a:bodyPr>
-          <a:lstStyle/>
-          <a:p>
-            <a:pPr fontAlgn="auto">
-              <a:spcBef>
-                <a:spcPts val="0"/>
-              </a:spcBef>
-              <a:spcAft>
-                <a:spcPts val="0"/>
-              </a:spcAft>
-              <a:defRPr/>
-            </a:pPr>
-            <a:r>
-              <a:rPr lang="es-HN" sz="1200" b="1" dirty="0">
-                <a:solidFill>
-                  <a:schemeClr val="bg1">
-                    <a:lumMod val="50000"/>
-                  </a:schemeClr>
-                </a:solidFill>
-                <a:latin typeface="+mn-lt"/>
-              </a:rPr>
-              <a:t>8</a:t>
-            </a:r>
-            <a:endParaRPr lang="es-ES" sz="1200" b="1" dirty="0">
-              <a:solidFill>
-                <a:schemeClr val="bg1">
-                  <a:lumMod val="50000"/>
-                </a:schemeClr>
-              </a:solidFill>
-              <a:latin typeface="+mn-lt"/>
-            </a:endParaRPr>
-          </a:p>
-        </p:txBody>
-      </p:sp>
-      <p:pic>
-        <p:nvPicPr>
-          <p:cNvPr id="14353" name="Imagen 5" descr="C:\Users\Design\Documents\Edu\Product Launch\shadown.png"/>
-          <p:cNvPicPr>
-            <a:picLocks noChangeAspect="1" noChangeArrowheads="1"/>
-          </p:cNvPicPr>
-          <p:nvPr/>
-        </p:nvPicPr>
-        <p:blipFill>
-          <a:blip r:embed="rId5">
-            <a:extLst>
-              <a:ext uri="{28A0092B-C50C-407E-A947-70E740481C1C}">
-                <a14:useLocalDpi xmlns:a14="http://schemas.microsoft.com/office/drawing/2010/main" val="0"/>
-              </a:ext>
-            </a:extLst>
-          </a:blip>
-          <a:srcRect/>
-          <a:stretch>
-            <a:fillRect/>
-          </a:stretch>
-        </p:blipFill>
-        <p:spPr bwMode="auto">
-          <a:xfrm>
-            <a:off x="5127625" y="5983288"/>
-            <a:ext cx="763588" cy="720725"/>
-          </a:xfrm>
-          <a:prstGeom prst="rect">
-            <a:avLst/>
-          </a:prstGeom>
-          <a:noFill/>
-          <a:ln>
-            <a:noFill/>
-          </a:ln>
-          <a:extLst>
-            <a:ext uri="{909E8E84-426E-40DD-AFC4-6F175D3DCCD1}">
-              <a14:hiddenFill xmlns:a14="http://schemas.microsoft.com/office/drawing/2010/main">
-                <a:solidFill>
-                  <a:srgbClr val="FFFFFF"/>
-                </a:solidFill>
-              </a14:hiddenFill>
-            </a:ext>
-            <a:ext uri="{91240B29-F687-4F45-9708-019B960494DF}">
-              <a14:hiddenLine xmlns:a14="http://schemas.microsoft.com/office/drawing/2010/main" w="9525">
-                <a:solidFill>
-                  <a:srgbClr val="000000"/>
-                </a:solidFill>
-                <a:miter lim="800000"/>
-                <a:headEnd/>
-                <a:tailEnd/>
-              </a14:hiddenLine>
-            </a:ext>
-          </a:extLst>
-        </p:spPr>
-      </p:pic>
-      <p:pic>
-        <p:nvPicPr>
-          <p:cNvPr id="14354" name="Imagen 6" descr="C:\Users\Design\Documents\Edu\Product Launch\btns.png">
-            <a:hlinkClick r:id="" action="ppaction://hlinkshowjump?jump=nextslide"/>
-          </p:cNvPr>
-          <p:cNvPicPr>
-            <a:picLocks noChangeAspect="1" noChangeArrowheads="1"/>
-          </p:cNvPicPr>
-          <p:nvPr/>
-        </p:nvPicPr>
-        <p:blipFill>
-          <a:blip r:embed="rId6" cstate="print">
-            <a:extLst>
-              <a:ext uri="{28A0092B-C50C-407E-A947-70E740481C1C}">
-                <a14:useLocalDpi xmlns:a14="http://schemas.microsoft.com/office/drawing/2010/main" val="0"/>
-              </a:ext>
-            </a:extLst>
-          </a:blip>
-          <a:srcRect/>
-          <a:stretch>
-            <a:fillRect/>
-          </a:stretch>
-        </p:blipFill>
-        <p:spPr bwMode="auto">
-          <a:xfrm>
-            <a:off x="5124450" y="6251575"/>
-            <a:ext cx="177800" cy="176213"/>
-          </a:xfrm>
-          <a:prstGeom prst="rect">
-            <a:avLst/>
-          </a:prstGeom>
-          <a:noFill/>
-          <a:ln>
-            <a:noFill/>
-          </a:ln>
-          <a:extLst>
-            <a:ext uri="{909E8E84-426E-40DD-AFC4-6F175D3DCCD1}">
-              <a14:hiddenFill xmlns:a14="http://schemas.microsoft.com/office/drawing/2010/main">
-                <a:solidFill>
-                  <a:srgbClr val="FFFFFF"/>
-                </a:solidFill>
-              </a14:hiddenFill>
-            </a:ext>
-            <a:ext uri="{91240B29-F687-4F45-9708-019B960494DF}">
-              <a14:hiddenLine xmlns:a14="http://schemas.microsoft.com/office/drawing/2010/main" w="9525">
-                <a:solidFill>
-                  <a:srgbClr val="000000"/>
-                </a:solidFill>
-                <a:miter lim="800000"/>
-                <a:headEnd/>
-                <a:tailEnd/>
-              </a14:hiddenLine>
-            </a:ext>
-          </a:extLst>
-        </p:spPr>
-      </p:pic>
-      <p:pic>
-        <p:nvPicPr>
-          <p:cNvPr id="14355" name="Imagen 6" descr="C:\Users\Design\Documents\Edu\Product Launch\btns.png">
-            <a:hlinkClick r:id="" action="ppaction://hlinkshowjump?jump=previousslide"/>
-          </p:cNvPr>
-          <p:cNvPicPr>
-            <a:picLocks noChangeAspect="1" noChangeArrowheads="1"/>
-          </p:cNvPicPr>
-          <p:nvPr/>
-        </p:nvPicPr>
-        <p:blipFill>
-          <a:blip r:embed="rId7" cstate="print">
-            <a:extLst>
-              <a:ext uri="{28A0092B-C50C-407E-A947-70E740481C1C}">
-                <a14:useLocalDpi xmlns:a14="http://schemas.microsoft.com/office/drawing/2010/main" val="0"/>
-              </a:ext>
-            </a:extLst>
-          </a:blip>
-          <a:srcRect/>
-          <a:stretch>
-            <a:fillRect/>
-          </a:stretch>
-        </p:blipFill>
-        <p:spPr bwMode="auto">
-          <a:xfrm>
-            <a:off x="3933825" y="6251575"/>
-            <a:ext cx="176213" cy="176213"/>
-          </a:xfrm>
-          <a:prstGeom prst="rect">
-            <a:avLst/>
-          </a:prstGeom>
-          <a:noFill/>
-          <a:ln>
-            <a:noFill/>
-          </a:ln>
-          <a:extLst>
-            <a:ext uri="{909E8E84-426E-40DD-AFC4-6F175D3DCCD1}">
-              <a14:hiddenFill xmlns:a14="http://schemas.microsoft.com/office/drawing/2010/main">
-                <a:solidFill>
-                  <a:srgbClr val="FFFFFF"/>
-                </a:solidFill>
-              </a14:hiddenFill>
-            </a:ext>
-            <a:ext uri="{91240B29-F687-4F45-9708-019B960494DF}">
-              <a14:hiddenLine xmlns:a14="http://schemas.microsoft.com/office/drawing/2010/main" w="9525">
-                <a:solidFill>
-                  <a:srgbClr val="000000"/>
-                </a:solidFill>
-                <a:miter lim="800000"/>
-                <a:headEnd/>
-                <a:tailEnd/>
-              </a14:hiddenLine>
-            </a:ext>
-          </a:extLst>
-        </p:spPr>
-      </p:pic>
-      <p:pic>
-        <p:nvPicPr>
-          <p:cNvPr id="14356" name="Imagen 5" descr="C:\Users\Design\Documents\Edu\Product Launch\shadown.png"/>
-          <p:cNvPicPr>
-            <a:picLocks noChangeAspect="1" noChangeArrowheads="1"/>
-          </p:cNvPicPr>
-          <p:nvPr/>
-        </p:nvPicPr>
-        <p:blipFill>
-          <a:blip r:embed="rId8">
-            <a:extLst>
-              <a:ext uri="{28A0092B-C50C-407E-A947-70E740481C1C}">
-                <a14:useLocalDpi xmlns:a14="http://schemas.microsoft.com/office/drawing/2010/main" val="0"/>
-              </a:ext>
-            </a:extLst>
-          </a:blip>
-          <a:srcRect/>
-          <a:stretch>
-            <a:fillRect/>
-          </a:stretch>
-        </p:blipFill>
-        <p:spPr bwMode="auto">
-          <a:xfrm>
-            <a:off x="1649413" y="5756275"/>
-            <a:ext cx="1193800" cy="1128713"/>
-          </a:xfrm>
-          <a:prstGeom prst="rect">
-            <a:avLst/>
-          </a:prstGeom>
-          <a:noFill/>
-          <a:ln>
-            <a:noFill/>
-          </a:ln>
-          <a:extLst>
-            <a:ext uri="{909E8E84-426E-40DD-AFC4-6F175D3DCCD1}">
-              <a14:hiddenFill xmlns:a14="http://schemas.microsoft.com/office/drawing/2010/main">
-                <a:solidFill>
-                  <a:srgbClr val="FFFFFF"/>
-                </a:solidFill>
-              </a14:hiddenFill>
-            </a:ext>
-            <a:ext uri="{91240B29-F687-4F45-9708-019B960494DF}">
-              <a14:hiddenLine xmlns:a14="http://schemas.microsoft.com/office/drawing/2010/main" w="9525">
-                <a:solidFill>
-                  <a:srgbClr val="000000"/>
-                </a:solidFill>
-                <a:miter lim="800000"/>
-                <a:headEnd/>
-                <a:tailEnd/>
-              </a14:hiddenLine>
-            </a:ext>
-          </a:extLst>
-        </p:spPr>
-      </p:pic>
-      <p:sp>
-        <p:nvSpPr>
-          <p:cNvPr id="21" name="CustomShape 6">
-            <a:extLst>
-              <a:ext uri="{FF2B5EF4-FFF2-40B4-BE49-F238E27FC236}">
-                <a16:creationId xmlns:a16="http://schemas.microsoft.com/office/drawing/2014/main" id="{C4EC9EAF-C043-450D-8841-E8D670593A4E}"/>
-              </a:ext>
-            </a:extLst>
-          </p:cNvPr>
-          <p:cNvSpPr/>
-          <p:nvPr/>
-        </p:nvSpPr>
-        <p:spPr>
-          <a:xfrm>
-            <a:off x="546258" y="2382022"/>
-            <a:ext cx="8143560" cy="2238840"/>
-          </a:xfrm>
-          <a:prstGeom prst="rect">
-            <a:avLst/>
-          </a:prstGeom>
-          <a:noFill/>
-          <a:ln>
-            <a:noFill/>
-          </a:ln>
-        </p:spPr>
-        <p:style>
-          <a:lnRef idx="0">
-            <a:scrgbClr r="0" g="0" b="0"/>
-          </a:lnRef>
-          <a:fillRef idx="0">
-            <a:scrgbClr r="0" g="0" b="0"/>
-          </a:fillRef>
-          <a:effectRef idx="0">
-            <a:scrgbClr r="0" g="0" b="0"/>
-          </a:effectRef>
-          <a:fontRef idx="minor"/>
-        </p:style>
-        <p:txBody>
-          <a:bodyPr lIns="0" tIns="0" rIns="0" bIns="0"/>
-          <a:lstStyle/>
-          <a:p>
-            <a:pPr marL="216000" indent="-216000" algn="just">
-              <a:lnSpc>
-                <a:spcPct val="100000"/>
-              </a:lnSpc>
-              <a:buClr>
-                <a:srgbClr val="808080"/>
-              </a:buClr>
-              <a:buSzPct val="45000"/>
-              <a:buFont typeface="Wingdings" charset="2"/>
-              <a:buChar char=""/>
-            </a:pPr>
-            <a:endParaRPr lang="en-US" sz="1800" b="0" strike="noStrike" spc="-1" dirty="0">
-              <a:solidFill>
-                <a:srgbClr val="000000"/>
-              </a:solidFill>
-              <a:uFill>
-                <a:solidFill>
-                  <a:srgbClr val="FFFFFF"/>
-                </a:solidFill>
-              </a:uFill>
-              <a:latin typeface="Arial"/>
-            </a:endParaRPr>
-          </a:p>
-        </p:txBody>
-      </p:sp>
     </p:spTree>
     <p:extLst>
       <p:ext uri="{BB962C8B-B14F-4D97-AF65-F5344CB8AC3E}">
@@ -13463,7 +13488,7 @@
                   <a:srgbClr val="FFC000"/>
                 </a:solidFill>
               </a:rPr>
-              <a:t>5</a:t>
+              <a:t>4</a:t>
             </a:r>
             <a:endParaRPr lang="es-ES" sz="1200" b="1" dirty="0">
               <a:solidFill>
@@ -13865,10 +13890,40 @@
           </a:p>
         </p:txBody>
       </p:sp>
+      <p:pic>
+        <p:nvPicPr>
+          <p:cNvPr id="3" name="Bilde 2">
+            <a:extLst>
+              <a:ext uri="{FF2B5EF4-FFF2-40B4-BE49-F238E27FC236}">
+                <a16:creationId xmlns:a16="http://schemas.microsoft.com/office/drawing/2014/main" id="{F9EB8EA6-5E32-4152-AF76-6D43FC69FB3B}"/>
+              </a:ext>
+            </a:extLst>
+          </p:cNvPr>
+          <p:cNvPicPr>
+            <a:picLocks noChangeAspect="1"/>
+          </p:cNvPicPr>
+          <p:nvPr/>
+        </p:nvPicPr>
+        <p:blipFill>
+          <a:blip r:embed="rId9"/>
+          <a:stretch>
+            <a:fillRect/>
+          </a:stretch>
+        </p:blipFill>
+        <p:spPr>
+          <a:xfrm>
+            <a:off x="12171" y="413862"/>
+            <a:ext cx="9144000" cy="5516808"/>
+          </a:xfrm>
+          <a:prstGeom prst="rect">
+            <a:avLst/>
+          </a:prstGeom>
+        </p:spPr>
+      </p:pic>
     </p:spTree>
     <p:extLst>
       <p:ext uri="{BB962C8B-B14F-4D97-AF65-F5344CB8AC3E}">
-        <p14:creationId xmlns:p14="http://schemas.microsoft.com/office/powerpoint/2010/main" val="3226816333"/>
+        <p14:creationId xmlns:p14="http://schemas.microsoft.com/office/powerpoint/2010/main" val="3474374477"/>
       </p:ext>
     </p:extLst>
   </p:cSld>
@@ -14678,13 +14733,18 @@
           </a:lstStyle>
           <a:p>
             <a:r>
-              <a:rPr lang="es-ES" sz="1200" b="1" dirty="0">
+              <a:rPr lang="es-HN" sz="1200" b="1" dirty="0">
                 <a:solidFill>
                   <a:srgbClr val="FFC000"/>
                 </a:solidFill>
               </a:rPr>
-              <a:t>6</a:t>
+              <a:t>5</a:t>
             </a:r>
+            <a:endParaRPr lang="es-ES" sz="1200" b="1" dirty="0">
+              <a:solidFill>
+                <a:srgbClr val="FFC000"/>
+              </a:solidFill>
+            </a:endParaRPr>
           </a:p>
         </p:txBody>
       </p:sp>
@@ -14781,7 +14841,1252 @@
                 </a:solidFill>
                 <a:latin typeface="+mn-lt"/>
               </a:rPr>
-              <a:t>9</a:t>
+              <a:t>8</a:t>
+            </a:r>
+            <a:endParaRPr lang="es-ES" sz="1200" b="1" dirty="0">
+              <a:solidFill>
+                <a:schemeClr val="bg1">
+                  <a:lumMod val="50000"/>
+                </a:schemeClr>
+              </a:solidFill>
+              <a:latin typeface="+mn-lt"/>
+            </a:endParaRPr>
+          </a:p>
+        </p:txBody>
+      </p:sp>
+      <p:pic>
+        <p:nvPicPr>
+          <p:cNvPr id="14353" name="Imagen 5" descr="C:\Users\Design\Documents\Edu\Product Launch\shadown.png"/>
+          <p:cNvPicPr>
+            <a:picLocks noChangeAspect="1" noChangeArrowheads="1"/>
+          </p:cNvPicPr>
+          <p:nvPr/>
+        </p:nvPicPr>
+        <p:blipFill>
+          <a:blip r:embed="rId5">
+            <a:extLst>
+              <a:ext uri="{28A0092B-C50C-407E-A947-70E740481C1C}">
+                <a14:useLocalDpi xmlns:a14="http://schemas.microsoft.com/office/drawing/2010/main" val="0"/>
+              </a:ext>
+            </a:extLst>
+          </a:blip>
+          <a:srcRect/>
+          <a:stretch>
+            <a:fillRect/>
+          </a:stretch>
+        </p:blipFill>
+        <p:spPr bwMode="auto">
+          <a:xfrm>
+            <a:off x="5127625" y="5983288"/>
+            <a:ext cx="763588" cy="720725"/>
+          </a:xfrm>
+          <a:prstGeom prst="rect">
+            <a:avLst/>
+          </a:prstGeom>
+          <a:noFill/>
+          <a:ln>
+            <a:noFill/>
+          </a:ln>
+          <a:extLst>
+            <a:ext uri="{909E8E84-426E-40DD-AFC4-6F175D3DCCD1}">
+              <a14:hiddenFill xmlns:a14="http://schemas.microsoft.com/office/drawing/2010/main">
+                <a:solidFill>
+                  <a:srgbClr val="FFFFFF"/>
+                </a:solidFill>
+              </a14:hiddenFill>
+            </a:ext>
+            <a:ext uri="{91240B29-F687-4F45-9708-019B960494DF}">
+              <a14:hiddenLine xmlns:a14="http://schemas.microsoft.com/office/drawing/2010/main" w="9525">
+                <a:solidFill>
+                  <a:srgbClr val="000000"/>
+                </a:solidFill>
+                <a:miter lim="800000"/>
+                <a:headEnd/>
+                <a:tailEnd/>
+              </a14:hiddenLine>
+            </a:ext>
+          </a:extLst>
+        </p:spPr>
+      </p:pic>
+      <p:pic>
+        <p:nvPicPr>
+          <p:cNvPr id="14354" name="Imagen 6" descr="C:\Users\Design\Documents\Edu\Product Launch\btns.png">
+            <a:hlinkClick r:id="" action="ppaction://hlinkshowjump?jump=nextslide"/>
+          </p:cNvPr>
+          <p:cNvPicPr>
+            <a:picLocks noChangeAspect="1" noChangeArrowheads="1"/>
+          </p:cNvPicPr>
+          <p:nvPr/>
+        </p:nvPicPr>
+        <p:blipFill>
+          <a:blip r:embed="rId6" cstate="print">
+            <a:extLst>
+              <a:ext uri="{28A0092B-C50C-407E-A947-70E740481C1C}">
+                <a14:useLocalDpi xmlns:a14="http://schemas.microsoft.com/office/drawing/2010/main" val="0"/>
+              </a:ext>
+            </a:extLst>
+          </a:blip>
+          <a:srcRect/>
+          <a:stretch>
+            <a:fillRect/>
+          </a:stretch>
+        </p:blipFill>
+        <p:spPr bwMode="auto">
+          <a:xfrm>
+            <a:off x="5124450" y="6251575"/>
+            <a:ext cx="177800" cy="176213"/>
+          </a:xfrm>
+          <a:prstGeom prst="rect">
+            <a:avLst/>
+          </a:prstGeom>
+          <a:noFill/>
+          <a:ln>
+            <a:noFill/>
+          </a:ln>
+          <a:extLst>
+            <a:ext uri="{909E8E84-426E-40DD-AFC4-6F175D3DCCD1}">
+              <a14:hiddenFill xmlns:a14="http://schemas.microsoft.com/office/drawing/2010/main">
+                <a:solidFill>
+                  <a:srgbClr val="FFFFFF"/>
+                </a:solidFill>
+              </a14:hiddenFill>
+            </a:ext>
+            <a:ext uri="{91240B29-F687-4F45-9708-019B960494DF}">
+              <a14:hiddenLine xmlns:a14="http://schemas.microsoft.com/office/drawing/2010/main" w="9525">
+                <a:solidFill>
+                  <a:srgbClr val="000000"/>
+                </a:solidFill>
+                <a:miter lim="800000"/>
+                <a:headEnd/>
+                <a:tailEnd/>
+              </a14:hiddenLine>
+            </a:ext>
+          </a:extLst>
+        </p:spPr>
+      </p:pic>
+      <p:pic>
+        <p:nvPicPr>
+          <p:cNvPr id="14355" name="Imagen 6" descr="C:\Users\Design\Documents\Edu\Product Launch\btns.png">
+            <a:hlinkClick r:id="" action="ppaction://hlinkshowjump?jump=previousslide"/>
+          </p:cNvPr>
+          <p:cNvPicPr>
+            <a:picLocks noChangeAspect="1" noChangeArrowheads="1"/>
+          </p:cNvPicPr>
+          <p:nvPr/>
+        </p:nvPicPr>
+        <p:blipFill>
+          <a:blip r:embed="rId7" cstate="print">
+            <a:extLst>
+              <a:ext uri="{28A0092B-C50C-407E-A947-70E740481C1C}">
+                <a14:useLocalDpi xmlns:a14="http://schemas.microsoft.com/office/drawing/2010/main" val="0"/>
+              </a:ext>
+            </a:extLst>
+          </a:blip>
+          <a:srcRect/>
+          <a:stretch>
+            <a:fillRect/>
+          </a:stretch>
+        </p:blipFill>
+        <p:spPr bwMode="auto">
+          <a:xfrm>
+            <a:off x="3933825" y="6251575"/>
+            <a:ext cx="176213" cy="176213"/>
+          </a:xfrm>
+          <a:prstGeom prst="rect">
+            <a:avLst/>
+          </a:prstGeom>
+          <a:noFill/>
+          <a:ln>
+            <a:noFill/>
+          </a:ln>
+          <a:extLst>
+            <a:ext uri="{909E8E84-426E-40DD-AFC4-6F175D3DCCD1}">
+              <a14:hiddenFill xmlns:a14="http://schemas.microsoft.com/office/drawing/2010/main">
+                <a:solidFill>
+                  <a:srgbClr val="FFFFFF"/>
+                </a:solidFill>
+              </a14:hiddenFill>
+            </a:ext>
+            <a:ext uri="{91240B29-F687-4F45-9708-019B960494DF}">
+              <a14:hiddenLine xmlns:a14="http://schemas.microsoft.com/office/drawing/2010/main" w="9525">
+                <a:solidFill>
+                  <a:srgbClr val="000000"/>
+                </a:solidFill>
+                <a:miter lim="800000"/>
+                <a:headEnd/>
+                <a:tailEnd/>
+              </a14:hiddenLine>
+            </a:ext>
+          </a:extLst>
+        </p:spPr>
+      </p:pic>
+      <p:pic>
+        <p:nvPicPr>
+          <p:cNvPr id="14356" name="Imagen 5" descr="C:\Users\Design\Documents\Edu\Product Launch\shadown.png"/>
+          <p:cNvPicPr>
+            <a:picLocks noChangeAspect="1" noChangeArrowheads="1"/>
+          </p:cNvPicPr>
+          <p:nvPr/>
+        </p:nvPicPr>
+        <p:blipFill>
+          <a:blip r:embed="rId8">
+            <a:extLst>
+              <a:ext uri="{28A0092B-C50C-407E-A947-70E740481C1C}">
+                <a14:useLocalDpi xmlns:a14="http://schemas.microsoft.com/office/drawing/2010/main" val="0"/>
+              </a:ext>
+            </a:extLst>
+          </a:blip>
+          <a:srcRect/>
+          <a:stretch>
+            <a:fillRect/>
+          </a:stretch>
+        </p:blipFill>
+        <p:spPr bwMode="auto">
+          <a:xfrm>
+            <a:off x="1649413" y="5756275"/>
+            <a:ext cx="1193800" cy="1128713"/>
+          </a:xfrm>
+          <a:prstGeom prst="rect">
+            <a:avLst/>
+          </a:prstGeom>
+          <a:noFill/>
+          <a:ln>
+            <a:noFill/>
+          </a:ln>
+          <a:extLst>
+            <a:ext uri="{909E8E84-426E-40DD-AFC4-6F175D3DCCD1}">
+              <a14:hiddenFill xmlns:a14="http://schemas.microsoft.com/office/drawing/2010/main">
+                <a:solidFill>
+                  <a:srgbClr val="FFFFFF"/>
+                </a:solidFill>
+              </a14:hiddenFill>
+            </a:ext>
+            <a:ext uri="{91240B29-F687-4F45-9708-019B960494DF}">
+              <a14:hiddenLine xmlns:a14="http://schemas.microsoft.com/office/drawing/2010/main" w="9525">
+                <a:solidFill>
+                  <a:srgbClr val="000000"/>
+                </a:solidFill>
+                <a:miter lim="800000"/>
+                <a:headEnd/>
+                <a:tailEnd/>
+              </a14:hiddenLine>
+            </a:ext>
+          </a:extLst>
+        </p:spPr>
+      </p:pic>
+      <p:sp>
+        <p:nvSpPr>
+          <p:cNvPr id="21" name="CustomShape 6">
+            <a:extLst>
+              <a:ext uri="{FF2B5EF4-FFF2-40B4-BE49-F238E27FC236}">
+                <a16:creationId xmlns:a16="http://schemas.microsoft.com/office/drawing/2014/main" id="{C4EC9EAF-C043-450D-8841-E8D670593A4E}"/>
+              </a:ext>
+            </a:extLst>
+          </p:cNvPr>
+          <p:cNvSpPr/>
+          <p:nvPr/>
+        </p:nvSpPr>
+        <p:spPr>
+          <a:xfrm>
+            <a:off x="546258" y="2382022"/>
+            <a:ext cx="8143560" cy="2238840"/>
+          </a:xfrm>
+          <a:prstGeom prst="rect">
+            <a:avLst/>
+          </a:prstGeom>
+          <a:noFill/>
+          <a:ln>
+            <a:noFill/>
+          </a:ln>
+        </p:spPr>
+        <p:style>
+          <a:lnRef idx="0">
+            <a:scrgbClr r="0" g="0" b="0"/>
+          </a:lnRef>
+          <a:fillRef idx="0">
+            <a:scrgbClr r="0" g="0" b="0"/>
+          </a:fillRef>
+          <a:effectRef idx="0">
+            <a:scrgbClr r="0" g="0" b="0"/>
+          </a:effectRef>
+          <a:fontRef idx="minor"/>
+        </p:style>
+        <p:txBody>
+          <a:bodyPr lIns="0" tIns="0" rIns="0" bIns="0"/>
+          <a:lstStyle/>
+          <a:p>
+            <a:pPr marL="216000" indent="-216000" algn="just">
+              <a:lnSpc>
+                <a:spcPct val="100000"/>
+              </a:lnSpc>
+              <a:buClr>
+                <a:srgbClr val="808080"/>
+              </a:buClr>
+              <a:buSzPct val="45000"/>
+              <a:buFont typeface="Wingdings" charset="2"/>
+              <a:buChar char=""/>
+            </a:pPr>
+            <a:endParaRPr lang="en-US" sz="1800" b="0" strike="noStrike" spc="-1" dirty="0">
+              <a:solidFill>
+                <a:srgbClr val="000000"/>
+              </a:solidFill>
+              <a:uFill>
+                <a:solidFill>
+                  <a:srgbClr val="FFFFFF"/>
+                </a:solidFill>
+              </a:uFill>
+              <a:latin typeface="Arial"/>
+            </a:endParaRPr>
+          </a:p>
+        </p:txBody>
+      </p:sp>
+      <p:pic>
+        <p:nvPicPr>
+          <p:cNvPr id="2" name="Bilde 1">
+            <a:extLst>
+              <a:ext uri="{FF2B5EF4-FFF2-40B4-BE49-F238E27FC236}">
+                <a16:creationId xmlns:a16="http://schemas.microsoft.com/office/drawing/2014/main" id="{70D2590B-59EA-45C7-81C7-9CBEBCFA5963}"/>
+              </a:ext>
+            </a:extLst>
+          </p:cNvPr>
+          <p:cNvPicPr>
+            <a:picLocks noChangeAspect="1"/>
+          </p:cNvPicPr>
+          <p:nvPr/>
+        </p:nvPicPr>
+        <p:blipFill>
+          <a:blip r:embed="rId9"/>
+          <a:stretch>
+            <a:fillRect/>
+          </a:stretch>
+        </p:blipFill>
+        <p:spPr>
+          <a:xfrm>
+            <a:off x="0" y="317030"/>
+            <a:ext cx="9144000" cy="5730551"/>
+          </a:xfrm>
+          <a:prstGeom prst="rect">
+            <a:avLst/>
+          </a:prstGeom>
+        </p:spPr>
+      </p:pic>
+    </p:spTree>
+    <p:extLst>
+      <p:ext uri="{BB962C8B-B14F-4D97-AF65-F5344CB8AC3E}">
+        <p14:creationId xmlns:p14="http://schemas.microsoft.com/office/powerpoint/2010/main" val="3226816333"/>
+      </p:ext>
+    </p:extLst>
+  </p:cSld>
+  <p:clrMapOvr>
+    <a:masterClrMapping/>
+  </p:clrMapOvr>
+  <p:timing>
+    <p:tnLst>
+      <p:par>
+        <p:cTn id="1" dur="indefinite" restart="never" nodeType="tmRoot">
+          <p:childTnLst>
+            <p:seq concurrent="1" nextAc="seek">
+              <p:cTn id="2" dur="indefinite" nodeType="mainSeq">
+                <p:childTnLst>
+                  <p:par>
+                    <p:cTn id="3" fill="hold" nodeType="clickPar">
+                      <p:stCondLst>
+                        <p:cond delay="indefinite"/>
+                        <p:cond evt="onBegin" delay="0">
+                          <p:tn val="2"/>
+                        </p:cond>
+                      </p:stCondLst>
+                      <p:childTnLst>
+                        <p:par>
+                          <p:cTn id="4" fill="hold" nodeType="withGroup">
+                            <p:stCondLst>
+                              <p:cond delay="0"/>
+                            </p:stCondLst>
+                            <p:childTnLst>
+                              <p:par>
+                                <p:cTn id="5" presetID="10" presetClass="entr" presetSubtype="0" fill="hold" grpId="0" nodeType="withEffect" nodePh="1">
+                                  <p:stCondLst>
+                                    <p:cond delay="0"/>
+                                  </p:stCondLst>
+                                  <p:endCondLst>
+                                    <p:cond evt="begin" delay="0">
+                                      <p:tn val="5"/>
+                                    </p:cond>
+                                  </p:endCondLst>
+                                  <p:childTnLst>
+                                    <p:set>
+                                      <p:cBhvr>
+                                        <p:cTn id="6" dur="1" fill="hold">
+                                          <p:stCondLst>
+                                            <p:cond delay="0"/>
+                                          </p:stCondLst>
+                                        </p:cTn>
+                                        <p:tgtEl>
+                                          <p:spTgt spid="24"/>
+                                        </p:tgtEl>
+                                        <p:attrNameLst>
+                                          <p:attrName>style.visibility</p:attrName>
+                                        </p:attrNameLst>
+                                      </p:cBhvr>
+                                      <p:to>
+                                        <p:strVal val="visible"/>
+                                      </p:to>
+                                    </p:set>
+                                    <p:animEffect transition="in" filter="fade">
+                                      <p:cBhvr>
+                                        <p:cTn id="7" dur="2000"/>
+                                        <p:tgtEl>
+                                          <p:spTgt spid="24"/>
+                                        </p:tgtEl>
+                                      </p:cBhvr>
+                                    </p:animEffect>
+                                  </p:childTnLst>
+                                </p:cTn>
+                              </p:par>
+                              <p:par>
+                                <p:cTn id="8" presetID="10" presetClass="entr" presetSubtype="0" fill="hold" grpId="0" nodeType="withEffect" nodePh="1">
+                                  <p:stCondLst>
+                                    <p:cond delay="0"/>
+                                  </p:stCondLst>
+                                  <p:endCondLst>
+                                    <p:cond evt="begin" delay="0">
+                                      <p:tn val="8"/>
+                                    </p:cond>
+                                  </p:endCondLst>
+                                  <p:childTnLst>
+                                    <p:set>
+                                      <p:cBhvr>
+                                        <p:cTn id="9" dur="1" fill="hold">
+                                          <p:stCondLst>
+                                            <p:cond delay="0"/>
+                                          </p:stCondLst>
+                                        </p:cTn>
+                                        <p:tgtEl>
+                                          <p:spTgt spid="26"/>
+                                        </p:tgtEl>
+                                        <p:attrNameLst>
+                                          <p:attrName>style.visibility</p:attrName>
+                                        </p:attrNameLst>
+                                      </p:cBhvr>
+                                      <p:to>
+                                        <p:strVal val="visible"/>
+                                      </p:to>
+                                    </p:set>
+                                    <p:animEffect transition="in" filter="fade">
+                                      <p:cBhvr>
+                                        <p:cTn id="10" dur="2000"/>
+                                        <p:tgtEl>
+                                          <p:spTgt spid="26"/>
+                                        </p:tgtEl>
+                                      </p:cBhvr>
+                                    </p:animEffect>
+                                  </p:childTnLst>
+                                </p:cTn>
+                              </p:par>
+                              <p:par>
+                                <p:cTn id="11" presetID="10" presetClass="entr" presetSubtype="0" fill="hold" grpId="0" nodeType="withEffect" nodePh="1">
+                                  <p:stCondLst>
+                                    <p:cond delay="0"/>
+                                  </p:stCondLst>
+                                  <p:endCondLst>
+                                    <p:cond evt="begin" delay="0">
+                                      <p:tn val="11"/>
+                                    </p:cond>
+                                  </p:endCondLst>
+                                  <p:childTnLst>
+                                    <p:set>
+                                      <p:cBhvr>
+                                        <p:cTn id="12" dur="1" fill="hold">
+                                          <p:stCondLst>
+                                            <p:cond delay="0"/>
+                                          </p:stCondLst>
+                                        </p:cTn>
+                                        <p:tgtEl>
+                                          <p:spTgt spid="27"/>
+                                        </p:tgtEl>
+                                        <p:attrNameLst>
+                                          <p:attrName>style.visibility</p:attrName>
+                                        </p:attrNameLst>
+                                      </p:cBhvr>
+                                      <p:to>
+                                        <p:strVal val="visible"/>
+                                      </p:to>
+                                    </p:set>
+                                    <p:animEffect transition="in" filter="fade">
+                                      <p:cBhvr>
+                                        <p:cTn id="13" dur="2000"/>
+                                        <p:tgtEl>
+                                          <p:spTgt spid="27"/>
+                                        </p:tgtEl>
+                                      </p:cBhvr>
+                                    </p:animEffect>
+                                  </p:childTnLst>
+                                </p:cTn>
+                              </p:par>
+                              <p:par>
+                                <p:cTn id="14" presetID="10" presetClass="entr" fill="hold" nodeType="withEffect">
+                                  <p:stCondLst>
+                                    <p:cond delay="0"/>
+                                  </p:stCondLst>
+                                  <p:childTnLst>
+                                    <p:set>
+                                      <p:cBhvr>
+                                        <p:cTn id="15" dur="1" fill="hold">
+                                          <p:stCondLst>
+                                            <p:cond delay="0"/>
+                                          </p:stCondLst>
+                                        </p:cTn>
+                                        <p:tgtEl>
+                                          <p:spTgt spid="21"/>
+                                        </p:tgtEl>
+                                        <p:attrNameLst>
+                                          <p:attrName>style.visibility</p:attrName>
+                                        </p:attrNameLst>
+                                      </p:cBhvr>
+                                      <p:to>
+                                        <p:strVal val="visible"/>
+                                      </p:to>
+                                    </p:set>
+                                    <p:animEffect transition="in" filter="fade">
+                                      <p:cBhvr additive="repl">
+                                        <p:cTn id="16" dur="2000"/>
+                                        <p:tgtEl>
+                                          <p:spTgt spid="21"/>
+                                        </p:tgtEl>
+                                      </p:cBhvr>
+                                    </p:animEffect>
+                                  </p:childTnLst>
+                                </p:cTn>
+                              </p:par>
+                            </p:childTnLst>
+                          </p:cTn>
+                        </p:par>
+                      </p:childTnLst>
+                    </p:cTn>
+                  </p:par>
+                </p:childTnLst>
+              </p:cTn>
+              <p:prevCondLst>
+                <p:cond evt="onPrev" delay="0">
+                  <p:tgtEl>
+                    <p:sldTgt/>
+                  </p:tgtEl>
+                </p:cond>
+              </p:prevCondLst>
+              <p:nextCondLst>
+                <p:cond evt="onNext" delay="0">
+                  <p:tgtEl>
+                    <p:sldTgt/>
+                  </p:tgtEl>
+                </p:cond>
+              </p:nextCondLst>
+            </p:seq>
+          </p:childTnLst>
+        </p:cTn>
+      </p:par>
+    </p:tnLst>
+    <p:bldLst>
+      <p:bldP spid="24" grpId="0"/>
+      <p:bldP spid="26" grpId="0"/>
+      <p:bldP spid="27" grpId="0"/>
+    </p:bldLst>
+  </p:timing>
+</p:sld>
+</file>
+
+<file path=ppt/slides/slide8.xml><?xml version="1.0" encoding="utf-8"?>
+<p:sld xmlns:a="http://schemas.openxmlformats.org/drawingml/2006/main" xmlns:r="http://schemas.openxmlformats.org/officeDocument/2006/relationships" xmlns:p="http://schemas.openxmlformats.org/presentationml/2006/main">
+  <p:cSld>
+    <p:bg>
+      <p:bgPr>
+        <a:blipFill dpi="0" rotWithShape="0">
+          <a:blip r:embed="rId2"/>
+          <a:srcRect/>
+          <a:stretch>
+            <a:fillRect/>
+          </a:stretch>
+        </a:blipFill>
+        <a:effectLst/>
+      </p:bgPr>
+    </p:bg>
+    <p:spTree>
+      <p:nvGrpSpPr>
+        <p:cNvPr id="1" name=""/>
+        <p:cNvGrpSpPr/>
+        <p:nvPr/>
+      </p:nvGrpSpPr>
+      <p:grpSpPr>
+        <a:xfrm>
+          <a:off x="0" y="0"/>
+          <a:ext cx="0" cy="0"/>
+          <a:chOff x="0" y="0"/>
+          <a:chExt cx="0" cy="0"/>
+        </a:xfrm>
+      </p:grpSpPr>
+      <p:pic>
+        <p:nvPicPr>
+          <p:cNvPr id="14338" name="Imagen 5" descr="C:\Users\Design\Documents\Edu\Product Launch\shadown.png"/>
+          <p:cNvPicPr>
+            <a:picLocks noChangeAspect="1" noChangeArrowheads="1"/>
+          </p:cNvPicPr>
+          <p:nvPr/>
+        </p:nvPicPr>
+        <p:blipFill>
+          <a:blip r:embed="rId3">
+            <a:extLst>
+              <a:ext uri="{28A0092B-C50C-407E-A947-70E740481C1C}">
+                <a14:useLocalDpi xmlns:a14="http://schemas.microsoft.com/office/drawing/2010/main" val="0"/>
+              </a:ext>
+            </a:extLst>
+          </a:blip>
+          <a:srcRect/>
+          <a:stretch>
+            <a:fillRect/>
+          </a:stretch>
+        </p:blipFill>
+        <p:spPr bwMode="auto">
+          <a:xfrm>
+            <a:off x="3354388" y="5965825"/>
+            <a:ext cx="762000" cy="719138"/>
+          </a:xfrm>
+          <a:prstGeom prst="rect">
+            <a:avLst/>
+          </a:prstGeom>
+          <a:noFill/>
+          <a:ln>
+            <a:noFill/>
+          </a:ln>
+          <a:extLst>
+            <a:ext uri="{909E8E84-426E-40DD-AFC4-6F175D3DCCD1}">
+              <a14:hiddenFill xmlns:a14="http://schemas.microsoft.com/office/drawing/2010/main">
+                <a:solidFill>
+                  <a:srgbClr val="FFFFFF"/>
+                </a:solidFill>
+              </a14:hiddenFill>
+            </a:ext>
+            <a:ext uri="{91240B29-F687-4F45-9708-019B960494DF}">
+              <a14:hiddenLine xmlns:a14="http://schemas.microsoft.com/office/drawing/2010/main" w="9525">
+                <a:solidFill>
+                  <a:srgbClr val="000000"/>
+                </a:solidFill>
+                <a:miter lim="800000"/>
+                <a:headEnd/>
+                <a:tailEnd/>
+              </a14:hiddenLine>
+            </a:ext>
+          </a:extLst>
+        </p:spPr>
+      </p:pic>
+      <p:grpSp>
+        <p:nvGrpSpPr>
+          <p:cNvPr id="14340" name="13 Grupo"/>
+          <p:cNvGrpSpPr>
+            <a:grpSpLocks/>
+          </p:cNvGrpSpPr>
+          <p:nvPr/>
+        </p:nvGrpSpPr>
+        <p:grpSpPr bwMode="auto">
+          <a:xfrm>
+            <a:off x="4618038" y="2276475"/>
+            <a:ext cx="6350" cy="3017838"/>
+            <a:chOff x="4276603" y="1491264"/>
+            <a:chExt cx="319" cy="3377896"/>
+          </a:xfrm>
+        </p:grpSpPr>
+        <p:cxnSp>
+          <p:nvCxnSpPr>
+            <p:cNvPr id="10" name="9 Conector recto"/>
+            <p:cNvCxnSpPr/>
+            <p:nvPr/>
+          </p:nvCxnSpPr>
+          <p:spPr>
+            <a:xfrm>
+              <a:off x="4276603" y="1491264"/>
+              <a:ext cx="0" cy="3377896"/>
+            </a:xfrm>
+            <a:prstGeom prst="line">
+              <a:avLst/>
+            </a:prstGeom>
+            <a:ln>
+              <a:solidFill>
+                <a:schemeClr val="bg1">
+                  <a:lumMod val="85000"/>
+                </a:schemeClr>
+              </a:solidFill>
+            </a:ln>
+          </p:spPr>
+          <p:style>
+            <a:lnRef idx="1">
+              <a:schemeClr val="dk1"/>
+            </a:lnRef>
+            <a:fillRef idx="0">
+              <a:schemeClr val="dk1"/>
+            </a:fillRef>
+            <a:effectRef idx="0">
+              <a:schemeClr val="dk1"/>
+            </a:effectRef>
+            <a:fontRef idx="minor">
+              <a:schemeClr val="tx1"/>
+            </a:fontRef>
+          </p:style>
+        </p:cxnSp>
+        <p:cxnSp>
+          <p:nvCxnSpPr>
+            <p:cNvPr id="11" name="10 Conector recto"/>
+            <p:cNvCxnSpPr/>
+            <p:nvPr/>
+          </p:nvCxnSpPr>
+          <p:spPr>
+            <a:xfrm>
+              <a:off x="4276922" y="1491264"/>
+              <a:ext cx="0" cy="3377896"/>
+            </a:xfrm>
+            <a:prstGeom prst="line">
+              <a:avLst/>
+            </a:prstGeom>
+            <a:ln>
+              <a:solidFill>
+                <a:schemeClr val="bg1"/>
+              </a:solidFill>
+            </a:ln>
+          </p:spPr>
+          <p:style>
+            <a:lnRef idx="1">
+              <a:schemeClr val="dk1"/>
+            </a:lnRef>
+            <a:fillRef idx="0">
+              <a:schemeClr val="dk1"/>
+            </a:fillRef>
+            <a:effectRef idx="0">
+              <a:schemeClr val="dk1"/>
+            </a:effectRef>
+            <a:fontRef idx="minor">
+              <a:schemeClr val="tx1"/>
+            </a:fontRef>
+          </p:style>
+        </p:cxnSp>
+      </p:grpSp>
+      <p:sp>
+        <p:nvSpPr>
+          <p:cNvPr id="24" name="1 Título"/>
+          <p:cNvSpPr txBox="1">
+            <a:spLocks/>
+          </p:cNvSpPr>
+          <p:nvPr/>
+        </p:nvSpPr>
+        <p:spPr>
+          <a:xfrm>
+            <a:off x="395288" y="1298575"/>
+            <a:ext cx="4519612" cy="474663"/>
+          </a:xfrm>
+          <a:prstGeom prst="rect">
+            <a:avLst/>
+          </a:prstGeom>
+        </p:spPr>
+        <p:txBody>
+          <a:bodyPr anchor="ctr"/>
+          <a:lstStyle>
+            <a:lvl1pPr algn="ctr" defTabSz="914400" rtl="0" eaLnBrk="1" latinLnBrk="0" hangingPunct="1">
+              <a:spcBef>
+                <a:spcPct val="0"/>
+              </a:spcBef>
+              <a:buNone/>
+              <a:defRPr sz="4400" kern="1200">
+                <a:solidFill>
+                  <a:schemeClr val="tx1"/>
+                </a:solidFill>
+                <a:latin typeface="+mj-lt"/>
+                <a:ea typeface="+mj-ea"/>
+                <a:cs typeface="+mj-cs"/>
+              </a:defRPr>
+            </a:lvl1pPr>
+          </a:lstStyle>
+          <a:p>
+            <a:pPr algn="l" fontAlgn="auto">
+              <a:lnSpc>
+                <a:spcPts val="5760"/>
+              </a:lnSpc>
+              <a:spcBef>
+                <a:spcPts val="0"/>
+              </a:spcBef>
+              <a:spcAft>
+                <a:spcPts val="0"/>
+              </a:spcAft>
+              <a:defRPr/>
+            </a:pPr>
+            <a:endParaRPr lang="es-HN" sz="1600" b="1" dirty="0">
+              <a:solidFill>
+                <a:srgbClr val="FFC000"/>
+              </a:solidFill>
+              <a:latin typeface="Rockwell" pitchFamily="18" charset="0"/>
+            </a:endParaRPr>
+          </a:p>
+        </p:txBody>
+      </p:sp>
+      <p:sp>
+        <p:nvSpPr>
+          <p:cNvPr id="26" name="1 Título"/>
+          <p:cNvSpPr txBox="1">
+            <a:spLocks/>
+          </p:cNvSpPr>
+          <p:nvPr/>
+        </p:nvSpPr>
+        <p:spPr>
+          <a:xfrm>
+            <a:off x="4913313" y="3817938"/>
+            <a:ext cx="2663825" cy="474662"/>
+          </a:xfrm>
+          <a:prstGeom prst="rect">
+            <a:avLst/>
+          </a:prstGeom>
+        </p:spPr>
+        <p:txBody>
+          <a:bodyPr anchor="ctr"/>
+          <a:lstStyle>
+            <a:lvl1pPr algn="ctr" defTabSz="914400" rtl="0" eaLnBrk="1" latinLnBrk="0" hangingPunct="1">
+              <a:spcBef>
+                <a:spcPct val="0"/>
+              </a:spcBef>
+              <a:buNone/>
+              <a:defRPr sz="4400" kern="1200">
+                <a:solidFill>
+                  <a:schemeClr val="tx1"/>
+                </a:solidFill>
+                <a:latin typeface="+mj-lt"/>
+                <a:ea typeface="+mj-ea"/>
+                <a:cs typeface="+mj-cs"/>
+              </a:defRPr>
+            </a:lvl1pPr>
+          </a:lstStyle>
+          <a:p>
+            <a:pPr algn="l" fontAlgn="auto">
+              <a:spcBef>
+                <a:spcPts val="0"/>
+              </a:spcBef>
+              <a:spcAft>
+                <a:spcPts val="0"/>
+              </a:spcAft>
+              <a:defRPr/>
+            </a:pPr>
+            <a:endParaRPr lang="es-HN" sz="1050" b="1" dirty="0">
+              <a:solidFill>
+                <a:srgbClr val="FFC000"/>
+              </a:solidFill>
+              <a:latin typeface="Rockwell" pitchFamily="18" charset="0"/>
+            </a:endParaRPr>
+          </a:p>
+        </p:txBody>
+      </p:sp>
+      <p:sp>
+        <p:nvSpPr>
+          <p:cNvPr id="27" name="1 Título"/>
+          <p:cNvSpPr txBox="1">
+            <a:spLocks/>
+          </p:cNvSpPr>
+          <p:nvPr/>
+        </p:nvSpPr>
+        <p:spPr>
+          <a:xfrm>
+            <a:off x="317500" y="2059930"/>
+            <a:ext cx="2663825" cy="474663"/>
+          </a:xfrm>
+          <a:prstGeom prst="rect">
+            <a:avLst/>
+          </a:prstGeom>
+        </p:spPr>
+        <p:txBody>
+          <a:bodyPr anchor="ctr"/>
+          <a:lstStyle>
+            <a:lvl1pPr algn="ctr" defTabSz="914400" rtl="0" eaLnBrk="1" latinLnBrk="0" hangingPunct="1">
+              <a:spcBef>
+                <a:spcPct val="0"/>
+              </a:spcBef>
+              <a:buNone/>
+              <a:defRPr sz="4400" kern="1200">
+                <a:solidFill>
+                  <a:schemeClr val="tx1"/>
+                </a:solidFill>
+                <a:latin typeface="+mj-lt"/>
+                <a:ea typeface="+mj-ea"/>
+                <a:cs typeface="+mj-cs"/>
+              </a:defRPr>
+            </a:lvl1pPr>
+          </a:lstStyle>
+          <a:p>
+            <a:pPr algn="l" fontAlgn="auto">
+              <a:spcBef>
+                <a:spcPts val="0"/>
+              </a:spcBef>
+              <a:spcAft>
+                <a:spcPts val="0"/>
+              </a:spcAft>
+              <a:defRPr/>
+            </a:pPr>
+            <a:endParaRPr lang="es-HN" sz="1950" b="1" dirty="0">
+              <a:solidFill>
+                <a:srgbClr val="FFC000"/>
+              </a:solidFill>
+              <a:latin typeface="Rockwell" pitchFamily="18" charset="0"/>
+            </a:endParaRPr>
+          </a:p>
+        </p:txBody>
+      </p:sp>
+      <p:pic>
+        <p:nvPicPr>
+          <p:cNvPr id="14348" name="27 Imagen"/>
+          <p:cNvPicPr>
+            <a:picLocks noChangeAspect="1"/>
+          </p:cNvPicPr>
+          <p:nvPr/>
+        </p:nvPicPr>
+        <p:blipFill>
+          <a:blip r:embed="rId4">
+            <a:extLst>
+              <a:ext uri="{28A0092B-C50C-407E-A947-70E740481C1C}">
+                <a14:useLocalDpi xmlns:a14="http://schemas.microsoft.com/office/drawing/2010/main" val="0"/>
+              </a:ext>
+            </a:extLst>
+          </a:blip>
+          <a:srcRect/>
+          <a:stretch>
+            <a:fillRect/>
+          </a:stretch>
+        </p:blipFill>
+        <p:spPr bwMode="auto">
+          <a:xfrm>
+            <a:off x="4167188" y="6170613"/>
+            <a:ext cx="363537" cy="303212"/>
+          </a:xfrm>
+          <a:prstGeom prst="rect">
+            <a:avLst/>
+          </a:prstGeom>
+          <a:noFill/>
+          <a:ln>
+            <a:noFill/>
+          </a:ln>
+          <a:extLst>
+            <a:ext uri="{909E8E84-426E-40DD-AFC4-6F175D3DCCD1}">
+              <a14:hiddenFill xmlns:a14="http://schemas.microsoft.com/office/drawing/2010/main">
+                <a:solidFill>
+                  <a:srgbClr val="FFFFFF"/>
+                </a:solidFill>
+              </a14:hiddenFill>
+            </a:ext>
+            <a:ext uri="{91240B29-F687-4F45-9708-019B960494DF}">
+              <a14:hiddenLine xmlns:a14="http://schemas.microsoft.com/office/drawing/2010/main" w="9525">
+                <a:solidFill>
+                  <a:srgbClr val="000000"/>
+                </a:solidFill>
+                <a:miter lim="800000"/>
+                <a:headEnd/>
+                <a:tailEnd/>
+              </a14:hiddenLine>
+            </a:ext>
+          </a:extLst>
+        </p:spPr>
+      </p:pic>
+      <p:pic>
+        <p:nvPicPr>
+          <p:cNvPr id="14349" name="28 Imagen"/>
+          <p:cNvPicPr>
+            <a:picLocks noChangeAspect="1"/>
+          </p:cNvPicPr>
+          <p:nvPr/>
+        </p:nvPicPr>
+        <p:blipFill>
+          <a:blip r:embed="rId4">
+            <a:extLst>
+              <a:ext uri="{28A0092B-C50C-407E-A947-70E740481C1C}">
+                <a14:useLocalDpi xmlns:a14="http://schemas.microsoft.com/office/drawing/2010/main" val="0"/>
+              </a:ext>
+            </a:extLst>
+          </a:blip>
+          <a:srcRect/>
+          <a:stretch>
+            <a:fillRect/>
+          </a:stretch>
+        </p:blipFill>
+        <p:spPr bwMode="auto">
+          <a:xfrm>
+            <a:off x="4741863" y="6170613"/>
+            <a:ext cx="363537" cy="303212"/>
+          </a:xfrm>
+          <a:prstGeom prst="rect">
+            <a:avLst/>
+          </a:prstGeom>
+          <a:noFill/>
+          <a:ln>
+            <a:noFill/>
+          </a:ln>
+          <a:extLst>
+            <a:ext uri="{909E8E84-426E-40DD-AFC4-6F175D3DCCD1}">
+              <a14:hiddenFill xmlns:a14="http://schemas.microsoft.com/office/drawing/2010/main">
+                <a:solidFill>
+                  <a:srgbClr val="FFFFFF"/>
+                </a:solidFill>
+              </a14:hiddenFill>
+            </a:ext>
+            <a:ext uri="{91240B29-F687-4F45-9708-019B960494DF}">
+              <a14:hiddenLine xmlns:a14="http://schemas.microsoft.com/office/drawing/2010/main" w="9525">
+                <a:solidFill>
+                  <a:srgbClr val="000000"/>
+                </a:solidFill>
+                <a:miter lim="800000"/>
+                <a:headEnd/>
+                <a:tailEnd/>
+              </a14:hiddenLine>
+            </a:ext>
+          </a:extLst>
+        </p:spPr>
+      </p:pic>
+      <p:sp>
+        <p:nvSpPr>
+          <p:cNvPr id="14350" name="29 CuadroTexto"/>
+          <p:cNvSpPr txBox="1">
+            <a:spLocks noChangeArrowheads="1"/>
+          </p:cNvSpPr>
+          <p:nvPr/>
+        </p:nvSpPr>
+        <p:spPr bwMode="auto">
+          <a:xfrm>
+            <a:off x="4211960" y="6181725"/>
+            <a:ext cx="263214" cy="276999"/>
+          </a:xfrm>
+          <a:prstGeom prst="rect">
+            <a:avLst/>
+          </a:prstGeom>
+          <a:noFill/>
+          <a:ln>
+            <a:noFill/>
+          </a:ln>
+          <a:extLst>
+            <a:ext uri="{909E8E84-426E-40DD-AFC4-6F175D3DCCD1}">
+              <a14:hiddenFill xmlns:a14="http://schemas.microsoft.com/office/drawing/2010/main">
+                <a:solidFill>
+                  <a:srgbClr val="FFFFFF"/>
+                </a:solidFill>
+              </a14:hiddenFill>
+            </a:ext>
+            <a:ext uri="{91240B29-F687-4F45-9708-019B960494DF}">
+              <a14:hiddenLine xmlns:a14="http://schemas.microsoft.com/office/drawing/2010/main" w="9525">
+                <a:solidFill>
+                  <a:srgbClr val="000000"/>
+                </a:solidFill>
+                <a:miter lim="800000"/>
+                <a:headEnd/>
+                <a:tailEnd/>
+              </a14:hiddenLine>
+            </a:ext>
+          </a:extLst>
+        </p:spPr>
+        <p:txBody>
+          <a:bodyPr wrap="none">
+            <a:spAutoFit/>
+          </a:bodyPr>
+          <a:lstStyle>
+            <a:lvl1pPr>
+              <a:defRPr>
+                <a:solidFill>
+                  <a:schemeClr val="tx1"/>
+                </a:solidFill>
+                <a:latin typeface="Calibri" pitchFamily="34" charset="0"/>
+              </a:defRPr>
+            </a:lvl1pPr>
+            <a:lvl2pPr marL="742950" indent="-285750">
+              <a:defRPr>
+                <a:solidFill>
+                  <a:schemeClr val="tx1"/>
+                </a:solidFill>
+                <a:latin typeface="Calibri" pitchFamily="34" charset="0"/>
+              </a:defRPr>
+            </a:lvl2pPr>
+            <a:lvl3pPr marL="1143000" indent="-228600">
+              <a:defRPr>
+                <a:solidFill>
+                  <a:schemeClr val="tx1"/>
+                </a:solidFill>
+                <a:latin typeface="Calibri" pitchFamily="34" charset="0"/>
+              </a:defRPr>
+            </a:lvl3pPr>
+            <a:lvl4pPr marL="1600200" indent="-228600">
+              <a:defRPr>
+                <a:solidFill>
+                  <a:schemeClr val="tx1"/>
+                </a:solidFill>
+                <a:latin typeface="Calibri" pitchFamily="34" charset="0"/>
+              </a:defRPr>
+            </a:lvl4pPr>
+            <a:lvl5pPr marL="2057400" indent="-228600">
+              <a:defRPr>
+                <a:solidFill>
+                  <a:schemeClr val="tx1"/>
+                </a:solidFill>
+                <a:latin typeface="Calibri" pitchFamily="34" charset="0"/>
+              </a:defRPr>
+            </a:lvl5pPr>
+            <a:lvl6pPr marL="2514600" indent="-228600" fontAlgn="base">
+              <a:spcBef>
+                <a:spcPct val="0"/>
+              </a:spcBef>
+              <a:spcAft>
+                <a:spcPct val="0"/>
+              </a:spcAft>
+              <a:defRPr>
+                <a:solidFill>
+                  <a:schemeClr val="tx1"/>
+                </a:solidFill>
+                <a:latin typeface="Calibri" pitchFamily="34" charset="0"/>
+              </a:defRPr>
+            </a:lvl6pPr>
+            <a:lvl7pPr marL="2971800" indent="-228600" fontAlgn="base">
+              <a:spcBef>
+                <a:spcPct val="0"/>
+              </a:spcBef>
+              <a:spcAft>
+                <a:spcPct val="0"/>
+              </a:spcAft>
+              <a:defRPr>
+                <a:solidFill>
+                  <a:schemeClr val="tx1"/>
+                </a:solidFill>
+                <a:latin typeface="Calibri" pitchFamily="34" charset="0"/>
+              </a:defRPr>
+            </a:lvl7pPr>
+            <a:lvl8pPr marL="3429000" indent="-228600" fontAlgn="base">
+              <a:spcBef>
+                <a:spcPct val="0"/>
+              </a:spcBef>
+              <a:spcAft>
+                <a:spcPct val="0"/>
+              </a:spcAft>
+              <a:defRPr>
+                <a:solidFill>
+                  <a:schemeClr val="tx1"/>
+                </a:solidFill>
+                <a:latin typeface="Calibri" pitchFamily="34" charset="0"/>
+              </a:defRPr>
+            </a:lvl8pPr>
+            <a:lvl9pPr marL="3886200" indent="-228600" fontAlgn="base">
+              <a:spcBef>
+                <a:spcPct val="0"/>
+              </a:spcBef>
+              <a:spcAft>
+                <a:spcPct val="0"/>
+              </a:spcAft>
+              <a:defRPr>
+                <a:solidFill>
+                  <a:schemeClr val="tx1"/>
+                </a:solidFill>
+                <a:latin typeface="Calibri" pitchFamily="34" charset="0"/>
+              </a:defRPr>
+            </a:lvl9pPr>
+          </a:lstStyle>
+          <a:p>
+            <a:r>
+              <a:rPr lang="es-ES" sz="1200" b="1" dirty="0">
+                <a:solidFill>
+                  <a:srgbClr val="FFC000"/>
+                </a:solidFill>
+              </a:rPr>
+              <a:t>6</a:t>
+            </a:r>
+          </a:p>
+        </p:txBody>
+      </p:sp>
+      <p:sp>
+        <p:nvSpPr>
+          <p:cNvPr id="31" name="30 CuadroTexto"/>
+          <p:cNvSpPr txBox="1"/>
+          <p:nvPr/>
+        </p:nvSpPr>
+        <p:spPr>
+          <a:xfrm>
+            <a:off x="4467225" y="6181725"/>
+            <a:ext cx="315913" cy="277813"/>
+          </a:xfrm>
+          <a:prstGeom prst="rect">
+            <a:avLst/>
+          </a:prstGeom>
+          <a:noFill/>
+        </p:spPr>
+        <p:txBody>
+          <a:bodyPr wrap="none">
+            <a:spAutoFit/>
+          </a:bodyPr>
+          <a:lstStyle/>
+          <a:p>
+            <a:pPr fontAlgn="auto">
+              <a:spcBef>
+                <a:spcPts val="0"/>
+              </a:spcBef>
+              <a:spcAft>
+                <a:spcPts val="0"/>
+              </a:spcAft>
+              <a:defRPr/>
+            </a:pPr>
+            <a:r>
+              <a:rPr lang="es-HN" sz="1200" b="1" i="1" dirty="0">
+                <a:solidFill>
+                  <a:schemeClr val="bg1">
+                    <a:lumMod val="65000"/>
+                  </a:schemeClr>
+                </a:solidFill>
+                <a:latin typeface="+mn-lt"/>
+              </a:rPr>
+              <a:t>of</a:t>
+            </a:r>
+            <a:endParaRPr lang="es-ES" sz="1200" b="1" i="1" dirty="0">
+              <a:solidFill>
+                <a:schemeClr val="bg1">
+                  <a:lumMod val="65000"/>
+                </a:schemeClr>
+              </a:solidFill>
+              <a:latin typeface="+mn-lt"/>
+            </a:endParaRPr>
+          </a:p>
+        </p:txBody>
+      </p:sp>
+      <p:sp>
+        <p:nvSpPr>
+          <p:cNvPr id="32" name="31 CuadroTexto"/>
+          <p:cNvSpPr txBox="1"/>
+          <p:nvPr/>
+        </p:nvSpPr>
+        <p:spPr>
+          <a:xfrm>
+            <a:off x="4787900" y="6181725"/>
+            <a:ext cx="263214" cy="276999"/>
+          </a:xfrm>
+          <a:prstGeom prst="rect">
+            <a:avLst/>
+          </a:prstGeom>
+          <a:noFill/>
+        </p:spPr>
+        <p:txBody>
+          <a:bodyPr wrap="none">
+            <a:spAutoFit/>
+          </a:bodyPr>
+          <a:lstStyle/>
+          <a:p>
+            <a:pPr fontAlgn="auto">
+              <a:spcBef>
+                <a:spcPts val="0"/>
+              </a:spcBef>
+              <a:spcAft>
+                <a:spcPts val="0"/>
+              </a:spcAft>
+              <a:defRPr/>
+            </a:pPr>
+            <a:r>
+              <a:rPr lang="es-HN" sz="1200" b="1" dirty="0">
+                <a:solidFill>
+                  <a:schemeClr val="bg1">
+                    <a:lumMod val="50000"/>
+                  </a:schemeClr>
+                </a:solidFill>
+                <a:latin typeface="+mn-lt"/>
+              </a:rPr>
+              <a:t>8</a:t>
             </a:r>
             <a:endParaRPr lang="es-ES" sz="1200" b="1" dirty="0">
               <a:solidFill>
@@ -15461,7 +16766,7 @@
 </p:sld>
 </file>
 
-<file path=ppt/slides/slide8.xml><?xml version="1.0" encoding="utf-8"?>
+<file path=ppt/slides/slide9.xml><?xml version="1.0" encoding="utf-8"?>
 <p:sld xmlns:a="http://schemas.openxmlformats.org/drawingml/2006/main" xmlns:r="http://schemas.openxmlformats.org/officeDocument/2006/relationships" xmlns:p="http://schemas.openxmlformats.org/presentationml/2006/main">
   <p:cSld>
     <p:bg>
@@ -15654,25 +16959,6 @@
               <a:tabLst/>
               <a:defRPr/>
             </a:pPr>
-            <a:r>
-              <a:rPr kumimoji="0" lang="en-US" sz="3600" b="1" i="0" u="none" strike="noStrike" kern="1200" cap="none" spc="-1" normalizeH="0" baseline="0" noProof="0" dirty="0">
-                <a:ln>
-                  <a:noFill/>
-                </a:ln>
-                <a:solidFill>
-                  <a:srgbClr val="FFC000"/>
-                </a:solidFill>
-                <a:effectLst/>
-                <a:uLnTx/>
-                <a:uFill>
-                  <a:solidFill>
-                    <a:srgbClr val="FFFFFF"/>
-                  </a:solidFill>
-                </a:uFill>
-                <a:latin typeface="Rockwell"/>
-              </a:rPr>
-              <a:t>Next Iteration</a:t>
-            </a:r>
             <a:endParaRPr kumimoji="0" lang="en-US" sz="1800" b="0" i="0" u="none" strike="noStrike" kern="1200" cap="none" spc="-1" normalizeH="0" baseline="0" noProof="0" dirty="0">
               <a:ln>
                 <a:noFill/>
@@ -15862,7 +17148,7 @@
               <a:defRPr/>
             </a:pPr>
             <a:r>
-              <a:rPr kumimoji="0" lang="en-US" sz="1200" b="1" i="0" u="none" strike="noStrike" kern="1200" cap="none" spc="-1" normalizeH="0" baseline="0" noProof="0">
+              <a:rPr kumimoji="0" lang="en-US" sz="1200" b="1" i="0" u="none" strike="noStrike" kern="1200" cap="none" spc="-1" normalizeH="0" baseline="0" noProof="0" dirty="0">
                 <a:ln>
                   <a:noFill/>
                 </a:ln>
@@ -15878,9 +17164,9 @@
                 </a:uFill>
                 <a:latin typeface="Calibri"/>
               </a:rPr>
-              <a:t>8</a:t>
+              <a:t>7</a:t>
             </a:r>
-            <a:endParaRPr kumimoji="0" lang="en-US" sz="1800" b="0" i="0" u="none" strike="noStrike" kern="1200" cap="none" spc="-1" normalizeH="0" baseline="0" noProof="0">
+            <a:endParaRPr kumimoji="0" lang="en-US" sz="1800" b="0" i="0" u="none" strike="noStrike" kern="1200" cap="none" spc="-1" normalizeH="0" baseline="0" noProof="0" dirty="0">
               <a:ln>
                 <a:noFill/>
               </a:ln>
@@ -16699,387 +17985,6 @@
         </p:cTn>
       </p:par>
     </p:tnLst>
-  </p:timing>
-</p:sld>
-</file>
-
-<file path=ppt/slides/slide9.xml><?xml version="1.0" encoding="utf-8"?>
-<p:sld xmlns:a="http://schemas.openxmlformats.org/drawingml/2006/main" xmlns:r="http://schemas.openxmlformats.org/officeDocument/2006/relationships" xmlns:p="http://schemas.openxmlformats.org/presentationml/2006/main">
-  <p:cSld>
-    <p:bg>
-      <p:bgPr>
-        <a:blipFill dpi="0" rotWithShape="0">
-          <a:blip r:embed="rId2"/>
-          <a:srcRect/>
-          <a:stretch>
-            <a:fillRect/>
-          </a:stretch>
-        </a:blipFill>
-        <a:effectLst/>
-      </p:bgPr>
-    </p:bg>
-    <p:spTree>
-      <p:nvGrpSpPr>
-        <p:cNvPr id="1" name=""/>
-        <p:cNvGrpSpPr/>
-        <p:nvPr/>
-      </p:nvGrpSpPr>
-      <p:grpSpPr>
-        <a:xfrm>
-          <a:off x="0" y="0"/>
-          <a:ext cx="0" cy="0"/>
-          <a:chOff x="0" y="0"/>
-          <a:chExt cx="0" cy="0"/>
-        </a:xfrm>
-      </p:grpSpPr>
-      <p:sp>
-        <p:nvSpPr>
-          <p:cNvPr id="4" name="1 Título"/>
-          <p:cNvSpPr txBox="1">
-            <a:spLocks/>
-          </p:cNvSpPr>
-          <p:nvPr/>
-        </p:nvSpPr>
-        <p:spPr>
-          <a:xfrm>
-            <a:off x="323850" y="1412875"/>
-            <a:ext cx="5902325" cy="863600"/>
-          </a:xfrm>
-          <a:prstGeom prst="rect">
-            <a:avLst/>
-          </a:prstGeom>
-        </p:spPr>
-        <p:txBody>
-          <a:bodyPr anchor="ctr"/>
-          <a:lstStyle>
-            <a:lvl1pPr>
-              <a:defRPr>
-                <a:solidFill>
-                  <a:schemeClr val="tx1"/>
-                </a:solidFill>
-                <a:latin typeface="Calibri" pitchFamily="34" charset="0"/>
-              </a:defRPr>
-            </a:lvl1pPr>
-            <a:lvl2pPr marL="742950" indent="-285750">
-              <a:defRPr>
-                <a:solidFill>
-                  <a:schemeClr val="tx1"/>
-                </a:solidFill>
-                <a:latin typeface="Calibri" pitchFamily="34" charset="0"/>
-              </a:defRPr>
-            </a:lvl2pPr>
-            <a:lvl3pPr marL="1143000" indent="-228600">
-              <a:defRPr>
-                <a:solidFill>
-                  <a:schemeClr val="tx1"/>
-                </a:solidFill>
-                <a:latin typeface="Calibri" pitchFamily="34" charset="0"/>
-              </a:defRPr>
-            </a:lvl3pPr>
-            <a:lvl4pPr marL="1600200" indent="-228600">
-              <a:defRPr>
-                <a:solidFill>
-                  <a:schemeClr val="tx1"/>
-                </a:solidFill>
-                <a:latin typeface="Calibri" pitchFamily="34" charset="0"/>
-              </a:defRPr>
-            </a:lvl4pPr>
-            <a:lvl5pPr marL="2057400" indent="-228600">
-              <a:defRPr>
-                <a:solidFill>
-                  <a:schemeClr val="tx1"/>
-                </a:solidFill>
-                <a:latin typeface="Calibri" pitchFamily="34" charset="0"/>
-              </a:defRPr>
-            </a:lvl5pPr>
-            <a:lvl6pPr marL="2514600" indent="-228600" fontAlgn="base">
-              <a:spcBef>
-                <a:spcPct val="0"/>
-              </a:spcBef>
-              <a:spcAft>
-                <a:spcPct val="0"/>
-              </a:spcAft>
-              <a:defRPr>
-                <a:solidFill>
-                  <a:schemeClr val="tx1"/>
-                </a:solidFill>
-                <a:latin typeface="Calibri" pitchFamily="34" charset="0"/>
-              </a:defRPr>
-            </a:lvl6pPr>
-            <a:lvl7pPr marL="2971800" indent="-228600" fontAlgn="base">
-              <a:spcBef>
-                <a:spcPct val="0"/>
-              </a:spcBef>
-              <a:spcAft>
-                <a:spcPct val="0"/>
-              </a:spcAft>
-              <a:defRPr>
-                <a:solidFill>
-                  <a:schemeClr val="tx1"/>
-                </a:solidFill>
-                <a:latin typeface="Calibri" pitchFamily="34" charset="0"/>
-              </a:defRPr>
-            </a:lvl7pPr>
-            <a:lvl8pPr marL="3429000" indent="-228600" fontAlgn="base">
-              <a:spcBef>
-                <a:spcPct val="0"/>
-              </a:spcBef>
-              <a:spcAft>
-                <a:spcPct val="0"/>
-              </a:spcAft>
-              <a:defRPr>
-                <a:solidFill>
-                  <a:schemeClr val="tx1"/>
-                </a:solidFill>
-                <a:latin typeface="Calibri" pitchFamily="34" charset="0"/>
-              </a:defRPr>
-            </a:lvl8pPr>
-            <a:lvl9pPr marL="3886200" indent="-228600" fontAlgn="base">
-              <a:spcBef>
-                <a:spcPct val="0"/>
-              </a:spcBef>
-              <a:spcAft>
-                <a:spcPct val="0"/>
-              </a:spcAft>
-              <a:defRPr>
-                <a:solidFill>
-                  <a:schemeClr val="tx1"/>
-                </a:solidFill>
-                <a:latin typeface="Calibri" pitchFamily="34" charset="0"/>
-              </a:defRPr>
-            </a:lvl9pPr>
-          </a:lstStyle>
-          <a:p>
-            <a:pPr>
-              <a:lnSpc>
-                <a:spcPts val="5763"/>
-              </a:lnSpc>
-            </a:pPr>
-            <a:r>
-              <a:rPr lang="es-HN" sz="4900" b="1">
-                <a:solidFill>
-                  <a:srgbClr val="404040"/>
-                </a:solidFill>
-                <a:latin typeface="Rockwell" pitchFamily="18" charset="0"/>
-              </a:rPr>
-              <a:t>THANK </a:t>
-            </a:r>
-            <a:r>
-              <a:rPr lang="es-HN" sz="4900" b="1">
-                <a:solidFill>
-                  <a:srgbClr val="FFC000"/>
-                </a:solidFill>
-                <a:latin typeface="Rockwell" pitchFamily="18" charset="0"/>
-              </a:rPr>
-              <a:t>YOU</a:t>
-            </a:r>
-          </a:p>
-        </p:txBody>
-      </p:sp>
-    </p:spTree>
-  </p:cSld>
-  <p:clrMapOvr>
-    <a:masterClrMapping/>
-  </p:clrMapOvr>
-  <p:transition/>
-  <p:timing>
-    <p:tnLst>
-      <p:par>
-        <p:cTn id="1" dur="indefinite" restart="never" nodeType="tmRoot">
-          <p:childTnLst>
-            <p:seq concurrent="1" nextAc="seek">
-              <p:cTn id="2" dur="indefinite" nodeType="mainSeq">
-                <p:childTnLst>
-                  <p:par>
-                    <p:cTn id="3" fill="hold" nodeType="clickPar">
-                      <p:stCondLst>
-                        <p:cond delay="indefinite"/>
-                        <p:cond evt="onBegin" delay="0">
-                          <p:tn val="2"/>
-                        </p:cond>
-                      </p:stCondLst>
-                      <p:childTnLst>
-                        <p:par>
-                          <p:cTn id="4" fill="hold" nodeType="withGroup">
-                            <p:stCondLst>
-                              <p:cond delay="0"/>
-                            </p:stCondLst>
-                            <p:childTnLst>
-                              <p:par>
-                                <p:cTn id="5" presetID="41" presetClass="entr" presetSubtype="0" fill="hold" grpId="0" nodeType="withEffect">
-                                  <p:stCondLst>
-                                    <p:cond delay="0"/>
-                                  </p:stCondLst>
-                                  <p:iterate type="lt">
-                                    <p:tmPct val="10000"/>
-                                  </p:iterate>
-                                  <p:childTnLst>
-                                    <p:set>
-                                      <p:cBhvr>
-                                        <p:cTn id="6" dur="1" fill="hold">
-                                          <p:stCondLst>
-                                            <p:cond delay="0"/>
-                                          </p:stCondLst>
-                                        </p:cTn>
-                                        <p:tgtEl>
-                                          <p:spTgt spid="4"/>
-                                        </p:tgtEl>
-                                        <p:attrNameLst>
-                                          <p:attrName>style.visibility</p:attrName>
-                                        </p:attrNameLst>
-                                      </p:cBhvr>
-                                      <p:to>
-                                        <p:strVal val="visible"/>
-                                      </p:to>
-                                    </p:set>
-                                    <p:anim calcmode="lin" valueType="num">
-                                      <p:cBhvr>
-                                        <p:cTn id="7" dur="500" fill="hold"/>
-                                        <p:tgtEl>
-                                          <p:spTgt spid="4"/>
-                                        </p:tgtEl>
-                                        <p:attrNameLst>
-                                          <p:attrName>ppt_x</p:attrName>
-                                        </p:attrNameLst>
-                                      </p:cBhvr>
-                                      <p:tavLst>
-                                        <p:tav tm="0">
-                                          <p:val>
-                                            <p:strVal val="#ppt_x"/>
-                                          </p:val>
-                                        </p:tav>
-                                        <p:tav tm="50000">
-                                          <p:val>
-                                            <p:strVal val="#ppt_x+.1"/>
-                                          </p:val>
-                                        </p:tav>
-                                        <p:tav tm="100000">
-                                          <p:val>
-                                            <p:strVal val="#ppt_x"/>
-                                          </p:val>
-                                        </p:tav>
-                                      </p:tavLst>
-                                    </p:anim>
-                                    <p:anim calcmode="lin" valueType="num">
-                                      <p:cBhvr>
-                                        <p:cTn id="8" dur="500" fill="hold"/>
-                                        <p:tgtEl>
-                                          <p:spTgt spid="4"/>
-                                        </p:tgtEl>
-                                        <p:attrNameLst>
-                                          <p:attrName>ppt_y</p:attrName>
-                                        </p:attrNameLst>
-                                      </p:cBhvr>
-                                      <p:tavLst>
-                                        <p:tav tm="0">
-                                          <p:val>
-                                            <p:strVal val="#ppt_y"/>
-                                          </p:val>
-                                        </p:tav>
-                                        <p:tav tm="100000">
-                                          <p:val>
-                                            <p:strVal val="#ppt_y"/>
-                                          </p:val>
-                                        </p:tav>
-                                      </p:tavLst>
-                                    </p:anim>
-                                    <p:anim calcmode="lin" valueType="num">
-                                      <p:cBhvr>
-                                        <p:cTn id="9" dur="500" fill="hold"/>
-                                        <p:tgtEl>
-                                          <p:spTgt spid="4"/>
-                                        </p:tgtEl>
-                                        <p:attrNameLst>
-                                          <p:attrName>ppt_h</p:attrName>
-                                        </p:attrNameLst>
-                                      </p:cBhvr>
-                                      <p:tavLst>
-                                        <p:tav tm="0">
-                                          <p:val>
-                                            <p:strVal val="#ppt_h/10"/>
-                                          </p:val>
-                                        </p:tav>
-                                        <p:tav tm="50000">
-                                          <p:val>
-                                            <p:strVal val="#ppt_h+.01"/>
-                                          </p:val>
-                                        </p:tav>
-                                        <p:tav tm="100000">
-                                          <p:val>
-                                            <p:strVal val="#ppt_h"/>
-                                          </p:val>
-                                        </p:tav>
-                                      </p:tavLst>
-                                    </p:anim>
-                                    <p:anim calcmode="lin" valueType="num">
-                                      <p:cBhvr>
-                                        <p:cTn id="10" dur="500" fill="hold"/>
-                                        <p:tgtEl>
-                                          <p:spTgt spid="4"/>
-                                        </p:tgtEl>
-                                        <p:attrNameLst>
-                                          <p:attrName>ppt_w</p:attrName>
-                                        </p:attrNameLst>
-                                      </p:cBhvr>
-                                      <p:tavLst>
-                                        <p:tav tm="0">
-                                          <p:val>
-                                            <p:strVal val="#ppt_w/10"/>
-                                          </p:val>
-                                        </p:tav>
-                                        <p:tav tm="50000">
-                                          <p:val>
-                                            <p:strVal val="#ppt_w+.01"/>
-                                          </p:val>
-                                        </p:tav>
-                                        <p:tav tm="100000">
-                                          <p:val>
-                                            <p:strVal val="#ppt_w"/>
-                                          </p:val>
-                                        </p:tav>
-                                      </p:tavLst>
-                                    </p:anim>
-                                    <p:animEffect transition="in" filter="fade">
-                                      <p:cBhvr>
-                                        <p:cTn id="11" dur="500" tmFilter="0,0; .5, 1; 1, 1"/>
-                                        <p:tgtEl>
-                                          <p:spTgt spid="4"/>
-                                        </p:tgtEl>
-                                      </p:cBhvr>
-                                    </p:animEffect>
-                                  </p:childTnLst>
-                                </p:cTn>
-                              </p:par>
-                            </p:childTnLst>
-                          </p:cTn>
-                        </p:par>
-                      </p:childTnLst>
-                    </p:cTn>
-                  </p:par>
-                </p:childTnLst>
-              </p:cTn>
-              <p:prevCondLst>
-                <p:cond evt="onPrev" delay="0">
-                  <p:tgtEl>
-                    <p:sldTgt/>
-                  </p:tgtEl>
-                </p:cond>
-              </p:prevCondLst>
-              <p:nextCondLst>
-                <p:cond evt="onNext" delay="0">
-                  <p:tgtEl>
-                    <p:sldTgt/>
-                  </p:tgtEl>
-                </p:cond>
-              </p:nextCondLst>
-            </p:seq>
-          </p:childTnLst>
-        </p:cTn>
-      </p:par>
-    </p:tnLst>
-    <p:bldLst>
-      <p:bldP spid="4" grpId="0"/>
-    </p:bldLst>
   </p:timing>
 </p:sld>
 </file>

--- a/docs/presentation/Presentasjon oblig 5.pptx
+++ b/docs/presentation/Presentasjon oblig 5.pptx
@@ -161,6 +161,10 @@
     </p:ext>
   </p:extLst>
 </p:presentation>
+</file>
+
+<file path=ppt/revisionInfo.xml><?xml version="1.0" encoding="utf-8"?>
+<p1510:revInfo xmlns:a="http://schemas.openxmlformats.org/drawingml/2006/main" xmlns:r="http://schemas.openxmlformats.org/officeDocument/2006/relationships" xmlns:p1510="http://schemas.microsoft.com/office/powerpoint/2015/10/main"/>
 </file>
 
 <file path=ppt/slideLayouts/slideLayout1.xml><?xml version="1.0" encoding="utf-8"?>
@@ -6238,7 +6242,7 @@
           <a:blip r:embed="rId3">
             <a:extLst>
               <a:ext uri="{28A0092B-C50C-407E-A947-70E740481C1C}">
-                <a14:useLocalDpi xmlns:a14="http://schemas.microsoft.com/office/drawing/2010/main" val="0"/>
+                <a14:useLocalDpi xmlns:a14="http://schemas.microsoft.com/office/drawing/2010/main"/>
               </a:ext>
             </a:extLst>
           </a:blip>
@@ -6292,7 +6296,7 @@
           <a:blip r:embed="rId3">
             <a:extLst>
               <a:ext uri="{28A0092B-C50C-407E-A947-70E740481C1C}">
-                <a14:useLocalDpi xmlns:a14="http://schemas.microsoft.com/office/drawing/2010/main" val="0"/>
+                <a14:useLocalDpi xmlns:a14="http://schemas.microsoft.com/office/drawing/2010/main"/>
               </a:ext>
             </a:extLst>
           </a:blip>
@@ -6346,7 +6350,7 @@
           <a:blip r:embed="rId4">
             <a:extLst>
               <a:ext uri="{28A0092B-C50C-407E-A947-70E740481C1C}">
-                <a14:useLocalDpi xmlns:a14="http://schemas.microsoft.com/office/drawing/2010/main" val="0"/>
+                <a14:useLocalDpi xmlns:a14="http://schemas.microsoft.com/office/drawing/2010/main"/>
               </a:ext>
             </a:extLst>
           </a:blip>
@@ -6400,7 +6404,7 @@
           <a:blip r:embed="rId5">
             <a:extLst>
               <a:ext uri="{28A0092B-C50C-407E-A947-70E740481C1C}">
-                <a14:useLocalDpi xmlns:a14="http://schemas.microsoft.com/office/drawing/2010/main" val="0"/>
+                <a14:useLocalDpi xmlns:a14="http://schemas.microsoft.com/office/drawing/2010/main"/>
               </a:ext>
             </a:extLst>
           </a:blip>
@@ -7743,7 +7747,7 @@
           <a:blip r:embed="rId3">
             <a:extLst>
               <a:ext uri="{28A0092B-C50C-407E-A947-70E740481C1C}">
-                <a14:useLocalDpi xmlns:a14="http://schemas.microsoft.com/office/drawing/2010/main" val="0"/>
+                <a14:useLocalDpi xmlns:a14="http://schemas.microsoft.com/office/drawing/2010/main"/>
               </a:ext>
             </a:extLst>
           </a:blip>
@@ -8286,7 +8290,7 @@
           <a:blip r:embed="rId3">
             <a:extLst>
               <a:ext uri="{28A0092B-C50C-407E-A947-70E740481C1C}">
-                <a14:useLocalDpi xmlns:a14="http://schemas.microsoft.com/office/drawing/2010/main" val="0"/>
+                <a14:useLocalDpi xmlns:a14="http://schemas.microsoft.com/office/drawing/2010/main"/>
               </a:ext>
             </a:extLst>
           </a:blip>
@@ -8561,7 +8565,7 @@
           <a:blip r:embed="rId4">
             <a:extLst>
               <a:ext uri="{28A0092B-C50C-407E-A947-70E740481C1C}">
-                <a14:useLocalDpi xmlns:a14="http://schemas.microsoft.com/office/drawing/2010/main" val="0"/>
+                <a14:useLocalDpi xmlns:a14="http://schemas.microsoft.com/office/drawing/2010/main"/>
               </a:ext>
             </a:extLst>
           </a:blip>
@@ -8615,7 +8619,7 @@
           <a:blip r:embed="rId4">
             <a:extLst>
               <a:ext uri="{28A0092B-C50C-407E-A947-70E740481C1C}">
-                <a14:useLocalDpi xmlns:a14="http://schemas.microsoft.com/office/drawing/2010/main" val="0"/>
+                <a14:useLocalDpi xmlns:a14="http://schemas.microsoft.com/office/drawing/2010/main"/>
               </a:ext>
             </a:extLst>
           </a:blip>
@@ -8926,7 +8930,7 @@
           <a:blip r:embed="rId5">
             <a:extLst>
               <a:ext uri="{28A0092B-C50C-407E-A947-70E740481C1C}">
-                <a14:useLocalDpi xmlns:a14="http://schemas.microsoft.com/office/drawing/2010/main" val="0"/>
+                <a14:useLocalDpi xmlns:a14="http://schemas.microsoft.com/office/drawing/2010/main"/>
               </a:ext>
             </a:extLst>
           </a:blip>
@@ -8979,10 +8983,10 @@
           <p:nvPr/>
         </p:nvPicPr>
         <p:blipFill>
-          <a:blip r:embed="rId6" cstate="print">
+          <a:blip r:embed="rId6" cstate="screen">
             <a:extLst>
               <a:ext uri="{28A0092B-C50C-407E-A947-70E740481C1C}">
-                <a14:useLocalDpi xmlns:a14="http://schemas.microsoft.com/office/drawing/2010/main" val="0"/>
+                <a14:useLocalDpi xmlns:a14="http://schemas.microsoft.com/office/drawing/2010/main"/>
               </a:ext>
             </a:extLst>
           </a:blip>
@@ -9035,10 +9039,10 @@
           <p:nvPr/>
         </p:nvPicPr>
         <p:blipFill>
-          <a:blip r:embed="rId7" cstate="print">
+          <a:blip r:embed="rId7" cstate="screen">
             <a:extLst>
               <a:ext uri="{28A0092B-C50C-407E-A947-70E740481C1C}">
-                <a14:useLocalDpi xmlns:a14="http://schemas.microsoft.com/office/drawing/2010/main" val="0"/>
+                <a14:useLocalDpi xmlns:a14="http://schemas.microsoft.com/office/drawing/2010/main"/>
               </a:ext>
             </a:extLst>
           </a:blip>
@@ -9092,7 +9096,7 @@
           <a:blip r:embed="rId8">
             <a:extLst>
               <a:ext uri="{28A0092B-C50C-407E-A947-70E740481C1C}">
-                <a14:useLocalDpi xmlns:a14="http://schemas.microsoft.com/office/drawing/2010/main" val="0"/>
+                <a14:useLocalDpi xmlns:a14="http://schemas.microsoft.com/office/drawing/2010/main"/>
               </a:ext>
             </a:extLst>
           </a:blip>
@@ -9855,7 +9859,7 @@
           <a:blip r:embed="rId3">
             <a:extLst>
               <a:ext uri="{28A0092B-C50C-407E-A947-70E740481C1C}">
-                <a14:useLocalDpi xmlns:a14="http://schemas.microsoft.com/office/drawing/2010/main" val="0"/>
+                <a14:useLocalDpi xmlns:a14="http://schemas.microsoft.com/office/drawing/2010/main"/>
               </a:ext>
             </a:extLst>
           </a:blip>
@@ -10292,7 +10296,7 @@
           <a:blip r:embed="rId4">
             <a:extLst>
               <a:ext uri="{28A0092B-C50C-407E-A947-70E740481C1C}">
-                <a14:useLocalDpi xmlns:a14="http://schemas.microsoft.com/office/drawing/2010/main" val="0"/>
+                <a14:useLocalDpi xmlns:a14="http://schemas.microsoft.com/office/drawing/2010/main"/>
               </a:ext>
             </a:extLst>
           </a:blip>
@@ -10346,7 +10350,7 @@
           <a:blip r:embed="rId4">
             <a:extLst>
               <a:ext uri="{28A0092B-C50C-407E-A947-70E740481C1C}">
-                <a14:useLocalDpi xmlns:a14="http://schemas.microsoft.com/office/drawing/2010/main" val="0"/>
+                <a14:useLocalDpi xmlns:a14="http://schemas.microsoft.com/office/drawing/2010/main"/>
               </a:ext>
             </a:extLst>
           </a:blip>
@@ -10665,7 +10669,7 @@
           <a:blip r:embed="rId5">
             <a:extLst>
               <a:ext uri="{28A0092B-C50C-407E-A947-70E740481C1C}">
-                <a14:useLocalDpi xmlns:a14="http://schemas.microsoft.com/office/drawing/2010/main" val="0"/>
+                <a14:useLocalDpi xmlns:a14="http://schemas.microsoft.com/office/drawing/2010/main"/>
               </a:ext>
             </a:extLst>
           </a:blip>
@@ -10718,10 +10722,10 @@
           <p:nvPr/>
         </p:nvPicPr>
         <p:blipFill>
-          <a:blip r:embed="rId6" cstate="print">
+          <a:blip r:embed="rId6" cstate="screen">
             <a:extLst>
               <a:ext uri="{28A0092B-C50C-407E-A947-70E740481C1C}">
-                <a14:useLocalDpi xmlns:a14="http://schemas.microsoft.com/office/drawing/2010/main" val="0"/>
+                <a14:useLocalDpi xmlns:a14="http://schemas.microsoft.com/office/drawing/2010/main"/>
               </a:ext>
             </a:extLst>
           </a:blip>
@@ -10774,10 +10778,10 @@
           <p:nvPr/>
         </p:nvPicPr>
         <p:blipFill>
-          <a:blip r:embed="rId7" cstate="print">
+          <a:blip r:embed="rId7" cstate="screen">
             <a:extLst>
               <a:ext uri="{28A0092B-C50C-407E-A947-70E740481C1C}">
-                <a14:useLocalDpi xmlns:a14="http://schemas.microsoft.com/office/drawing/2010/main" val="0"/>
+                <a14:useLocalDpi xmlns:a14="http://schemas.microsoft.com/office/drawing/2010/main"/>
               </a:ext>
             </a:extLst>
           </a:blip>
@@ -10831,7 +10835,7 @@
           <a:blip r:embed="rId8">
             <a:extLst>
               <a:ext uri="{28A0092B-C50C-407E-A947-70E740481C1C}">
-                <a14:useLocalDpi xmlns:a14="http://schemas.microsoft.com/office/drawing/2010/main" val="0"/>
+                <a14:useLocalDpi xmlns:a14="http://schemas.microsoft.com/office/drawing/2010/main"/>
               </a:ext>
             </a:extLst>
           </a:blip>
@@ -11685,7 +11689,7 @@
           <a:blip r:embed="rId3">
             <a:extLst>
               <a:ext uri="{28A0092B-C50C-407E-A947-70E740481C1C}">
-                <a14:useLocalDpi xmlns:a14="http://schemas.microsoft.com/office/drawing/2010/main" val="0"/>
+                <a14:useLocalDpi xmlns:a14="http://schemas.microsoft.com/office/drawing/2010/main"/>
               </a:ext>
             </a:extLst>
           </a:blip>
@@ -11993,7 +11997,7 @@
           <a:blip r:embed="rId4">
             <a:extLst>
               <a:ext uri="{28A0092B-C50C-407E-A947-70E740481C1C}">
-                <a14:useLocalDpi xmlns:a14="http://schemas.microsoft.com/office/drawing/2010/main" val="0"/>
+                <a14:useLocalDpi xmlns:a14="http://schemas.microsoft.com/office/drawing/2010/main"/>
               </a:ext>
             </a:extLst>
           </a:blip>
@@ -12047,7 +12051,7 @@
           <a:blip r:embed="rId4">
             <a:extLst>
               <a:ext uri="{28A0092B-C50C-407E-A947-70E740481C1C}">
-                <a14:useLocalDpi xmlns:a14="http://schemas.microsoft.com/office/drawing/2010/main" val="0"/>
+                <a14:useLocalDpi xmlns:a14="http://schemas.microsoft.com/office/drawing/2010/main"/>
               </a:ext>
             </a:extLst>
           </a:blip>
@@ -12366,7 +12370,7 @@
           <a:blip r:embed="rId5">
             <a:extLst>
               <a:ext uri="{28A0092B-C50C-407E-A947-70E740481C1C}">
-                <a14:useLocalDpi xmlns:a14="http://schemas.microsoft.com/office/drawing/2010/main" val="0"/>
+                <a14:useLocalDpi xmlns:a14="http://schemas.microsoft.com/office/drawing/2010/main"/>
               </a:ext>
             </a:extLst>
           </a:blip>
@@ -12419,10 +12423,10 @@
           <p:nvPr/>
         </p:nvPicPr>
         <p:blipFill>
-          <a:blip r:embed="rId6" cstate="print">
+          <a:blip r:embed="rId6" cstate="screen">
             <a:extLst>
               <a:ext uri="{28A0092B-C50C-407E-A947-70E740481C1C}">
-                <a14:useLocalDpi xmlns:a14="http://schemas.microsoft.com/office/drawing/2010/main" val="0"/>
+                <a14:useLocalDpi xmlns:a14="http://schemas.microsoft.com/office/drawing/2010/main"/>
               </a:ext>
             </a:extLst>
           </a:blip>
@@ -12475,10 +12479,10 @@
           <p:nvPr/>
         </p:nvPicPr>
         <p:blipFill>
-          <a:blip r:embed="rId7" cstate="print">
+          <a:blip r:embed="rId7" cstate="screen">
             <a:extLst>
               <a:ext uri="{28A0092B-C50C-407E-A947-70E740481C1C}">
-                <a14:useLocalDpi xmlns:a14="http://schemas.microsoft.com/office/drawing/2010/main" val="0"/>
+                <a14:useLocalDpi xmlns:a14="http://schemas.microsoft.com/office/drawing/2010/main"/>
               </a:ext>
             </a:extLst>
           </a:blip>
@@ -12532,7 +12536,7 @@
           <a:blip r:embed="rId8">
             <a:extLst>
               <a:ext uri="{28A0092B-C50C-407E-A947-70E740481C1C}">
-                <a14:useLocalDpi xmlns:a14="http://schemas.microsoft.com/office/drawing/2010/main" val="0"/>
+                <a14:useLocalDpi xmlns:a14="http://schemas.microsoft.com/office/drawing/2010/main"/>
               </a:ext>
             </a:extLst>
           </a:blip>
@@ -12935,7 +12939,7 @@
           <a:blip r:embed="rId3">
             <a:extLst>
               <a:ext uri="{28A0092B-C50C-407E-A947-70E740481C1C}">
-                <a14:useLocalDpi xmlns:a14="http://schemas.microsoft.com/office/drawing/2010/main" val="0"/>
+                <a14:useLocalDpi xmlns:a14="http://schemas.microsoft.com/office/drawing/2010/main"/>
               </a:ext>
             </a:extLst>
           </a:blip>
@@ -13243,7 +13247,7 @@
           <a:blip r:embed="rId4">
             <a:extLst>
               <a:ext uri="{28A0092B-C50C-407E-A947-70E740481C1C}">
-                <a14:useLocalDpi xmlns:a14="http://schemas.microsoft.com/office/drawing/2010/main" val="0"/>
+                <a14:useLocalDpi xmlns:a14="http://schemas.microsoft.com/office/drawing/2010/main"/>
               </a:ext>
             </a:extLst>
           </a:blip>
@@ -13297,7 +13301,7 @@
           <a:blip r:embed="rId4">
             <a:extLst>
               <a:ext uri="{28A0092B-C50C-407E-A947-70E740481C1C}">
-                <a14:useLocalDpi xmlns:a14="http://schemas.microsoft.com/office/drawing/2010/main" val="0"/>
+                <a14:useLocalDpi xmlns:a14="http://schemas.microsoft.com/office/drawing/2010/main"/>
               </a:ext>
             </a:extLst>
           </a:blip>
@@ -13616,7 +13620,7 @@
           <a:blip r:embed="rId5">
             <a:extLst>
               <a:ext uri="{28A0092B-C50C-407E-A947-70E740481C1C}">
-                <a14:useLocalDpi xmlns:a14="http://schemas.microsoft.com/office/drawing/2010/main" val="0"/>
+                <a14:useLocalDpi xmlns:a14="http://schemas.microsoft.com/office/drawing/2010/main"/>
               </a:ext>
             </a:extLst>
           </a:blip>
@@ -13669,10 +13673,10 @@
           <p:nvPr/>
         </p:nvPicPr>
         <p:blipFill>
-          <a:blip r:embed="rId6" cstate="print">
+          <a:blip r:embed="rId6" cstate="screen">
             <a:extLst>
               <a:ext uri="{28A0092B-C50C-407E-A947-70E740481C1C}">
-                <a14:useLocalDpi xmlns:a14="http://schemas.microsoft.com/office/drawing/2010/main" val="0"/>
+                <a14:useLocalDpi xmlns:a14="http://schemas.microsoft.com/office/drawing/2010/main"/>
               </a:ext>
             </a:extLst>
           </a:blip>
@@ -13725,10 +13729,10 @@
           <p:nvPr/>
         </p:nvPicPr>
         <p:blipFill>
-          <a:blip r:embed="rId7" cstate="print">
+          <a:blip r:embed="rId7" cstate="screen">
             <a:extLst>
               <a:ext uri="{28A0092B-C50C-407E-A947-70E740481C1C}">
-                <a14:useLocalDpi xmlns:a14="http://schemas.microsoft.com/office/drawing/2010/main" val="0"/>
+                <a14:useLocalDpi xmlns:a14="http://schemas.microsoft.com/office/drawing/2010/main"/>
               </a:ext>
             </a:extLst>
           </a:blip>
@@ -13782,7 +13786,7 @@
           <a:blip r:embed="rId8">
             <a:extLst>
               <a:ext uri="{28A0092B-C50C-407E-A947-70E740481C1C}">
-                <a14:useLocalDpi xmlns:a14="http://schemas.microsoft.com/office/drawing/2010/main" val="0"/>
+                <a14:useLocalDpi xmlns:a14="http://schemas.microsoft.com/office/drawing/2010/main"/>
               </a:ext>
             </a:extLst>
           </a:blip>
@@ -14185,7 +14189,7 @@
           <a:blip r:embed="rId3">
             <a:extLst>
               <a:ext uri="{28A0092B-C50C-407E-A947-70E740481C1C}">
-                <a14:useLocalDpi xmlns:a14="http://schemas.microsoft.com/office/drawing/2010/main" val="0"/>
+                <a14:useLocalDpi xmlns:a14="http://schemas.microsoft.com/office/drawing/2010/main"/>
               </a:ext>
             </a:extLst>
           </a:blip>
@@ -14493,7 +14497,7 @@
           <a:blip r:embed="rId4">
             <a:extLst>
               <a:ext uri="{28A0092B-C50C-407E-A947-70E740481C1C}">
-                <a14:useLocalDpi xmlns:a14="http://schemas.microsoft.com/office/drawing/2010/main" val="0"/>
+                <a14:useLocalDpi xmlns:a14="http://schemas.microsoft.com/office/drawing/2010/main"/>
               </a:ext>
             </a:extLst>
           </a:blip>
@@ -14547,7 +14551,7 @@
           <a:blip r:embed="rId4">
             <a:extLst>
               <a:ext uri="{28A0092B-C50C-407E-A947-70E740481C1C}">
-                <a14:useLocalDpi xmlns:a14="http://schemas.microsoft.com/office/drawing/2010/main" val="0"/>
+                <a14:useLocalDpi xmlns:a14="http://schemas.microsoft.com/office/drawing/2010/main"/>
               </a:ext>
             </a:extLst>
           </a:blip>
@@ -14866,7 +14870,7 @@
           <a:blip r:embed="rId5">
             <a:extLst>
               <a:ext uri="{28A0092B-C50C-407E-A947-70E740481C1C}">
-                <a14:useLocalDpi xmlns:a14="http://schemas.microsoft.com/office/drawing/2010/main" val="0"/>
+                <a14:useLocalDpi xmlns:a14="http://schemas.microsoft.com/office/drawing/2010/main"/>
               </a:ext>
             </a:extLst>
           </a:blip>
@@ -14919,10 +14923,10 @@
           <p:nvPr/>
         </p:nvPicPr>
         <p:blipFill>
-          <a:blip r:embed="rId6" cstate="print">
+          <a:blip r:embed="rId6" cstate="screen">
             <a:extLst>
               <a:ext uri="{28A0092B-C50C-407E-A947-70E740481C1C}">
-                <a14:useLocalDpi xmlns:a14="http://schemas.microsoft.com/office/drawing/2010/main" val="0"/>
+                <a14:useLocalDpi xmlns:a14="http://schemas.microsoft.com/office/drawing/2010/main"/>
               </a:ext>
             </a:extLst>
           </a:blip>
@@ -14975,10 +14979,10 @@
           <p:nvPr/>
         </p:nvPicPr>
         <p:blipFill>
-          <a:blip r:embed="rId7" cstate="print">
+          <a:blip r:embed="rId7" cstate="screen">
             <a:extLst>
               <a:ext uri="{28A0092B-C50C-407E-A947-70E740481C1C}">
-                <a14:useLocalDpi xmlns:a14="http://schemas.microsoft.com/office/drawing/2010/main" val="0"/>
+                <a14:useLocalDpi xmlns:a14="http://schemas.microsoft.com/office/drawing/2010/main"/>
               </a:ext>
             </a:extLst>
           </a:blip>
@@ -15032,7 +15036,7 @@
           <a:blip r:embed="rId8">
             <a:extLst>
               <a:ext uri="{28A0092B-C50C-407E-A947-70E740481C1C}">
-                <a14:useLocalDpi xmlns:a14="http://schemas.microsoft.com/office/drawing/2010/main" val="0"/>
+                <a14:useLocalDpi xmlns:a14="http://schemas.microsoft.com/office/drawing/2010/main"/>
               </a:ext>
             </a:extLst>
           </a:blip>
@@ -15435,7 +15439,7 @@
           <a:blip r:embed="rId3">
             <a:extLst>
               <a:ext uri="{28A0092B-C50C-407E-A947-70E740481C1C}">
-                <a14:useLocalDpi xmlns:a14="http://schemas.microsoft.com/office/drawing/2010/main" val="0"/>
+                <a14:useLocalDpi xmlns:a14="http://schemas.microsoft.com/office/drawing/2010/main"/>
               </a:ext>
             </a:extLst>
           </a:blip>
@@ -15477,95 +15481,6 @@
           </a:extLst>
         </p:spPr>
       </p:pic>
-      <p:grpSp>
-        <p:nvGrpSpPr>
-          <p:cNvPr id="14340" name="13 Grupo"/>
-          <p:cNvGrpSpPr>
-            <a:grpSpLocks/>
-          </p:cNvGrpSpPr>
-          <p:nvPr/>
-        </p:nvGrpSpPr>
-        <p:grpSpPr bwMode="auto">
-          <a:xfrm>
-            <a:off x="4618038" y="2276475"/>
-            <a:ext cx="6350" cy="3017838"/>
-            <a:chOff x="4276603" y="1491264"/>
-            <a:chExt cx="319" cy="3377896"/>
-          </a:xfrm>
-        </p:grpSpPr>
-        <p:cxnSp>
-          <p:nvCxnSpPr>
-            <p:cNvPr id="10" name="9 Conector recto"/>
-            <p:cNvCxnSpPr/>
-            <p:nvPr/>
-          </p:nvCxnSpPr>
-          <p:spPr>
-            <a:xfrm>
-              <a:off x="4276603" y="1491264"/>
-              <a:ext cx="0" cy="3377896"/>
-            </a:xfrm>
-            <a:prstGeom prst="line">
-              <a:avLst/>
-            </a:prstGeom>
-            <a:ln>
-              <a:solidFill>
-                <a:schemeClr val="bg1">
-                  <a:lumMod val="85000"/>
-                </a:schemeClr>
-              </a:solidFill>
-            </a:ln>
-          </p:spPr>
-          <p:style>
-            <a:lnRef idx="1">
-              <a:schemeClr val="dk1"/>
-            </a:lnRef>
-            <a:fillRef idx="0">
-              <a:schemeClr val="dk1"/>
-            </a:fillRef>
-            <a:effectRef idx="0">
-              <a:schemeClr val="dk1"/>
-            </a:effectRef>
-            <a:fontRef idx="minor">
-              <a:schemeClr val="tx1"/>
-            </a:fontRef>
-          </p:style>
-        </p:cxnSp>
-        <p:cxnSp>
-          <p:nvCxnSpPr>
-            <p:cNvPr id="11" name="10 Conector recto"/>
-            <p:cNvCxnSpPr/>
-            <p:nvPr/>
-          </p:nvCxnSpPr>
-          <p:spPr>
-            <a:xfrm>
-              <a:off x="4276922" y="1491264"/>
-              <a:ext cx="0" cy="3377896"/>
-            </a:xfrm>
-            <a:prstGeom prst="line">
-              <a:avLst/>
-            </a:prstGeom>
-            <a:ln>
-              <a:solidFill>
-                <a:schemeClr val="bg1"/>
-              </a:solidFill>
-            </a:ln>
-          </p:spPr>
-          <p:style>
-            <a:lnRef idx="1">
-              <a:schemeClr val="dk1"/>
-            </a:lnRef>
-            <a:fillRef idx="0">
-              <a:schemeClr val="dk1"/>
-            </a:fillRef>
-            <a:effectRef idx="0">
-              <a:schemeClr val="dk1"/>
-            </a:effectRef>
-            <a:fontRef idx="minor">
-              <a:schemeClr val="tx1"/>
-            </a:fontRef>
-          </p:style>
-        </p:cxnSp>
-      </p:grpSp>
       <p:sp>
         <p:nvSpPr>
           <p:cNvPr id="24" name="1 Título"/>
@@ -15687,8 +15602,8 @@
         </p:nvSpPr>
         <p:spPr>
           <a:xfrm>
-            <a:off x="317500" y="2059930"/>
-            <a:ext cx="2663825" cy="474663"/>
+            <a:off x="1618165" y="3191669"/>
+            <a:ext cx="5907670" cy="474663"/>
           </a:xfrm>
           <a:prstGeom prst="rect">
             <a:avLst/>
@@ -15722,12 +15637,78 @@
               </a:spcAft>
               <a:defRPr/>
             </a:pPr>
-            <a:endParaRPr lang="es-HN" sz="1950" b="1" dirty="0">
-              <a:solidFill>
-                <a:srgbClr val="FFC000"/>
-              </a:solidFill>
-              <a:latin typeface="Rockwell" pitchFamily="18" charset="0"/>
-            </a:endParaRPr>
+            <a:r>
+              <a:rPr lang="es-HN" sz="2000" b="1" dirty="0" err="1">
+                <a:solidFill>
+                  <a:schemeClr val="tx1">
+                    <a:lumMod val="65000"/>
+                    <a:lumOff val="35000"/>
+                  </a:schemeClr>
+                </a:solidFill>
+                <a:latin typeface="Rockwell" pitchFamily="18" charset="0"/>
+              </a:rPr>
+              <a:t>See</a:t>
+            </a:r>
+            <a:r>
+              <a:rPr lang="es-HN" sz="2000" b="1" dirty="0">
+                <a:solidFill>
+                  <a:schemeClr val="tx1">
+                    <a:lumMod val="65000"/>
+                    <a:lumOff val="35000"/>
+                  </a:schemeClr>
+                </a:solidFill>
+                <a:latin typeface="Rockwell" pitchFamily="18" charset="0"/>
+              </a:rPr>
+              <a:t> /gruppe-6/</a:t>
+            </a:r>
+            <a:r>
+              <a:rPr lang="es-HN" sz="2000" b="1" dirty="0" err="1">
+                <a:solidFill>
+                  <a:schemeClr val="tx1">
+                    <a:lumMod val="65000"/>
+                    <a:lumOff val="35000"/>
+                  </a:schemeClr>
+                </a:solidFill>
+                <a:latin typeface="Rockwell" pitchFamily="18" charset="0"/>
+              </a:rPr>
+              <a:t>docs</a:t>
+            </a:r>
+            <a:r>
+              <a:rPr lang="es-HN" sz="2000" b="1" dirty="0">
+                <a:solidFill>
+                  <a:schemeClr val="tx1">
+                    <a:lumMod val="65000"/>
+                    <a:lumOff val="35000"/>
+                  </a:schemeClr>
+                </a:solidFill>
+                <a:latin typeface="Rockwell" pitchFamily="18" charset="0"/>
+              </a:rPr>
+              <a:t>/</a:t>
+            </a:r>
+            <a:r>
+              <a:rPr lang="es-HN" sz="2000" b="1" dirty="0" err="1">
+                <a:solidFill>
+                  <a:schemeClr val="tx1">
+                    <a:lumMod val="65000"/>
+                    <a:lumOff val="35000"/>
+                  </a:schemeClr>
+                </a:solidFill>
+                <a:latin typeface="Rockwell" pitchFamily="18" charset="0"/>
+              </a:rPr>
+              <a:t>DoodleChess</a:t>
+            </a:r>
+            <a:r>
+              <a:rPr lang="es-HN" sz="2000" b="1" dirty="0">
+                <a:solidFill>
+                  <a:schemeClr val="tx1">
+                    <a:lumMod val="65000"/>
+                    <a:lumOff val="35000"/>
+                  </a:schemeClr>
+                </a:solidFill>
+                <a:latin typeface="Rockwell" pitchFamily="18" charset="0"/>
+              </a:rPr>
+              <a:t> Demo.mp4</a:t>
+            </a:r>
           </a:p>
         </p:txBody>
       </p:sp>
@@ -15743,7 +15724,7 @@
           <a:blip r:embed="rId4">
             <a:extLst>
               <a:ext uri="{28A0092B-C50C-407E-A947-70E740481C1C}">
-                <a14:useLocalDpi xmlns:a14="http://schemas.microsoft.com/office/drawing/2010/main" val="0"/>
+                <a14:useLocalDpi xmlns:a14="http://schemas.microsoft.com/office/drawing/2010/main"/>
               </a:ext>
             </a:extLst>
           </a:blip>
@@ -15797,7 +15778,7 @@
           <a:blip r:embed="rId4">
             <a:extLst>
               <a:ext uri="{28A0092B-C50C-407E-A947-70E740481C1C}">
-                <a14:useLocalDpi xmlns:a14="http://schemas.microsoft.com/office/drawing/2010/main" val="0"/>
+                <a14:useLocalDpi xmlns:a14="http://schemas.microsoft.com/office/drawing/2010/main"/>
               </a:ext>
             </a:extLst>
           </a:blip>
@@ -16111,7 +16092,7 @@
           <a:blip r:embed="rId5">
             <a:extLst>
               <a:ext uri="{28A0092B-C50C-407E-A947-70E740481C1C}">
-                <a14:useLocalDpi xmlns:a14="http://schemas.microsoft.com/office/drawing/2010/main" val="0"/>
+                <a14:useLocalDpi xmlns:a14="http://schemas.microsoft.com/office/drawing/2010/main"/>
               </a:ext>
             </a:extLst>
           </a:blip>
@@ -16164,10 +16145,10 @@
           <p:nvPr/>
         </p:nvPicPr>
         <p:blipFill>
-          <a:blip r:embed="rId6" cstate="print">
+          <a:blip r:embed="rId6" cstate="screen">
             <a:extLst>
               <a:ext uri="{28A0092B-C50C-407E-A947-70E740481C1C}">
-                <a14:useLocalDpi xmlns:a14="http://schemas.microsoft.com/office/drawing/2010/main" val="0"/>
+                <a14:useLocalDpi xmlns:a14="http://schemas.microsoft.com/office/drawing/2010/main"/>
               </a:ext>
             </a:extLst>
           </a:blip>
@@ -16220,10 +16201,10 @@
           <p:nvPr/>
         </p:nvPicPr>
         <p:blipFill>
-          <a:blip r:embed="rId7" cstate="print">
+          <a:blip r:embed="rId7" cstate="screen">
             <a:extLst>
               <a:ext uri="{28A0092B-C50C-407E-A947-70E740481C1C}">
-                <a14:useLocalDpi xmlns:a14="http://schemas.microsoft.com/office/drawing/2010/main" val="0"/>
+                <a14:useLocalDpi xmlns:a14="http://schemas.microsoft.com/office/drawing/2010/main"/>
               </a:ext>
             </a:extLst>
           </a:blip>
@@ -16277,7 +16258,7 @@
           <a:blip r:embed="rId8">
             <a:extLst>
               <a:ext uri="{28A0092B-C50C-407E-A947-70E740481C1C}">
-                <a14:useLocalDpi xmlns:a14="http://schemas.microsoft.com/office/drawing/2010/main" val="0"/>
+                <a14:useLocalDpi xmlns:a14="http://schemas.microsoft.com/office/drawing/2010/main"/>
               </a:ext>
             </a:extLst>
           </a:blip>
@@ -16451,12 +16432,6 @@
               </a:rPr>
               <a:t>DEMOVIDEO</a:t>
             </a:r>
-            <a:endParaRPr lang="es-HN" sz="4930" b="1" dirty="0">
-              <a:solidFill>
-                <a:srgbClr val="FFC000"/>
-              </a:solidFill>
-              <a:latin typeface="Rockwell" pitchFamily="18" charset="0"/>
-            </a:endParaRPr>
           </a:p>
         </p:txBody>
       </p:sp>
@@ -16574,15 +16549,10 @@
                                 </p:cTn>
                               </p:par>
                               <p:par>
-                                <p:cTn id="11" presetID="10" presetClass="entr" presetSubtype="0" fill="hold" grpId="0" nodeType="withEffect" nodePh="1">
+                                <p:cTn id="11" presetID="10" presetClass="entr" presetSubtype="0" fill="hold" grpId="0" nodeType="withEffect">
                                   <p:stCondLst>
                                     <p:cond delay="0"/>
                                   </p:stCondLst>
-                                  <p:endCondLst>
-                                    <p:cond evt="begin" delay="0">
-                                      <p:tn val="11"/>
-                                    </p:cond>
-                                  </p:endCondLst>
                                   <p:childTnLst>
                                     <p:set>
                                       <p:cBhvr>
@@ -17395,7 +17365,13 @@
           <p:nvPr/>
         </p:nvPicPr>
         <p:blipFill>
-          <a:blip r:embed="rId6"/>
+          <a:blip r:embed="rId6" cstate="screen">
+            <a:extLst>
+              <a:ext uri="{28A0092B-C50C-407E-A947-70E740481C1C}">
+                <a14:useLocalDpi xmlns:a14="http://schemas.microsoft.com/office/drawing/2010/main"/>
+              </a:ext>
+            </a:extLst>
+          </a:blip>
           <a:stretch/>
         </p:blipFill>
         <p:spPr>
@@ -17511,7 +17487,7 @@
         <p:spPr>
           <a:xfrm>
             <a:off x="477720" y="1979640"/>
-            <a:ext cx="3553920" cy="1512360"/>
+            <a:ext cx="8414760" cy="3813120"/>
           </a:xfrm>
           <a:prstGeom prst="rect">
             <a:avLst/>
@@ -17557,7 +17533,7 @@
               <a:defRPr/>
             </a:pPr>
             <a:r>
-              <a:rPr lang="en-US" sz="1200" spc="-1" noProof="0" dirty="0">
+              <a:rPr lang="nb-NO" spc="-1" dirty="0">
                 <a:solidFill>
                   <a:srgbClr val="808080"/>
                 </a:solidFill>
@@ -17568,7 +17544,35 @@
                 </a:uFill>
                 <a:latin typeface="Calibri"/>
               </a:rPr>
-              <a:t>..</a:t>
+              <a:t>M</a:t>
+            </a:r>
+            <a:r>
+              <a:rPr lang="en-US" spc="-1" dirty="0" err="1">
+                <a:solidFill>
+                  <a:srgbClr val="808080"/>
+                </a:solidFill>
+                <a:uFill>
+                  <a:solidFill>
+                    <a:srgbClr val="FFFFFF"/>
+                  </a:solidFill>
+                </a:uFill>
+                <a:latin typeface="Calibri"/>
+              </a:rPr>
+              <a:t>uch</a:t>
+            </a:r>
+            <a:r>
+              <a:rPr lang="en-US" spc="-1" dirty="0">
+                <a:solidFill>
+                  <a:srgbClr val="808080"/>
+                </a:solidFill>
+                <a:uFill>
+                  <a:solidFill>
+                    <a:srgbClr val="FFFFFF"/>
+                  </a:solidFill>
+                </a:uFill>
+                <a:latin typeface="Calibri"/>
+              </a:rPr>
+              <a:t> improved distribution of workload.</a:t>
             </a:r>
           </a:p>
           <a:p>
@@ -17592,7 +17596,7 @@
               <a:defRPr/>
             </a:pPr>
             <a:r>
-              <a:rPr lang="en-US" sz="1200" spc="-1" noProof="0" dirty="0">
+              <a:rPr lang="nb-NO" spc="-1" dirty="0" err="1">
                 <a:solidFill>
                   <a:srgbClr val="808080"/>
                 </a:solidFill>
@@ -17603,7 +17607,133 @@
                 </a:uFill>
                 <a:latin typeface="Calibri"/>
               </a:rPr>
-              <a:t>..</a:t>
+              <a:t>Managed</a:t>
+            </a:r>
+            <a:r>
+              <a:rPr lang="nb-NO" spc="-1" dirty="0">
+                <a:solidFill>
+                  <a:srgbClr val="808080"/>
+                </a:solidFill>
+                <a:uFill>
+                  <a:solidFill>
+                    <a:srgbClr val="FFFFFF"/>
+                  </a:solidFill>
+                </a:uFill>
+                <a:latin typeface="Calibri"/>
+              </a:rPr>
+              <a:t> to </a:t>
+            </a:r>
+            <a:r>
+              <a:rPr lang="nb-NO" spc="-1" dirty="0" err="1">
+                <a:solidFill>
+                  <a:srgbClr val="808080"/>
+                </a:solidFill>
+                <a:uFill>
+                  <a:solidFill>
+                    <a:srgbClr val="FFFFFF"/>
+                  </a:solidFill>
+                </a:uFill>
+                <a:latin typeface="Calibri"/>
+              </a:rPr>
+              <a:t>spread</a:t>
+            </a:r>
+            <a:r>
+              <a:rPr lang="nb-NO" spc="-1" dirty="0">
+                <a:solidFill>
+                  <a:srgbClr val="808080"/>
+                </a:solidFill>
+                <a:uFill>
+                  <a:solidFill>
+                    <a:srgbClr val="FFFFFF"/>
+                  </a:solidFill>
+                </a:uFill>
+                <a:latin typeface="Calibri"/>
+              </a:rPr>
+              <a:t> </a:t>
+            </a:r>
+            <a:r>
+              <a:rPr lang="nb-NO" spc="-1" dirty="0" err="1">
+                <a:solidFill>
+                  <a:srgbClr val="808080"/>
+                </a:solidFill>
+                <a:uFill>
+                  <a:solidFill>
+                    <a:srgbClr val="FFFFFF"/>
+                  </a:solidFill>
+                </a:uFill>
+                <a:latin typeface="Calibri"/>
+              </a:rPr>
+              <a:t>knowledge</a:t>
+            </a:r>
+            <a:r>
+              <a:rPr lang="nb-NO" spc="-1" dirty="0">
+                <a:solidFill>
+                  <a:srgbClr val="808080"/>
+                </a:solidFill>
+                <a:uFill>
+                  <a:solidFill>
+                    <a:srgbClr val="FFFFFF"/>
+                  </a:solidFill>
+                </a:uFill>
+                <a:latin typeface="Calibri"/>
+              </a:rPr>
+              <a:t> </a:t>
+            </a:r>
+            <a:r>
+              <a:rPr lang="nb-NO" spc="-1" dirty="0" err="1">
+                <a:solidFill>
+                  <a:srgbClr val="808080"/>
+                </a:solidFill>
+                <a:uFill>
+                  <a:solidFill>
+                    <a:srgbClr val="FFFFFF"/>
+                  </a:solidFill>
+                </a:uFill>
+                <a:latin typeface="Calibri"/>
+              </a:rPr>
+              <a:t>of</a:t>
+            </a:r>
+            <a:r>
+              <a:rPr lang="nb-NO" spc="-1" dirty="0">
+                <a:solidFill>
+                  <a:srgbClr val="808080"/>
+                </a:solidFill>
+                <a:uFill>
+                  <a:solidFill>
+                    <a:srgbClr val="FFFFFF"/>
+                  </a:solidFill>
+                </a:uFill>
+                <a:latin typeface="Calibri"/>
+              </a:rPr>
+              <a:t> </a:t>
+            </a:r>
+            <a:r>
+              <a:rPr lang="nb-NO" spc="-1" dirty="0" err="1">
+                <a:solidFill>
+                  <a:srgbClr val="808080"/>
+                </a:solidFill>
+                <a:uFill>
+                  <a:solidFill>
+                    <a:srgbClr val="FFFFFF"/>
+                  </a:solidFill>
+                </a:uFill>
+                <a:latin typeface="Calibri"/>
+              </a:rPr>
+              <a:t>subsystems</a:t>
+            </a:r>
+            <a:r>
+              <a:rPr lang="en-US" spc="-1" dirty="0">
+                <a:solidFill>
+                  <a:srgbClr val="808080"/>
+                </a:solidFill>
+                <a:uFill>
+                  <a:solidFill>
+                    <a:srgbClr val="FFFFFF"/>
+                  </a:solidFill>
+                </a:uFill>
+                <a:latin typeface="Calibri"/>
+              </a:rPr>
+              <a:t> and avoid single-responsibility.</a:t>
             </a:r>
           </a:p>
           <a:p>
@@ -17627,15 +17757,10 @@
               <a:defRPr/>
             </a:pPr>
             <a:r>
-              <a:rPr kumimoji="0" lang="en-US" sz="1200" b="0" i="0" u="none" strike="noStrike" kern="1200" cap="none" spc="-1" normalizeH="0" baseline="0" dirty="0">
-                <a:ln>
-                  <a:noFill/>
-                </a:ln>
+              <a:rPr lang="nb-NO" spc="-1" dirty="0">
                 <a:solidFill>
                   <a:srgbClr val="808080"/>
                 </a:solidFill>
-                <a:effectLst/>
-                <a:uLnTx/>
                 <a:uFill>
                   <a:solidFill>
                     <a:srgbClr val="FFFFFF"/>
@@ -17643,24 +17768,772 @@
                 </a:uFill>
                 <a:latin typeface="Calibri"/>
               </a:rPr>
-              <a:t>..</a:t>
+              <a:t>P</a:t>
             </a:r>
-            <a:endParaRPr kumimoji="0" lang="en-US" sz="1800" b="0" i="0" u="none" strike="noStrike" kern="1200" cap="none" spc="-1" normalizeH="0" baseline="0" noProof="0" dirty="0">
-              <a:ln>
-                <a:noFill/>
-              </a:ln>
+            <a:r>
+              <a:rPr lang="en-US" spc="-1" dirty="0">
+                <a:solidFill>
+                  <a:srgbClr val="808080"/>
+                </a:solidFill>
+                <a:uFill>
+                  <a:solidFill>
+                    <a:srgbClr val="FFFFFF"/>
+                  </a:solidFill>
+                </a:uFill>
+                <a:latin typeface="Calibri"/>
+              </a:rPr>
+              <a:t>air programming worked well.</a:t>
+            </a:r>
+          </a:p>
+          <a:p>
+            <a:pPr marL="216000" marR="0" lvl="0" indent="-216000" algn="just" defTabSz="914400" rtl="0" eaLnBrk="1" fontAlgn="auto" latinLnBrk="0" hangingPunct="1">
+              <a:lnSpc>
+                <a:spcPct val="120000"/>
+              </a:lnSpc>
+              <a:spcBef>
+                <a:spcPts val="0"/>
+              </a:spcBef>
+              <a:spcAft>
+                <a:spcPts val="0"/>
+              </a:spcAft>
+              <a:buClr>
+                <a:srgbClr val="808080"/>
+              </a:buClr>
+              <a:buSzPct val="45000"/>
+              <a:buFont typeface="Wingdings" charset="2"/>
+              <a:buChar char=""/>
+              <a:tabLst/>
+              <a:defRPr/>
+            </a:pPr>
+            <a:r>
+              <a:rPr lang="nb-NO" spc="-1" dirty="0" err="1">
+                <a:solidFill>
+                  <a:srgbClr val="808080"/>
+                </a:solidFill>
+                <a:uFill>
+                  <a:solidFill>
+                    <a:srgbClr val="FFFFFF"/>
+                  </a:solidFill>
+                </a:uFill>
+                <a:latin typeface="Calibri"/>
+              </a:rPr>
+              <a:t>Refactoring</a:t>
+            </a:r>
+            <a:r>
+              <a:rPr lang="nb-NO" spc="-1" dirty="0">
+                <a:solidFill>
+                  <a:srgbClr val="808080"/>
+                </a:solidFill>
+                <a:uFill>
+                  <a:solidFill>
+                    <a:srgbClr val="FFFFFF"/>
+                  </a:solidFill>
+                </a:uFill>
+                <a:latin typeface="Calibri"/>
+              </a:rPr>
+              <a:t> as </a:t>
+            </a:r>
+            <a:r>
+              <a:rPr lang="nb-NO" spc="-1" dirty="0" err="1">
+                <a:solidFill>
+                  <a:srgbClr val="808080"/>
+                </a:solidFill>
+                <a:uFill>
+                  <a:solidFill>
+                    <a:srgbClr val="FFFFFF"/>
+                  </a:solidFill>
+                </a:uFill>
+                <a:latin typeface="Calibri"/>
+              </a:rPr>
+              <a:t>needed</a:t>
+            </a:r>
+            <a:r>
+              <a:rPr lang="nb-NO" spc="-1" dirty="0">
+                <a:solidFill>
+                  <a:srgbClr val="808080"/>
+                </a:solidFill>
+                <a:uFill>
+                  <a:solidFill>
+                    <a:srgbClr val="FFFFFF"/>
+                  </a:solidFill>
+                </a:uFill>
+                <a:latin typeface="Calibri"/>
+              </a:rPr>
+              <a:t> </a:t>
+            </a:r>
+            <a:r>
+              <a:rPr lang="nb-NO" spc="-1" dirty="0" err="1">
+                <a:solidFill>
+                  <a:srgbClr val="808080"/>
+                </a:solidFill>
+                <a:uFill>
+                  <a:solidFill>
+                    <a:srgbClr val="FFFFFF"/>
+                  </a:solidFill>
+                </a:uFill>
+                <a:latin typeface="Calibri"/>
+              </a:rPr>
+              <a:t>kept</a:t>
+            </a:r>
+            <a:r>
+              <a:rPr lang="nb-NO" spc="-1" dirty="0">
+                <a:solidFill>
+                  <a:srgbClr val="808080"/>
+                </a:solidFill>
+                <a:uFill>
+                  <a:solidFill>
+                    <a:srgbClr val="FFFFFF"/>
+                  </a:solidFill>
+                </a:uFill>
+                <a:latin typeface="Calibri"/>
+              </a:rPr>
+              <a:t> </a:t>
+            </a:r>
+            <a:r>
+              <a:rPr lang="nb-NO" spc="-1" dirty="0" err="1">
+                <a:solidFill>
+                  <a:srgbClr val="808080"/>
+                </a:solidFill>
+                <a:uFill>
+                  <a:solidFill>
+                    <a:srgbClr val="FFFFFF"/>
+                  </a:solidFill>
+                </a:uFill>
+                <a:latin typeface="Calibri"/>
+              </a:rPr>
+              <a:t>the</a:t>
+            </a:r>
+            <a:r>
+              <a:rPr lang="nb-NO" spc="-1" dirty="0">
+                <a:solidFill>
+                  <a:srgbClr val="808080"/>
+                </a:solidFill>
+                <a:uFill>
+                  <a:solidFill>
+                    <a:srgbClr val="FFFFFF"/>
+                  </a:solidFill>
+                </a:uFill>
+                <a:latin typeface="Calibri"/>
+              </a:rPr>
+              <a:t> </a:t>
+            </a:r>
+            <a:r>
+              <a:rPr lang="nb-NO" spc="-1" dirty="0" err="1">
+                <a:solidFill>
+                  <a:srgbClr val="808080"/>
+                </a:solidFill>
+                <a:uFill>
+                  <a:solidFill>
+                    <a:srgbClr val="FFFFFF"/>
+                  </a:solidFill>
+                </a:uFill>
+                <a:latin typeface="Calibri"/>
+              </a:rPr>
+              <a:t>project</a:t>
+            </a:r>
+            <a:r>
+              <a:rPr lang="nb-NO" spc="-1" dirty="0">
+                <a:solidFill>
+                  <a:srgbClr val="808080"/>
+                </a:solidFill>
+                <a:uFill>
+                  <a:solidFill>
+                    <a:srgbClr val="FFFFFF"/>
+                  </a:solidFill>
+                </a:uFill>
+                <a:latin typeface="Calibri"/>
+              </a:rPr>
+              <a:t> </a:t>
+            </a:r>
+            <a:r>
+              <a:rPr lang="nb-NO" spc="-1" dirty="0" err="1">
+                <a:solidFill>
+                  <a:srgbClr val="808080"/>
+                </a:solidFill>
+                <a:uFill>
+                  <a:solidFill>
+                    <a:srgbClr val="FFFFFF"/>
+                  </a:solidFill>
+                </a:uFill>
+                <a:latin typeface="Calibri"/>
+              </a:rPr>
+              <a:t>extendable</a:t>
+            </a:r>
+            <a:r>
+              <a:rPr lang="nb-NO" spc="-1" dirty="0">
+                <a:solidFill>
+                  <a:srgbClr val="808080"/>
+                </a:solidFill>
+                <a:uFill>
+                  <a:solidFill>
+                    <a:srgbClr val="FFFFFF"/>
+                  </a:solidFill>
+                </a:uFill>
+                <a:latin typeface="Calibri"/>
+              </a:rPr>
+              <a:t> and </a:t>
+            </a:r>
+            <a:r>
+              <a:rPr lang="nb-NO" spc="-1" dirty="0" err="1">
+                <a:solidFill>
+                  <a:srgbClr val="808080"/>
+                </a:solidFill>
+                <a:uFill>
+                  <a:solidFill>
+                    <a:srgbClr val="FFFFFF"/>
+                  </a:solidFill>
+                </a:uFill>
+                <a:latin typeface="Calibri"/>
+              </a:rPr>
+              <a:t>modular</a:t>
+            </a:r>
+            <a:r>
+              <a:rPr lang="nb-NO" spc="-1" dirty="0">
+                <a:solidFill>
+                  <a:srgbClr val="808080"/>
+                </a:solidFill>
+                <a:uFill>
+                  <a:solidFill>
+                    <a:srgbClr val="FFFFFF"/>
+                  </a:solidFill>
+                </a:uFill>
+                <a:latin typeface="Calibri"/>
+              </a:rPr>
+              <a:t>.</a:t>
+            </a:r>
+          </a:p>
+          <a:p>
+            <a:pPr marL="216000" marR="0" lvl="0" indent="-216000" algn="just" defTabSz="914400" rtl="0" eaLnBrk="1" fontAlgn="auto" latinLnBrk="0" hangingPunct="1">
+              <a:lnSpc>
+                <a:spcPct val="120000"/>
+              </a:lnSpc>
+              <a:spcBef>
+                <a:spcPts val="0"/>
+              </a:spcBef>
+              <a:spcAft>
+                <a:spcPts val="0"/>
+              </a:spcAft>
+              <a:buClr>
+                <a:srgbClr val="808080"/>
+              </a:buClr>
+              <a:buSzPct val="45000"/>
+              <a:buFont typeface="Wingdings" charset="2"/>
+              <a:buChar char=""/>
+              <a:tabLst/>
+              <a:defRPr/>
+            </a:pPr>
+            <a:endParaRPr lang="nb-NO" spc="-1" dirty="0">
               <a:solidFill>
-                <a:srgbClr val="000000"/>
+                <a:srgbClr val="808080"/>
               </a:solidFill>
-              <a:effectLst/>
-              <a:uLnTx/>
               <a:uFill>
                 <a:solidFill>
                   <a:srgbClr val="FFFFFF"/>
                 </a:solidFill>
               </a:uFill>
-              <a:latin typeface="Arial"/>
+              <a:latin typeface="Calibri"/>
             </a:endParaRPr>
+          </a:p>
+          <a:p>
+            <a:pPr marL="216000" marR="0" lvl="0" indent="-216000" algn="just" defTabSz="914400" rtl="0" eaLnBrk="1" fontAlgn="auto" latinLnBrk="0" hangingPunct="1">
+              <a:lnSpc>
+                <a:spcPct val="120000"/>
+              </a:lnSpc>
+              <a:spcBef>
+                <a:spcPts val="0"/>
+              </a:spcBef>
+              <a:spcAft>
+                <a:spcPts val="0"/>
+              </a:spcAft>
+              <a:buClr>
+                <a:srgbClr val="808080"/>
+              </a:buClr>
+              <a:buSzPct val="45000"/>
+              <a:buFont typeface="Wingdings" charset="2"/>
+              <a:buChar char=""/>
+              <a:tabLst/>
+              <a:defRPr/>
+            </a:pPr>
+            <a:r>
+              <a:rPr lang="nb-NO" spc="-1" dirty="0" err="1">
+                <a:solidFill>
+                  <a:srgbClr val="808080"/>
+                </a:solidFill>
+                <a:uFill>
+                  <a:solidFill>
+                    <a:srgbClr val="FFFFFF"/>
+                  </a:solidFill>
+                </a:uFill>
+                <a:latin typeface="Calibri"/>
+              </a:rPr>
+              <a:t>Some</a:t>
+            </a:r>
+            <a:r>
+              <a:rPr lang="nb-NO" spc="-1" dirty="0">
+                <a:solidFill>
+                  <a:srgbClr val="808080"/>
+                </a:solidFill>
+                <a:uFill>
+                  <a:solidFill>
+                    <a:srgbClr val="FFFFFF"/>
+                  </a:solidFill>
+                </a:uFill>
+                <a:latin typeface="Calibri"/>
+              </a:rPr>
+              <a:t> </a:t>
+            </a:r>
+            <a:r>
+              <a:rPr lang="nb-NO" spc="-1" dirty="0" err="1">
+                <a:solidFill>
+                  <a:srgbClr val="808080"/>
+                </a:solidFill>
+                <a:uFill>
+                  <a:solidFill>
+                    <a:srgbClr val="FFFFFF"/>
+                  </a:solidFill>
+                </a:uFill>
+                <a:latin typeface="Calibri"/>
+              </a:rPr>
+              <a:t>feature</a:t>
+            </a:r>
+            <a:r>
+              <a:rPr lang="nb-NO" spc="-1" dirty="0">
+                <a:solidFill>
+                  <a:srgbClr val="808080"/>
+                </a:solidFill>
+                <a:uFill>
+                  <a:solidFill>
+                    <a:srgbClr val="FFFFFF"/>
+                  </a:solidFill>
+                </a:uFill>
+                <a:latin typeface="Calibri"/>
+              </a:rPr>
+              <a:t> </a:t>
+            </a:r>
+            <a:r>
+              <a:rPr lang="nb-NO" spc="-1" dirty="0" err="1">
+                <a:solidFill>
+                  <a:srgbClr val="808080"/>
+                </a:solidFill>
+                <a:uFill>
+                  <a:solidFill>
+                    <a:srgbClr val="FFFFFF"/>
+                  </a:solidFill>
+                </a:uFill>
+                <a:latin typeface="Calibri"/>
+              </a:rPr>
+              <a:t>creep</a:t>
+            </a:r>
+            <a:r>
+              <a:rPr lang="nb-NO" spc="-1" dirty="0">
+                <a:solidFill>
+                  <a:srgbClr val="808080"/>
+                </a:solidFill>
+                <a:uFill>
+                  <a:solidFill>
+                    <a:srgbClr val="FFFFFF"/>
+                  </a:solidFill>
+                </a:uFill>
+                <a:latin typeface="Calibri"/>
+              </a:rPr>
+              <a:t>.</a:t>
+            </a:r>
+          </a:p>
+          <a:p>
+            <a:pPr marL="216000" marR="0" lvl="0" indent="-216000" algn="just" defTabSz="914400" rtl="0" eaLnBrk="1" fontAlgn="auto" latinLnBrk="0" hangingPunct="1">
+              <a:lnSpc>
+                <a:spcPct val="120000"/>
+              </a:lnSpc>
+              <a:spcBef>
+                <a:spcPts val="0"/>
+              </a:spcBef>
+              <a:spcAft>
+                <a:spcPts val="0"/>
+              </a:spcAft>
+              <a:buClr>
+                <a:srgbClr val="808080"/>
+              </a:buClr>
+              <a:buSzPct val="45000"/>
+              <a:buFont typeface="Wingdings" charset="2"/>
+              <a:buChar char=""/>
+              <a:tabLst/>
+              <a:defRPr/>
+            </a:pPr>
+            <a:r>
+              <a:rPr lang="nb-NO" spc="-1" dirty="0" err="1">
+                <a:solidFill>
+                  <a:srgbClr val="808080"/>
+                </a:solidFill>
+                <a:uFill>
+                  <a:solidFill>
+                    <a:srgbClr val="FFFFFF"/>
+                  </a:solidFill>
+                </a:uFill>
+                <a:latin typeface="Calibri"/>
+              </a:rPr>
+              <a:t>Workload</a:t>
+            </a:r>
+            <a:r>
+              <a:rPr lang="nb-NO" spc="-1" dirty="0">
+                <a:solidFill>
+                  <a:srgbClr val="808080"/>
+                </a:solidFill>
+                <a:uFill>
+                  <a:solidFill>
+                    <a:srgbClr val="FFFFFF"/>
+                  </a:solidFill>
+                </a:uFill>
+                <a:latin typeface="Calibri"/>
+              </a:rPr>
+              <a:t> </a:t>
+            </a:r>
+            <a:r>
+              <a:rPr lang="nb-NO" spc="-1" dirty="0" err="1">
+                <a:solidFill>
+                  <a:srgbClr val="808080"/>
+                </a:solidFill>
+                <a:uFill>
+                  <a:solidFill>
+                    <a:srgbClr val="FFFFFF"/>
+                  </a:solidFill>
+                </a:uFill>
+                <a:latin typeface="Calibri"/>
+              </a:rPr>
+              <a:t>shifted</a:t>
+            </a:r>
+            <a:r>
+              <a:rPr lang="nb-NO" spc="-1" dirty="0">
+                <a:solidFill>
+                  <a:srgbClr val="808080"/>
+                </a:solidFill>
+                <a:uFill>
+                  <a:solidFill>
+                    <a:srgbClr val="FFFFFF"/>
+                  </a:solidFill>
+                </a:uFill>
+                <a:latin typeface="Calibri"/>
+              </a:rPr>
+              <a:t> to last-</a:t>
+            </a:r>
+            <a:r>
+              <a:rPr lang="nb-NO" spc="-1" dirty="0" err="1">
+                <a:solidFill>
+                  <a:srgbClr val="808080"/>
+                </a:solidFill>
+                <a:uFill>
+                  <a:solidFill>
+                    <a:srgbClr val="FFFFFF"/>
+                  </a:solidFill>
+                </a:uFill>
+                <a:latin typeface="Calibri"/>
+              </a:rPr>
+              <a:t>second</a:t>
+            </a:r>
+            <a:r>
+              <a:rPr lang="nb-NO" spc="-1" dirty="0">
+                <a:solidFill>
+                  <a:srgbClr val="808080"/>
+                </a:solidFill>
+                <a:uFill>
+                  <a:solidFill>
+                    <a:srgbClr val="FFFFFF"/>
+                  </a:solidFill>
+                </a:uFill>
+                <a:latin typeface="Calibri"/>
+              </a:rPr>
+              <a:t> </a:t>
+            </a:r>
+            <a:r>
+              <a:rPr lang="nb-NO" spc="-1" dirty="0" err="1">
+                <a:solidFill>
+                  <a:srgbClr val="808080"/>
+                </a:solidFill>
+                <a:uFill>
+                  <a:solidFill>
+                    <a:srgbClr val="FFFFFF"/>
+                  </a:solidFill>
+                </a:uFill>
+                <a:latin typeface="Calibri"/>
+              </a:rPr>
+              <a:t>again</a:t>
+            </a:r>
+            <a:r>
+              <a:rPr lang="nb-NO" spc="-1" dirty="0">
+                <a:solidFill>
+                  <a:srgbClr val="808080"/>
+                </a:solidFill>
+                <a:uFill>
+                  <a:solidFill>
+                    <a:srgbClr val="FFFFFF"/>
+                  </a:solidFill>
+                </a:uFill>
+                <a:latin typeface="Calibri"/>
+              </a:rPr>
+              <a:t>.</a:t>
+            </a:r>
+          </a:p>
+          <a:p>
+            <a:pPr marL="216000" marR="0" lvl="0" indent="-216000" algn="just" defTabSz="914400" rtl="0" eaLnBrk="1" fontAlgn="auto" latinLnBrk="0" hangingPunct="1">
+              <a:lnSpc>
+                <a:spcPct val="120000"/>
+              </a:lnSpc>
+              <a:spcBef>
+                <a:spcPts val="0"/>
+              </a:spcBef>
+              <a:spcAft>
+                <a:spcPts val="0"/>
+              </a:spcAft>
+              <a:buClr>
+                <a:srgbClr val="808080"/>
+              </a:buClr>
+              <a:buSzPct val="45000"/>
+              <a:buFont typeface="Wingdings" charset="2"/>
+              <a:buChar char=""/>
+              <a:tabLst/>
+              <a:defRPr/>
+            </a:pPr>
+            <a:endParaRPr lang="nb-NO" spc="-1" dirty="0">
+              <a:solidFill>
+                <a:srgbClr val="808080"/>
+              </a:solidFill>
+              <a:uFill>
+                <a:solidFill>
+                  <a:srgbClr val="FFFFFF"/>
+                </a:solidFill>
+              </a:uFill>
+              <a:latin typeface="Calibri"/>
+            </a:endParaRPr>
+          </a:p>
+          <a:p>
+            <a:pPr marL="216000" marR="0" lvl="0" indent="-216000" defTabSz="914400" rtl="0" eaLnBrk="1" fontAlgn="auto" latinLnBrk="0" hangingPunct="1">
+              <a:lnSpc>
+                <a:spcPct val="120000"/>
+              </a:lnSpc>
+              <a:spcBef>
+                <a:spcPts val="0"/>
+              </a:spcBef>
+              <a:spcAft>
+                <a:spcPts val="0"/>
+              </a:spcAft>
+              <a:buClr>
+                <a:srgbClr val="808080"/>
+              </a:buClr>
+              <a:buSzPct val="45000"/>
+              <a:buFont typeface="Wingdings" charset="2"/>
+              <a:buChar char=""/>
+              <a:tabLst/>
+              <a:defRPr/>
+            </a:pPr>
+            <a:r>
+              <a:rPr lang="nb-NO" spc="-1" dirty="0">
+                <a:solidFill>
+                  <a:srgbClr val="808080"/>
+                </a:solidFill>
+                <a:uFill>
+                  <a:solidFill>
+                    <a:srgbClr val="FFFFFF"/>
+                  </a:solidFill>
+                </a:uFill>
+                <a:latin typeface="Calibri"/>
+              </a:rPr>
+              <a:t>Several suggested </a:t>
+            </a:r>
+            <a:r>
+              <a:rPr lang="nb-NO" spc="-1" dirty="0" err="1">
+                <a:solidFill>
+                  <a:srgbClr val="808080"/>
+                </a:solidFill>
+                <a:uFill>
+                  <a:solidFill>
+                    <a:srgbClr val="FFFFFF"/>
+                  </a:solidFill>
+                </a:uFill>
+                <a:latin typeface="Calibri"/>
+              </a:rPr>
+              <a:t>features</a:t>
+            </a:r>
+            <a:r>
+              <a:rPr lang="nb-NO" spc="-1" dirty="0">
+                <a:solidFill>
+                  <a:srgbClr val="808080"/>
+                </a:solidFill>
+                <a:uFill>
+                  <a:solidFill>
+                    <a:srgbClr val="FFFFFF"/>
+                  </a:solidFill>
+                </a:uFill>
+                <a:latin typeface="Calibri"/>
+              </a:rPr>
+              <a:t> and </a:t>
+            </a:r>
+            <a:r>
+              <a:rPr lang="nb-NO" spc="-1" dirty="0" err="1">
+                <a:solidFill>
+                  <a:srgbClr val="808080"/>
+                </a:solidFill>
+                <a:uFill>
+                  <a:solidFill>
+                    <a:srgbClr val="FFFFFF"/>
+                  </a:solidFill>
+                </a:uFill>
+                <a:latin typeface="Calibri"/>
+              </a:rPr>
+              <a:t>improvements</a:t>
+            </a:r>
+            <a:r>
+              <a:rPr lang="nb-NO" spc="-1" dirty="0">
+                <a:solidFill>
+                  <a:srgbClr val="808080"/>
+                </a:solidFill>
+                <a:uFill>
+                  <a:solidFill>
+                    <a:srgbClr val="FFFFFF"/>
+                  </a:solidFill>
+                </a:uFill>
+                <a:latin typeface="Calibri"/>
+              </a:rPr>
+              <a:t> (and </a:t>
+            </a:r>
+            <a:r>
+              <a:rPr lang="nb-NO" spc="-1" dirty="0" err="1">
+                <a:solidFill>
+                  <a:srgbClr val="808080"/>
+                </a:solidFill>
+                <a:uFill>
+                  <a:solidFill>
+                    <a:srgbClr val="FFFFFF"/>
+                  </a:solidFill>
+                </a:uFill>
+                <a:latin typeface="Calibri"/>
+              </a:rPr>
+              <a:t>some</a:t>
+            </a:r>
+            <a:r>
+              <a:rPr lang="nb-NO" spc="-1" dirty="0">
+                <a:solidFill>
+                  <a:srgbClr val="808080"/>
+                </a:solidFill>
+                <a:uFill>
+                  <a:solidFill>
+                    <a:srgbClr val="FFFFFF"/>
+                  </a:solidFill>
+                </a:uFill>
+                <a:latin typeface="Calibri"/>
+              </a:rPr>
+              <a:t> </a:t>
+            </a:r>
+            <a:r>
+              <a:rPr lang="nb-NO" spc="-1" dirty="0" err="1">
+                <a:solidFill>
+                  <a:srgbClr val="808080"/>
+                </a:solidFill>
+                <a:uFill>
+                  <a:solidFill>
+                    <a:srgbClr val="FFFFFF"/>
+                  </a:solidFill>
+                </a:uFill>
+                <a:latin typeface="Calibri"/>
+              </a:rPr>
+              <a:t>bugs</a:t>
+            </a:r>
+            <a:r>
+              <a:rPr lang="nb-NO" spc="-1" dirty="0">
+                <a:solidFill>
+                  <a:srgbClr val="808080"/>
+                </a:solidFill>
+                <a:uFill>
+                  <a:solidFill>
+                    <a:srgbClr val="FFFFFF"/>
+                  </a:solidFill>
+                </a:uFill>
+                <a:latin typeface="Calibri"/>
+              </a:rPr>
+              <a:t>) </a:t>
+            </a:r>
+            <a:r>
+              <a:rPr lang="nb-NO" spc="-1" dirty="0" err="1">
+                <a:solidFill>
+                  <a:srgbClr val="808080"/>
+                </a:solidFill>
+                <a:uFill>
+                  <a:solidFill>
+                    <a:srgbClr val="FFFFFF"/>
+                  </a:solidFill>
+                </a:uFill>
+                <a:latin typeface="Calibri"/>
+              </a:rPr>
+              <a:t>remain</a:t>
+            </a:r>
+            <a:r>
+              <a:rPr lang="nb-NO" spc="-1" dirty="0">
+                <a:solidFill>
+                  <a:srgbClr val="808080"/>
+                </a:solidFill>
+                <a:uFill>
+                  <a:solidFill>
+                    <a:srgbClr val="FFFFFF"/>
+                  </a:solidFill>
+                </a:uFill>
+                <a:latin typeface="Calibri"/>
+              </a:rPr>
+              <a:t> for a </a:t>
+            </a:r>
+            <a:r>
+              <a:rPr lang="nb-NO" spc="-1" dirty="0" err="1">
+                <a:solidFill>
+                  <a:srgbClr val="808080"/>
+                </a:solidFill>
+                <a:uFill>
+                  <a:solidFill>
+                    <a:srgbClr val="FFFFFF"/>
+                  </a:solidFill>
+                </a:uFill>
+                <a:latin typeface="Calibri"/>
+              </a:rPr>
+              <a:t>hypothetical</a:t>
+            </a:r>
+            <a:r>
+              <a:rPr lang="nb-NO" spc="-1" dirty="0">
+                <a:solidFill>
+                  <a:srgbClr val="808080"/>
+                </a:solidFill>
+                <a:uFill>
+                  <a:solidFill>
+                    <a:srgbClr val="FFFFFF"/>
+                  </a:solidFill>
+                </a:uFill>
+                <a:latin typeface="Calibri"/>
+              </a:rPr>
+              <a:t> </a:t>
+            </a:r>
+            <a:r>
+              <a:rPr lang="nb-NO" spc="-1" dirty="0" err="1">
+                <a:solidFill>
+                  <a:srgbClr val="808080"/>
+                </a:solidFill>
+                <a:uFill>
+                  <a:solidFill>
+                    <a:srgbClr val="FFFFFF"/>
+                  </a:solidFill>
+                </a:uFill>
+                <a:latin typeface="Calibri"/>
+              </a:rPr>
+              <a:t>next</a:t>
+            </a:r>
+            <a:r>
+              <a:rPr lang="nb-NO" spc="-1" dirty="0">
+                <a:solidFill>
+                  <a:srgbClr val="808080"/>
+                </a:solidFill>
+                <a:uFill>
+                  <a:solidFill>
+                    <a:srgbClr val="FFFFFF"/>
+                  </a:solidFill>
+                </a:uFill>
+                <a:latin typeface="Calibri"/>
+              </a:rPr>
+              <a:t> sprint.</a:t>
+            </a:r>
           </a:p>
         </p:txBody>
       </p:sp>
@@ -17671,7 +18544,13 @@
           <p:nvPr/>
         </p:nvPicPr>
         <p:blipFill>
-          <a:blip r:embed="rId8"/>
+          <a:blip r:embed="rId8" cstate="screen">
+            <a:extLst>
+              <a:ext uri="{28A0092B-C50C-407E-A947-70E740481C1C}">
+                <a14:useLocalDpi xmlns:a14="http://schemas.microsoft.com/office/drawing/2010/main"/>
+              </a:ext>
+            </a:extLst>
+          </a:blip>
           <a:stretch/>
         </p:blipFill>
         <p:spPr>
